--- a/project/MAR Project-Presentation.pptx
+++ b/project/MAR Project-Presentation.pptx
@@ -1,25 +1,28 @@
 
 <file path=ppt/presentation.xml><?xml version="1.0" encoding="utf-8"?>
-<p:presentation xmlns:a="http://schemas.openxmlformats.org/drawingml/2006/main" xmlns:r="http://schemas.openxmlformats.org/officeDocument/2006/relationships" xmlns:mc="http://schemas.openxmlformats.org/markup-compatibility/2006" xmlns:mv="urn:schemas-microsoft-com:mac:vml" xmlns:p="http://schemas.openxmlformats.org/presentationml/2006/main" xmlns:c="http://schemas.openxmlformats.org/drawingml/2006/chart" xmlns:dgm="http://schemas.openxmlformats.org/drawingml/2006/diagram" xmlns:o="urn:schemas-microsoft-com:office:office" xmlns:v="urn:schemas-microsoft-com:vml" xmlns:pvml="urn:schemas-microsoft-com:office:powerpoint" xmlns:com="http://schemas.openxmlformats.org/drawingml/2006/compatibility" xmlns:p14="http://schemas.microsoft.com/office/powerpoint/2010/main" xmlns:p15="http://schemas.microsoft.com/office/powerpoint/2012/main" xmlns:ahyp="http://schemas.microsoft.com/office/drawing/2018/hyperlinkcolor" autoCompressPictures="0" strictFirstAndLastChars="0" saveSubsetFonts="1">
+<p:presentation xmlns:a="http://schemas.openxmlformats.org/drawingml/2006/main" xmlns:r="http://schemas.openxmlformats.org/officeDocument/2006/relationships" xmlns:p="http://schemas.openxmlformats.org/presentationml/2006/main" strictFirstAndLastChars="0" saveSubsetFonts="1" autoCompressPictures="0">
   <p:sldMasterIdLst>
-    <p:sldMasterId id="2147483659" r:id="rId3"/>
+    <p:sldMasterId id="2147483659" r:id="rId1"/>
   </p:sldMasterIdLst>
   <p:notesMasterIdLst>
-    <p:notesMasterId r:id="rId4"/>
+    <p:notesMasterId r:id="rId12"/>
   </p:notesMasterIdLst>
   <p:sldIdLst>
-    <p:sldId id="256" r:id="rId5"/>
-    <p:sldId id="257" r:id="rId6"/>
-    <p:sldId id="258" r:id="rId7"/>
-    <p:sldId id="259" r:id="rId8"/>
+    <p:sldId id="256" r:id="rId2"/>
+    <p:sldId id="257" r:id="rId3"/>
+    <p:sldId id="258" r:id="rId4"/>
+    <p:sldId id="259" r:id="rId5"/>
+    <p:sldId id="263" r:id="rId6"/>
+    <p:sldId id="264" r:id="rId7"/>
+    <p:sldId id="265" r:id="rId8"/>
     <p:sldId id="260" r:id="rId9"/>
     <p:sldId id="261" r:id="rId10"/>
     <p:sldId id="262" r:id="rId11"/>
   </p:sldIdLst>
-  <p:sldSz cy="5143500" cx="9144000"/>
+  <p:sldSz cx="9144000" cy="5143500" type="screen16x9"/>
   <p:notesSz cx="6858000" cy="9144000"/>
   <p:defaultTextStyle>
-    <a:defPPr lvl="0" marR="0" rtl="0" algn="l">
+    <a:defPPr marR="0" lvl="0" algn="l" rtl="0">
       <a:lnSpc>
         <a:spcPct val="100000"/>
       </a:lnSpc>
@@ -30,7 +33,7 @@
         <a:spcPts val="0"/>
       </a:spcAft>
     </a:defPPr>
-    <a:lvl1pPr lvl="0" marR="0" rtl="0" algn="l">
+    <a:lvl1pPr marR="0" lvl="0" algn="l" rtl="0">
       <a:lnSpc>
         <a:spcPct val="100000"/>
       </a:lnSpc>
@@ -44,7 +47,7 @@
         <a:srgbClr val="000000"/>
       </a:buClr>
       <a:buFont typeface="Arial"/>
-      <a:defRPr b="0" i="0" sz="1400" u="none" cap="none" strike="noStrike">
+      <a:defRPr sz="1400" b="0" i="0" u="none" strike="noStrike" cap="none">
         <a:solidFill>
           <a:srgbClr val="000000"/>
         </a:solidFill>
@@ -54,7 +57,7 @@
         <a:sym typeface="Arial"/>
       </a:defRPr>
     </a:lvl1pPr>
-    <a:lvl2pPr lvl="1" marR="0" rtl="0" algn="l">
+    <a:lvl2pPr marR="0" lvl="1" algn="l" rtl="0">
       <a:lnSpc>
         <a:spcPct val="100000"/>
       </a:lnSpc>
@@ -68,7 +71,7 @@
         <a:srgbClr val="000000"/>
       </a:buClr>
       <a:buFont typeface="Arial"/>
-      <a:defRPr b="0" i="0" sz="1400" u="none" cap="none" strike="noStrike">
+      <a:defRPr sz="1400" b="0" i="0" u="none" strike="noStrike" cap="none">
         <a:solidFill>
           <a:srgbClr val="000000"/>
         </a:solidFill>
@@ -78,7 +81,7 @@
         <a:sym typeface="Arial"/>
       </a:defRPr>
     </a:lvl2pPr>
-    <a:lvl3pPr lvl="2" marR="0" rtl="0" algn="l">
+    <a:lvl3pPr marR="0" lvl="2" algn="l" rtl="0">
       <a:lnSpc>
         <a:spcPct val="100000"/>
       </a:lnSpc>
@@ -92,7 +95,7 @@
         <a:srgbClr val="000000"/>
       </a:buClr>
       <a:buFont typeface="Arial"/>
-      <a:defRPr b="0" i="0" sz="1400" u="none" cap="none" strike="noStrike">
+      <a:defRPr sz="1400" b="0" i="0" u="none" strike="noStrike" cap="none">
         <a:solidFill>
           <a:srgbClr val="000000"/>
         </a:solidFill>
@@ -102,7 +105,7 @@
         <a:sym typeface="Arial"/>
       </a:defRPr>
     </a:lvl3pPr>
-    <a:lvl4pPr lvl="3" marR="0" rtl="0" algn="l">
+    <a:lvl4pPr marR="0" lvl="3" algn="l" rtl="0">
       <a:lnSpc>
         <a:spcPct val="100000"/>
       </a:lnSpc>
@@ -116,7 +119,7 @@
         <a:srgbClr val="000000"/>
       </a:buClr>
       <a:buFont typeface="Arial"/>
-      <a:defRPr b="0" i="0" sz="1400" u="none" cap="none" strike="noStrike">
+      <a:defRPr sz="1400" b="0" i="0" u="none" strike="noStrike" cap="none">
         <a:solidFill>
           <a:srgbClr val="000000"/>
         </a:solidFill>
@@ -126,7 +129,7 @@
         <a:sym typeface="Arial"/>
       </a:defRPr>
     </a:lvl4pPr>
-    <a:lvl5pPr lvl="4" marR="0" rtl="0" algn="l">
+    <a:lvl5pPr marR="0" lvl="4" algn="l" rtl="0">
       <a:lnSpc>
         <a:spcPct val="100000"/>
       </a:lnSpc>
@@ -140,7 +143,7 @@
         <a:srgbClr val="000000"/>
       </a:buClr>
       <a:buFont typeface="Arial"/>
-      <a:defRPr b="0" i="0" sz="1400" u="none" cap="none" strike="noStrike">
+      <a:defRPr sz="1400" b="0" i="0" u="none" strike="noStrike" cap="none">
         <a:solidFill>
           <a:srgbClr val="000000"/>
         </a:solidFill>
@@ -150,7 +153,7 @@
         <a:sym typeface="Arial"/>
       </a:defRPr>
     </a:lvl5pPr>
-    <a:lvl6pPr lvl="5" marR="0" rtl="0" algn="l">
+    <a:lvl6pPr marR="0" lvl="5" algn="l" rtl="0">
       <a:lnSpc>
         <a:spcPct val="100000"/>
       </a:lnSpc>
@@ -164,7 +167,7 @@
         <a:srgbClr val="000000"/>
       </a:buClr>
       <a:buFont typeface="Arial"/>
-      <a:defRPr b="0" i="0" sz="1400" u="none" cap="none" strike="noStrike">
+      <a:defRPr sz="1400" b="0" i="0" u="none" strike="noStrike" cap="none">
         <a:solidFill>
           <a:srgbClr val="000000"/>
         </a:solidFill>
@@ -174,7 +177,7 @@
         <a:sym typeface="Arial"/>
       </a:defRPr>
     </a:lvl6pPr>
-    <a:lvl7pPr lvl="6" marR="0" rtl="0" algn="l">
+    <a:lvl7pPr marR="0" lvl="6" algn="l" rtl="0">
       <a:lnSpc>
         <a:spcPct val="100000"/>
       </a:lnSpc>
@@ -188,7 +191,7 @@
         <a:srgbClr val="000000"/>
       </a:buClr>
       <a:buFont typeface="Arial"/>
-      <a:defRPr b="0" i="0" sz="1400" u="none" cap="none" strike="noStrike">
+      <a:defRPr sz="1400" b="0" i="0" u="none" strike="noStrike" cap="none">
         <a:solidFill>
           <a:srgbClr val="000000"/>
         </a:solidFill>
@@ -198,7 +201,7 @@
         <a:sym typeface="Arial"/>
       </a:defRPr>
     </a:lvl7pPr>
-    <a:lvl8pPr lvl="7" marR="0" rtl="0" algn="l">
+    <a:lvl8pPr marR="0" lvl="7" algn="l" rtl="0">
       <a:lnSpc>
         <a:spcPct val="100000"/>
       </a:lnSpc>
@@ -212,7 +215,7 @@
         <a:srgbClr val="000000"/>
       </a:buClr>
       <a:buFont typeface="Arial"/>
-      <a:defRPr b="0" i="0" sz="1400" u="none" cap="none" strike="noStrike">
+      <a:defRPr sz="1400" b="0" i="0" u="none" strike="noStrike" cap="none">
         <a:solidFill>
           <a:srgbClr val="000000"/>
         </a:solidFill>
@@ -222,7 +225,7 @@
         <a:sym typeface="Arial"/>
       </a:defRPr>
     </a:lvl8pPr>
-    <a:lvl9pPr lvl="8" marR="0" rtl="0" algn="l">
+    <a:lvl9pPr marR="0" lvl="8" algn="l" rtl="0">
       <a:lnSpc>
         <a:spcPct val="100000"/>
       </a:lnSpc>
@@ -236,7 +239,7 @@
         <a:srgbClr val="000000"/>
       </a:buClr>
       <a:buFont typeface="Arial"/>
-      <a:defRPr b="0" i="0" sz="1400" u="none" cap="none" strike="noStrike">
+      <a:defRPr sz="1400" b="0" i="0" u="none" strike="noStrike" cap="none">
         <a:solidFill>
           <a:srgbClr val="000000"/>
         </a:solidFill>
@@ -251,11 +254,16 @@
 </file>
 
 <file path=ppt/notesMasters/notesMaster1.xml><?xml version="1.0" encoding="utf-8"?>
-<p:notesMaster xmlns:a="http://schemas.openxmlformats.org/drawingml/2006/main" xmlns:r="http://schemas.openxmlformats.org/officeDocument/2006/relationships" xmlns:mc="http://schemas.openxmlformats.org/markup-compatibility/2006" xmlns:mv="urn:schemas-microsoft-com:mac:vml" xmlns:p="http://schemas.openxmlformats.org/presentationml/2006/main" xmlns:c="http://schemas.openxmlformats.org/drawingml/2006/chart" xmlns:dgm="http://schemas.openxmlformats.org/drawingml/2006/diagram" xmlns:o="urn:schemas-microsoft-com:office:office" xmlns:v="urn:schemas-microsoft-com:vml" xmlns:pvml="urn:schemas-microsoft-com:office:powerpoint" xmlns:com="http://schemas.openxmlformats.org/drawingml/2006/compatibility" xmlns:p14="http://schemas.microsoft.com/office/powerpoint/2010/main" xmlns:p15="http://schemas.microsoft.com/office/powerpoint/2012/main" xmlns:ahyp="http://schemas.microsoft.com/office/drawing/2018/hyperlinkcolor">
+<p:notesMaster xmlns:a="http://schemas.openxmlformats.org/drawingml/2006/main" xmlns:r="http://schemas.openxmlformats.org/officeDocument/2006/relationships" xmlns:p="http://schemas.openxmlformats.org/presentationml/2006/main">
   <p:cSld>
+    <p:bg>
+      <p:bgRef idx="1001">
+        <a:schemeClr val="bg1"/>
+      </p:bgRef>
+    </p:bg>
     <p:spTree>
       <p:nvGrpSpPr>
-        <p:cNvPr id="2" name="Shape 2"/>
+        <p:cNvPr id="1" name="Shape 2"/>
         <p:cNvGrpSpPr/>
         <p:nvPr/>
       </p:nvGrpSpPr>
@@ -270,20 +278,26 @@
       <p:sp>
         <p:nvSpPr>
           <p:cNvPr id="3" name="Google Shape;3;n"/>
-          <p:cNvSpPr/>
+          <p:cNvSpPr>
+            <a:spLocks noGrp="1" noRot="1" noChangeAspect="1"/>
+          </p:cNvSpPr>
           <p:nvPr>
-            <p:ph idx="2" type="sldImg"/>
+            <p:ph type="sldImg" idx="2"/>
           </p:nvPr>
         </p:nvSpPr>
         <p:spPr>
           <a:xfrm>
-            <a:off x="381300" y="685800"/>
-            <a:ext cx="6096075" cy="3429000"/>
+            <a:off x="381000" y="685800"/>
+            <a:ext cx="6096000" cy="3429000"/>
           </a:xfrm>
           <a:custGeom>
-            <a:rect b="b" l="l" r="r" t="t"/>
+            <a:avLst/>
+            <a:gdLst/>
+            <a:ahLst/>
+            <a:cxnLst/>
+            <a:rect l="l" t="t" r="r" b="b"/>
             <a:pathLst>
-              <a:path extrusionOk="0" h="120000" w="120000">
+              <a:path w="120000" h="120000" extrusionOk="0">
                 <a:moveTo>
                   <a:pt x="0" y="0"/>
                 </a:moveTo>
@@ -301,23 +315,25 @@
             </a:pathLst>
           </a:custGeom>
           <a:noFill/>
-          <a:ln cap="flat" cmpd="sng" w="9525">
+          <a:ln w="9525" cap="flat" cmpd="sng">
             <a:solidFill>
               <a:srgbClr val="000000"/>
             </a:solidFill>
             <a:prstDash val="solid"/>
             <a:round/>
-            <a:headEnd len="sm" w="sm" type="none"/>
-            <a:tailEnd len="sm" w="sm" type="none"/>
+            <a:headEnd type="none" w="sm" len="sm"/>
+            <a:tailEnd type="none" w="sm" len="sm"/>
           </a:ln>
         </p:spPr>
       </p:sp>
       <p:sp>
         <p:nvSpPr>
           <p:cNvPr id="4" name="Google Shape;4;n"/>
-          <p:cNvSpPr txBox="1"/>
+          <p:cNvSpPr txBox="1">
+            <a:spLocks noGrp="1"/>
+          </p:cNvSpPr>
           <p:nvPr>
-            <p:ph idx="1" type="body"/>
+            <p:ph type="body" idx="1"/>
           </p:nvPr>
         </p:nvSpPr>
         <p:spPr>
@@ -334,11 +350,11 @@
           </a:ln>
         </p:spPr>
         <p:txBody>
-          <a:bodyPr anchorCtr="0" anchor="t" bIns="91425" lIns="91425" spcFirstLastPara="1" rIns="91425" wrap="square" tIns="91425">
+          <a:bodyPr spcFirstLastPara="1" wrap="square" lIns="91425" tIns="91425" rIns="91425" bIns="91425" anchor="t" anchorCtr="0">
             <a:noAutofit/>
           </a:bodyPr>
           <a:lstStyle>
-            <a:lvl1pPr indent="-298450" lvl="0" marL="457200">
+            <a:lvl1pPr marL="457200" lvl="0" indent="-298450">
               <a:spcBef>
                 <a:spcPts val="0"/>
               </a:spcBef>
@@ -349,7 +365,7 @@
               <a:buChar char="●"/>
               <a:defRPr sz="1100"/>
             </a:lvl1pPr>
-            <a:lvl2pPr indent="-298450" lvl="1" marL="914400">
+            <a:lvl2pPr marL="914400" lvl="1" indent="-298450">
               <a:spcBef>
                 <a:spcPts val="0"/>
               </a:spcBef>
@@ -360,7 +376,7 @@
               <a:buChar char="○"/>
               <a:defRPr sz="1100"/>
             </a:lvl2pPr>
-            <a:lvl3pPr indent="-298450" lvl="2" marL="1371600">
+            <a:lvl3pPr marL="1371600" lvl="2" indent="-298450">
               <a:spcBef>
                 <a:spcPts val="0"/>
               </a:spcBef>
@@ -371,7 +387,7 @@
               <a:buChar char="■"/>
               <a:defRPr sz="1100"/>
             </a:lvl3pPr>
-            <a:lvl4pPr indent="-298450" lvl="3" marL="1828800">
+            <a:lvl4pPr marL="1828800" lvl="3" indent="-298450">
               <a:spcBef>
                 <a:spcPts val="0"/>
               </a:spcBef>
@@ -382,7 +398,7 @@
               <a:buChar char="●"/>
               <a:defRPr sz="1100"/>
             </a:lvl4pPr>
-            <a:lvl5pPr indent="-298450" lvl="4" marL="2286000">
+            <a:lvl5pPr marL="2286000" lvl="4" indent="-298450">
               <a:spcBef>
                 <a:spcPts val="0"/>
               </a:spcBef>
@@ -393,7 +409,7 @@
               <a:buChar char="○"/>
               <a:defRPr sz="1100"/>
             </a:lvl5pPr>
-            <a:lvl6pPr indent="-298450" lvl="5" marL="2743200">
+            <a:lvl6pPr marL="2743200" lvl="5" indent="-298450">
               <a:spcBef>
                 <a:spcPts val="0"/>
               </a:spcBef>
@@ -404,7 +420,7 @@
               <a:buChar char="■"/>
               <a:defRPr sz="1100"/>
             </a:lvl6pPr>
-            <a:lvl7pPr indent="-298450" lvl="6" marL="3200400">
+            <a:lvl7pPr marL="3200400" lvl="6" indent="-298450">
               <a:spcBef>
                 <a:spcPts val="0"/>
               </a:spcBef>
@@ -415,7 +431,7 @@
               <a:buChar char="●"/>
               <a:defRPr sz="1100"/>
             </a:lvl7pPr>
-            <a:lvl8pPr indent="-298450" lvl="7" marL="3657600">
+            <a:lvl8pPr marL="3657600" lvl="7" indent="-298450">
               <a:spcBef>
                 <a:spcPts val="0"/>
               </a:spcBef>
@@ -426,7 +442,7 @@
               <a:buChar char="○"/>
               <a:defRPr sz="1100"/>
             </a:lvl8pPr>
-            <a:lvl9pPr indent="-298450" lvl="8" marL="4114800">
+            <a:lvl9pPr marL="4114800" lvl="8" indent="-298450">
               <a:spcBef>
                 <a:spcPts val="0"/>
               </a:spcBef>
@@ -438,14 +454,16 @@
               <a:defRPr sz="1100"/>
             </a:lvl9pPr>
           </a:lstStyle>
-          <a:p/>
+          <a:p>
+            <a:endParaRPr/>
+          </a:p>
         </p:txBody>
       </p:sp>
     </p:spTree>
   </p:cSld>
-  <p:clrMap accent1="accent1" accent2="accent2" accent3="accent3" accent4="accent4" accent5="accent5" accent6="accent6" bg1="lt1" bg2="dk2" tx1="dk1" tx2="lt2" folHlink="folHlink" hlink="hlink"/>
+  <p:clrMap bg1="lt1" tx1="dk1" bg2="dk2" tx2="lt2" accent1="accent1" accent2="accent2" accent3="accent3" accent4="accent4" accent5="accent5" accent6="accent6" hlink="hlink" folHlink="folHlink"/>
   <p:notesStyle>
-    <a:defPPr lvl="0" marR="0" rtl="0" algn="l">
+    <a:defPPr marR="0" lvl="0" algn="l" rtl="0">
       <a:lnSpc>
         <a:spcPct val="100000"/>
       </a:lnSpc>
@@ -456,7 +474,7 @@
         <a:spcPts val="0"/>
       </a:spcAft>
     </a:defPPr>
-    <a:lvl1pPr lvl="0" marR="0" rtl="0" algn="l">
+    <a:lvl1pPr marR="0" lvl="0" algn="l" rtl="0">
       <a:lnSpc>
         <a:spcPct val="100000"/>
       </a:lnSpc>
@@ -470,7 +488,7 @@
         <a:srgbClr val="000000"/>
       </a:buClr>
       <a:buFont typeface="Arial"/>
-      <a:defRPr b="0" i="0" sz="1400" u="none" cap="none" strike="noStrike">
+      <a:defRPr sz="1400" b="0" i="0" u="none" strike="noStrike" cap="none">
         <a:solidFill>
           <a:srgbClr val="000000"/>
         </a:solidFill>
@@ -480,7 +498,7 @@
         <a:sym typeface="Arial"/>
       </a:defRPr>
     </a:lvl1pPr>
-    <a:lvl2pPr lvl="1" marR="0" rtl="0" algn="l">
+    <a:lvl2pPr marR="0" lvl="1" algn="l" rtl="0">
       <a:lnSpc>
         <a:spcPct val="100000"/>
       </a:lnSpc>
@@ -494,7 +512,7 @@
         <a:srgbClr val="000000"/>
       </a:buClr>
       <a:buFont typeface="Arial"/>
-      <a:defRPr b="0" i="0" sz="1400" u="none" cap="none" strike="noStrike">
+      <a:defRPr sz="1400" b="0" i="0" u="none" strike="noStrike" cap="none">
         <a:solidFill>
           <a:srgbClr val="000000"/>
         </a:solidFill>
@@ -504,7 +522,7 @@
         <a:sym typeface="Arial"/>
       </a:defRPr>
     </a:lvl2pPr>
-    <a:lvl3pPr lvl="2" marR="0" rtl="0" algn="l">
+    <a:lvl3pPr marR="0" lvl="2" algn="l" rtl="0">
       <a:lnSpc>
         <a:spcPct val="100000"/>
       </a:lnSpc>
@@ -518,7 +536,7 @@
         <a:srgbClr val="000000"/>
       </a:buClr>
       <a:buFont typeface="Arial"/>
-      <a:defRPr b="0" i="0" sz="1400" u="none" cap="none" strike="noStrike">
+      <a:defRPr sz="1400" b="0" i="0" u="none" strike="noStrike" cap="none">
         <a:solidFill>
           <a:srgbClr val="000000"/>
         </a:solidFill>
@@ -528,7 +546,7 @@
         <a:sym typeface="Arial"/>
       </a:defRPr>
     </a:lvl3pPr>
-    <a:lvl4pPr lvl="3" marR="0" rtl="0" algn="l">
+    <a:lvl4pPr marR="0" lvl="3" algn="l" rtl="0">
       <a:lnSpc>
         <a:spcPct val="100000"/>
       </a:lnSpc>
@@ -542,7 +560,7 @@
         <a:srgbClr val="000000"/>
       </a:buClr>
       <a:buFont typeface="Arial"/>
-      <a:defRPr b="0" i="0" sz="1400" u="none" cap="none" strike="noStrike">
+      <a:defRPr sz="1400" b="0" i="0" u="none" strike="noStrike" cap="none">
         <a:solidFill>
           <a:srgbClr val="000000"/>
         </a:solidFill>
@@ -552,7 +570,7 @@
         <a:sym typeface="Arial"/>
       </a:defRPr>
     </a:lvl4pPr>
-    <a:lvl5pPr lvl="4" marR="0" rtl="0" algn="l">
+    <a:lvl5pPr marR="0" lvl="4" algn="l" rtl="0">
       <a:lnSpc>
         <a:spcPct val="100000"/>
       </a:lnSpc>
@@ -566,7 +584,7 @@
         <a:srgbClr val="000000"/>
       </a:buClr>
       <a:buFont typeface="Arial"/>
-      <a:defRPr b="0" i="0" sz="1400" u="none" cap="none" strike="noStrike">
+      <a:defRPr sz="1400" b="0" i="0" u="none" strike="noStrike" cap="none">
         <a:solidFill>
           <a:srgbClr val="000000"/>
         </a:solidFill>
@@ -576,7 +594,7 @@
         <a:sym typeface="Arial"/>
       </a:defRPr>
     </a:lvl5pPr>
-    <a:lvl6pPr lvl="5" marR="0" rtl="0" algn="l">
+    <a:lvl6pPr marR="0" lvl="5" algn="l" rtl="0">
       <a:lnSpc>
         <a:spcPct val="100000"/>
       </a:lnSpc>
@@ -590,7 +608,7 @@
         <a:srgbClr val="000000"/>
       </a:buClr>
       <a:buFont typeface="Arial"/>
-      <a:defRPr b="0" i="0" sz="1400" u="none" cap="none" strike="noStrike">
+      <a:defRPr sz="1400" b="0" i="0" u="none" strike="noStrike" cap="none">
         <a:solidFill>
           <a:srgbClr val="000000"/>
         </a:solidFill>
@@ -600,7 +618,7 @@
         <a:sym typeface="Arial"/>
       </a:defRPr>
     </a:lvl6pPr>
-    <a:lvl7pPr lvl="6" marR="0" rtl="0" algn="l">
+    <a:lvl7pPr marR="0" lvl="6" algn="l" rtl="0">
       <a:lnSpc>
         <a:spcPct val="100000"/>
       </a:lnSpc>
@@ -614,7 +632,7 @@
         <a:srgbClr val="000000"/>
       </a:buClr>
       <a:buFont typeface="Arial"/>
-      <a:defRPr b="0" i="0" sz="1400" u="none" cap="none" strike="noStrike">
+      <a:defRPr sz="1400" b="0" i="0" u="none" strike="noStrike" cap="none">
         <a:solidFill>
           <a:srgbClr val="000000"/>
         </a:solidFill>
@@ -624,7 +642,7 @@
         <a:sym typeface="Arial"/>
       </a:defRPr>
     </a:lvl7pPr>
-    <a:lvl8pPr lvl="7" marR="0" rtl="0" algn="l">
+    <a:lvl8pPr marR="0" lvl="7" algn="l" rtl="0">
       <a:lnSpc>
         <a:spcPct val="100000"/>
       </a:lnSpc>
@@ -638,7 +656,7 @@
         <a:srgbClr val="000000"/>
       </a:buClr>
       <a:buFont typeface="Arial"/>
-      <a:defRPr b="0" i="0" sz="1400" u="none" cap="none" strike="noStrike">
+      <a:defRPr sz="1400" b="0" i="0" u="none" strike="noStrike" cap="none">
         <a:solidFill>
           <a:srgbClr val="000000"/>
         </a:solidFill>
@@ -648,7 +666,7 @@
         <a:sym typeface="Arial"/>
       </a:defRPr>
     </a:lvl8pPr>
-    <a:lvl9pPr lvl="8" marR="0" rtl="0" algn="l">
+    <a:lvl9pPr marR="0" lvl="8" algn="l" rtl="0">
       <a:lnSpc>
         <a:spcPct val="100000"/>
       </a:lnSpc>
@@ -662,7 +680,7 @@
         <a:srgbClr val="000000"/>
       </a:buClr>
       <a:buFont typeface="Arial"/>
-      <a:defRPr b="0" i="0" sz="1400" u="none" cap="none" strike="noStrike">
+      <a:defRPr sz="1400" b="0" i="0" u="none" strike="noStrike" cap="none">
         <a:solidFill>
           <a:srgbClr val="000000"/>
         </a:solidFill>
@@ -677,11 +695,11 @@
 </file>
 
 <file path=ppt/notesSlides/notesSlide1.xml><?xml version="1.0" encoding="utf-8"?>
-<p:notes xmlns:a="http://schemas.openxmlformats.org/drawingml/2006/main" xmlns:r="http://schemas.openxmlformats.org/officeDocument/2006/relationships" xmlns:mc="http://schemas.openxmlformats.org/markup-compatibility/2006" xmlns:mv="urn:schemas-microsoft-com:mac:vml" xmlns:p="http://schemas.openxmlformats.org/presentationml/2006/main" xmlns:c="http://schemas.openxmlformats.org/drawingml/2006/chart" xmlns:dgm="http://schemas.openxmlformats.org/drawingml/2006/diagram" xmlns:o="urn:schemas-microsoft-com:office:office" xmlns:v="urn:schemas-microsoft-com:vml" xmlns:pvml="urn:schemas-microsoft-com:office:powerpoint" xmlns:com="http://schemas.openxmlformats.org/drawingml/2006/compatibility" xmlns:p14="http://schemas.microsoft.com/office/powerpoint/2010/main" xmlns:p15="http://schemas.microsoft.com/office/powerpoint/2012/main" xmlns:ahyp="http://schemas.microsoft.com/office/drawing/2018/hyperlinkcolor" showMasterPhAnim="0" showMasterSp="0">
+<p:notes xmlns:a="http://schemas.openxmlformats.org/drawingml/2006/main" xmlns:r="http://schemas.openxmlformats.org/officeDocument/2006/relationships" xmlns:p="http://schemas.openxmlformats.org/presentationml/2006/main" showMasterSp="0" showMasterPhAnim="0">
   <p:cSld>
     <p:spTree>
       <p:nvGrpSpPr>
-        <p:cNvPr id="50" name="Shape 50"/>
+        <p:cNvPr id="1" name="Shape 50"/>
         <p:cNvGrpSpPr/>
         <p:nvPr/>
       </p:nvGrpSpPr>
@@ -696,20 +714,26 @@
       <p:sp>
         <p:nvSpPr>
           <p:cNvPr id="51" name="Google Shape;51;p:notes"/>
-          <p:cNvSpPr/>
+          <p:cNvSpPr>
+            <a:spLocks noGrp="1" noRot="1" noChangeAspect="1"/>
+          </p:cNvSpPr>
           <p:nvPr>
-            <p:ph idx="2" type="sldImg"/>
+            <p:ph type="sldImg" idx="2"/>
           </p:nvPr>
         </p:nvSpPr>
         <p:spPr>
           <a:xfrm>
-            <a:off x="381300" y="685800"/>
-            <a:ext cx="6096075" cy="3429000"/>
+            <a:off x="381000" y="685800"/>
+            <a:ext cx="6096000" cy="3429000"/>
           </a:xfrm>
           <a:custGeom>
-            <a:rect b="b" l="l" r="r" t="t"/>
+            <a:avLst/>
+            <a:gdLst/>
+            <a:ahLst/>
+            <a:cxnLst/>
+            <a:rect l="l" t="t" r="r" b="b"/>
             <a:pathLst>
-              <a:path extrusionOk="0" h="120000" w="120000">
+              <a:path w="120000" h="120000" extrusionOk="0">
                 <a:moveTo>
                   <a:pt x="0" y="0"/>
                 </a:moveTo>
@@ -731,9 +755,11 @@
       <p:sp>
         <p:nvSpPr>
           <p:cNvPr id="52" name="Google Shape;52;p:notes"/>
-          <p:cNvSpPr txBox="1"/>
+          <p:cNvSpPr txBox="1">
+            <a:spLocks noGrp="1"/>
+          </p:cNvSpPr>
           <p:nvPr>
-            <p:ph idx="1" type="body"/>
+            <p:ph type="body" idx="1"/>
           </p:nvPr>
         </p:nvSpPr>
         <p:spPr>
@@ -746,12 +772,12 @@
           </a:prstGeom>
         </p:spPr>
         <p:txBody>
-          <a:bodyPr anchorCtr="0" anchor="t" bIns="91425" lIns="91425" spcFirstLastPara="1" rIns="91425" wrap="square" tIns="91425">
+          <a:bodyPr spcFirstLastPara="1" wrap="square" lIns="91425" tIns="91425" rIns="91425" bIns="91425" anchor="t" anchorCtr="0">
             <a:noAutofit/>
           </a:bodyPr>
           <a:lstStyle/>
           <a:p>
-            <a:pPr indent="0" lvl="0" marL="0" rtl="0" algn="l">
+            <a:pPr marL="0" lvl="0" indent="0" algn="l" rtl="0">
               <a:spcBef>
                 <a:spcPts val="0"/>
               </a:spcBef>
@@ -760,9 +786,110 @@
               </a:spcAft>
               <a:buNone/>
             </a:pPr>
-            <a:r>
-              <a:t/>
-            </a:r>
+            <a:endParaRPr/>
+          </a:p>
+        </p:txBody>
+      </p:sp>
+    </p:spTree>
+  </p:cSld>
+  <p:clrMapOvr>
+    <a:masterClrMapping/>
+  </p:clrMapOvr>
+</p:notes>
+</file>
+
+<file path=ppt/notesSlides/notesSlide10.xml><?xml version="1.0" encoding="utf-8"?>
+<p:notes xmlns:a="http://schemas.openxmlformats.org/drawingml/2006/main" xmlns:r="http://schemas.openxmlformats.org/officeDocument/2006/relationships" xmlns:p="http://schemas.openxmlformats.org/presentationml/2006/main" showMasterSp="0" showMasterPhAnim="0">
+  <p:cSld>
+    <p:spTree>
+      <p:nvGrpSpPr>
+        <p:cNvPr id="1" name="Shape 84"/>
+        <p:cNvGrpSpPr/>
+        <p:nvPr/>
+      </p:nvGrpSpPr>
+      <p:grpSpPr>
+        <a:xfrm>
+          <a:off x="0" y="0"/>
+          <a:ext cx="0" cy="0"/>
+          <a:chOff x="0" y="0"/>
+          <a:chExt cx="0" cy="0"/>
+        </a:xfrm>
+      </p:grpSpPr>
+      <p:sp>
+        <p:nvSpPr>
+          <p:cNvPr id="85" name="Google Shape;85;g29f43f0a72_0_24:notes"/>
+          <p:cNvSpPr>
+            <a:spLocks noGrp="1" noRot="1" noChangeAspect="1"/>
+          </p:cNvSpPr>
+          <p:nvPr>
+            <p:ph type="sldImg" idx="2"/>
+          </p:nvPr>
+        </p:nvSpPr>
+        <p:spPr>
+          <a:xfrm>
+            <a:off x="381000" y="685800"/>
+            <a:ext cx="6096000" cy="3429000"/>
+          </a:xfrm>
+          <a:custGeom>
+            <a:avLst/>
+            <a:gdLst/>
+            <a:ahLst/>
+            <a:cxnLst/>
+            <a:rect l="l" t="t" r="r" b="b"/>
+            <a:pathLst>
+              <a:path w="120000" h="120000" extrusionOk="0">
+                <a:moveTo>
+                  <a:pt x="0" y="0"/>
+                </a:moveTo>
+                <a:lnTo>
+                  <a:pt x="120000" y="0"/>
+                </a:lnTo>
+                <a:lnTo>
+                  <a:pt x="120000" y="120000"/>
+                </a:lnTo>
+                <a:lnTo>
+                  <a:pt x="0" y="120000"/>
+                </a:lnTo>
+                <a:close/>
+              </a:path>
+            </a:pathLst>
+          </a:custGeom>
+        </p:spPr>
+      </p:sp>
+      <p:sp>
+        <p:nvSpPr>
+          <p:cNvPr id="86" name="Google Shape;86;g29f43f0a72_0_24:notes"/>
+          <p:cNvSpPr txBox="1">
+            <a:spLocks noGrp="1"/>
+          </p:cNvSpPr>
+          <p:nvPr>
+            <p:ph type="body" idx="1"/>
+          </p:nvPr>
+        </p:nvSpPr>
+        <p:spPr>
+          <a:xfrm>
+            <a:off x="685800" y="4343400"/>
+            <a:ext cx="5486400" cy="4114800"/>
+          </a:xfrm>
+          <a:prstGeom prst="rect">
+            <a:avLst/>
+          </a:prstGeom>
+        </p:spPr>
+        <p:txBody>
+          <a:bodyPr spcFirstLastPara="1" wrap="square" lIns="91425" tIns="91425" rIns="91425" bIns="91425" anchor="t" anchorCtr="0">
+            <a:noAutofit/>
+          </a:bodyPr>
+          <a:lstStyle/>
+          <a:p>
+            <a:pPr marL="0" lvl="0" indent="0" algn="l" rtl="0">
+              <a:spcBef>
+                <a:spcPts val="0"/>
+              </a:spcBef>
+              <a:spcAft>
+                <a:spcPts val="0"/>
+              </a:spcAft>
+              <a:buNone/>
+            </a:pPr>
             <a:endParaRPr/>
           </a:p>
         </p:txBody>
@@ -776,11 +903,11 @@
 </file>
 
 <file path=ppt/notesSlides/notesSlide2.xml><?xml version="1.0" encoding="utf-8"?>
-<p:notes xmlns:a="http://schemas.openxmlformats.org/drawingml/2006/main" xmlns:r="http://schemas.openxmlformats.org/officeDocument/2006/relationships" xmlns:mc="http://schemas.openxmlformats.org/markup-compatibility/2006" xmlns:mv="urn:schemas-microsoft-com:mac:vml" xmlns:p="http://schemas.openxmlformats.org/presentationml/2006/main" xmlns:c="http://schemas.openxmlformats.org/drawingml/2006/chart" xmlns:dgm="http://schemas.openxmlformats.org/drawingml/2006/diagram" xmlns:o="urn:schemas-microsoft-com:office:office" xmlns:v="urn:schemas-microsoft-com:vml" xmlns:pvml="urn:schemas-microsoft-com:office:powerpoint" xmlns:com="http://schemas.openxmlformats.org/drawingml/2006/compatibility" xmlns:p14="http://schemas.microsoft.com/office/powerpoint/2010/main" xmlns:p15="http://schemas.microsoft.com/office/powerpoint/2012/main" xmlns:ahyp="http://schemas.microsoft.com/office/drawing/2018/hyperlinkcolor" showMasterPhAnim="0" showMasterSp="0">
+<p:notes xmlns:a="http://schemas.openxmlformats.org/drawingml/2006/main" xmlns:r="http://schemas.openxmlformats.org/officeDocument/2006/relationships" xmlns:p="http://schemas.openxmlformats.org/presentationml/2006/main" showMasterSp="0" showMasterPhAnim="0">
   <p:cSld>
     <p:spTree>
       <p:nvGrpSpPr>
-        <p:cNvPr id="56" name="Shape 56"/>
+        <p:cNvPr id="1" name="Shape 56"/>
         <p:cNvGrpSpPr/>
         <p:nvPr/>
       </p:nvGrpSpPr>
@@ -795,20 +922,26 @@
       <p:sp>
         <p:nvSpPr>
           <p:cNvPr id="57" name="Google Shape;57;g320332ed93_1_0:notes"/>
-          <p:cNvSpPr/>
+          <p:cNvSpPr>
+            <a:spLocks noGrp="1" noRot="1" noChangeAspect="1"/>
+          </p:cNvSpPr>
           <p:nvPr>
-            <p:ph idx="2" type="sldImg"/>
+            <p:ph type="sldImg" idx="2"/>
           </p:nvPr>
         </p:nvSpPr>
         <p:spPr>
           <a:xfrm>
-            <a:off x="381300" y="685800"/>
+            <a:off x="381000" y="685800"/>
             <a:ext cx="6096000" cy="3429000"/>
           </a:xfrm>
           <a:custGeom>
-            <a:rect b="b" l="l" r="r" t="t"/>
+            <a:avLst/>
+            <a:gdLst/>
+            <a:ahLst/>
+            <a:cxnLst/>
+            <a:rect l="l" t="t" r="r" b="b"/>
             <a:pathLst>
-              <a:path extrusionOk="0" h="120000" w="120000">
+              <a:path w="120000" h="120000" extrusionOk="0">
                 <a:moveTo>
                   <a:pt x="0" y="0"/>
                 </a:moveTo>
@@ -830,9 +963,11 @@
       <p:sp>
         <p:nvSpPr>
           <p:cNvPr id="58" name="Google Shape;58;g320332ed93_1_0:notes"/>
-          <p:cNvSpPr txBox="1"/>
+          <p:cNvSpPr txBox="1">
+            <a:spLocks noGrp="1"/>
+          </p:cNvSpPr>
           <p:nvPr>
-            <p:ph idx="1" type="body"/>
+            <p:ph type="body" idx="1"/>
           </p:nvPr>
         </p:nvSpPr>
         <p:spPr>
@@ -845,12 +980,12 @@
           </a:prstGeom>
         </p:spPr>
         <p:txBody>
-          <a:bodyPr anchorCtr="0" anchor="t" bIns="91425" lIns="91425" spcFirstLastPara="1" rIns="91425" wrap="square" tIns="91425">
+          <a:bodyPr spcFirstLastPara="1" wrap="square" lIns="91425" tIns="91425" rIns="91425" bIns="91425" anchor="t" anchorCtr="0">
             <a:noAutofit/>
           </a:bodyPr>
           <a:lstStyle/>
           <a:p>
-            <a:pPr indent="0" lvl="0" marL="0" rtl="0" algn="l">
+            <a:pPr marL="0" lvl="0" indent="0" algn="l" rtl="0">
               <a:spcBef>
                 <a:spcPts val="0"/>
               </a:spcBef>
@@ -859,9 +994,6 @@
               </a:spcAft>
               <a:buNone/>
             </a:pPr>
-            <a:r>
-              <a:t/>
-            </a:r>
             <a:endParaRPr/>
           </a:p>
         </p:txBody>
@@ -875,11 +1007,11 @@
 </file>
 
 <file path=ppt/notesSlides/notesSlide3.xml><?xml version="1.0" encoding="utf-8"?>
-<p:notes xmlns:a="http://schemas.openxmlformats.org/drawingml/2006/main" xmlns:r="http://schemas.openxmlformats.org/officeDocument/2006/relationships" xmlns:mc="http://schemas.openxmlformats.org/markup-compatibility/2006" xmlns:mv="urn:schemas-microsoft-com:mac:vml" xmlns:p="http://schemas.openxmlformats.org/presentationml/2006/main" xmlns:c="http://schemas.openxmlformats.org/drawingml/2006/chart" xmlns:dgm="http://schemas.openxmlformats.org/drawingml/2006/diagram" xmlns:o="urn:schemas-microsoft-com:office:office" xmlns:v="urn:schemas-microsoft-com:vml" xmlns:pvml="urn:schemas-microsoft-com:office:powerpoint" xmlns:com="http://schemas.openxmlformats.org/drawingml/2006/compatibility" xmlns:p14="http://schemas.microsoft.com/office/powerpoint/2010/main" xmlns:p15="http://schemas.microsoft.com/office/powerpoint/2012/main" xmlns:ahyp="http://schemas.microsoft.com/office/drawing/2018/hyperlinkcolor" showMasterPhAnim="0" showMasterSp="0">
+<p:notes xmlns:a="http://schemas.openxmlformats.org/drawingml/2006/main" xmlns:r="http://schemas.openxmlformats.org/officeDocument/2006/relationships" xmlns:p="http://schemas.openxmlformats.org/presentationml/2006/main" showMasterSp="0" showMasterPhAnim="0">
   <p:cSld>
     <p:spTree>
       <p:nvGrpSpPr>
-        <p:cNvPr id="61" name="Shape 61"/>
+        <p:cNvPr id="1" name="Shape 61"/>
         <p:cNvGrpSpPr/>
         <p:nvPr/>
       </p:nvGrpSpPr>
@@ -894,20 +1026,26 @@
       <p:sp>
         <p:nvSpPr>
           <p:cNvPr id="62" name="Google Shape;62;g29f43f0a72_0_0:notes"/>
-          <p:cNvSpPr/>
+          <p:cNvSpPr>
+            <a:spLocks noGrp="1" noRot="1" noChangeAspect="1"/>
+          </p:cNvSpPr>
           <p:nvPr>
-            <p:ph idx="2" type="sldImg"/>
+            <p:ph type="sldImg" idx="2"/>
           </p:nvPr>
         </p:nvSpPr>
         <p:spPr>
           <a:xfrm>
-            <a:off x="381300" y="685800"/>
+            <a:off x="381000" y="685800"/>
             <a:ext cx="6096000" cy="3429000"/>
           </a:xfrm>
           <a:custGeom>
-            <a:rect b="b" l="l" r="r" t="t"/>
+            <a:avLst/>
+            <a:gdLst/>
+            <a:ahLst/>
+            <a:cxnLst/>
+            <a:rect l="l" t="t" r="r" b="b"/>
             <a:pathLst>
-              <a:path extrusionOk="0" h="120000" w="120000">
+              <a:path w="120000" h="120000" extrusionOk="0">
                 <a:moveTo>
                   <a:pt x="0" y="0"/>
                 </a:moveTo>
@@ -929,9 +1067,11 @@
       <p:sp>
         <p:nvSpPr>
           <p:cNvPr id="63" name="Google Shape;63;g29f43f0a72_0_0:notes"/>
-          <p:cNvSpPr txBox="1"/>
+          <p:cNvSpPr txBox="1">
+            <a:spLocks noGrp="1"/>
+          </p:cNvSpPr>
           <p:nvPr>
-            <p:ph idx="1" type="body"/>
+            <p:ph type="body" idx="1"/>
           </p:nvPr>
         </p:nvSpPr>
         <p:spPr>
@@ -944,12 +1084,12 @@
           </a:prstGeom>
         </p:spPr>
         <p:txBody>
-          <a:bodyPr anchorCtr="0" anchor="t" bIns="91425" lIns="91425" spcFirstLastPara="1" rIns="91425" wrap="square" tIns="91425">
+          <a:bodyPr spcFirstLastPara="1" wrap="square" lIns="91425" tIns="91425" rIns="91425" bIns="91425" anchor="t" anchorCtr="0">
             <a:noAutofit/>
           </a:bodyPr>
           <a:lstStyle/>
           <a:p>
-            <a:pPr indent="0" lvl="0" marL="0" rtl="0" algn="l">
+            <a:pPr marL="0" lvl="0" indent="0" algn="l" rtl="0">
               <a:spcBef>
                 <a:spcPts val="0"/>
               </a:spcBef>
@@ -958,9 +1098,6 @@
               </a:spcAft>
               <a:buNone/>
             </a:pPr>
-            <a:r>
-              <a:t/>
-            </a:r>
             <a:endParaRPr/>
           </a:p>
         </p:txBody>
@@ -974,11 +1111,11 @@
 </file>
 
 <file path=ppt/notesSlides/notesSlide4.xml><?xml version="1.0" encoding="utf-8"?>
-<p:notes xmlns:a="http://schemas.openxmlformats.org/drawingml/2006/main" xmlns:r="http://schemas.openxmlformats.org/officeDocument/2006/relationships" xmlns:mc="http://schemas.openxmlformats.org/markup-compatibility/2006" xmlns:mv="urn:schemas-microsoft-com:mac:vml" xmlns:p="http://schemas.openxmlformats.org/presentationml/2006/main" xmlns:c="http://schemas.openxmlformats.org/drawingml/2006/chart" xmlns:dgm="http://schemas.openxmlformats.org/drawingml/2006/diagram" xmlns:o="urn:schemas-microsoft-com:office:office" xmlns:v="urn:schemas-microsoft-com:vml" xmlns:pvml="urn:schemas-microsoft-com:office:powerpoint" xmlns:com="http://schemas.openxmlformats.org/drawingml/2006/compatibility" xmlns:p14="http://schemas.microsoft.com/office/powerpoint/2010/main" xmlns:p15="http://schemas.microsoft.com/office/powerpoint/2012/main" xmlns:ahyp="http://schemas.microsoft.com/office/drawing/2018/hyperlinkcolor" showMasterPhAnim="0" showMasterSp="0">
+<p:notes xmlns:a="http://schemas.openxmlformats.org/drawingml/2006/main" xmlns:r="http://schemas.openxmlformats.org/officeDocument/2006/relationships" xmlns:p="http://schemas.openxmlformats.org/presentationml/2006/main" showMasterSp="0" showMasterPhAnim="0">
   <p:cSld>
     <p:spTree>
       <p:nvGrpSpPr>
-        <p:cNvPr id="67" name="Shape 67"/>
+        <p:cNvPr id="1" name="Shape 67"/>
         <p:cNvGrpSpPr/>
         <p:nvPr/>
       </p:nvGrpSpPr>
@@ -993,20 +1130,26 @@
       <p:sp>
         <p:nvSpPr>
           <p:cNvPr id="68" name="Google Shape;68;g29f43f0a72_0_5:notes"/>
-          <p:cNvSpPr/>
+          <p:cNvSpPr>
+            <a:spLocks noGrp="1" noRot="1" noChangeAspect="1"/>
+          </p:cNvSpPr>
           <p:nvPr>
-            <p:ph idx="2" type="sldImg"/>
+            <p:ph type="sldImg" idx="2"/>
           </p:nvPr>
         </p:nvSpPr>
         <p:spPr>
           <a:xfrm>
-            <a:off x="381300" y="685800"/>
+            <a:off x="381000" y="685800"/>
             <a:ext cx="6096000" cy="3429000"/>
           </a:xfrm>
           <a:custGeom>
-            <a:rect b="b" l="l" r="r" t="t"/>
+            <a:avLst/>
+            <a:gdLst/>
+            <a:ahLst/>
+            <a:cxnLst/>
+            <a:rect l="l" t="t" r="r" b="b"/>
             <a:pathLst>
-              <a:path extrusionOk="0" h="120000" w="120000">
+              <a:path w="120000" h="120000" extrusionOk="0">
                 <a:moveTo>
                   <a:pt x="0" y="0"/>
                 </a:moveTo>
@@ -1028,9 +1171,11 @@
       <p:sp>
         <p:nvSpPr>
           <p:cNvPr id="69" name="Google Shape;69;g29f43f0a72_0_5:notes"/>
-          <p:cNvSpPr txBox="1"/>
+          <p:cNvSpPr txBox="1">
+            <a:spLocks noGrp="1"/>
+          </p:cNvSpPr>
           <p:nvPr>
-            <p:ph idx="1" type="body"/>
+            <p:ph type="body" idx="1"/>
           </p:nvPr>
         </p:nvSpPr>
         <p:spPr>
@@ -1043,12 +1188,12 @@
           </a:prstGeom>
         </p:spPr>
         <p:txBody>
-          <a:bodyPr anchorCtr="0" anchor="t" bIns="91425" lIns="91425" spcFirstLastPara="1" rIns="91425" wrap="square" tIns="91425">
+          <a:bodyPr spcFirstLastPara="1" wrap="square" lIns="91425" tIns="91425" rIns="91425" bIns="91425" anchor="t" anchorCtr="0">
             <a:noAutofit/>
           </a:bodyPr>
           <a:lstStyle/>
           <a:p>
-            <a:pPr indent="0" lvl="0" marL="0" rtl="0" algn="l">
+            <a:pPr marL="0" lvl="0" indent="0" algn="l" rtl="0">
               <a:spcBef>
                 <a:spcPts val="0"/>
               </a:spcBef>
@@ -1057,9 +1202,6 @@
               </a:spcAft>
               <a:buNone/>
             </a:pPr>
-            <a:r>
-              <a:t/>
-            </a:r>
             <a:endParaRPr/>
           </a:p>
         </p:txBody>
@@ -1073,11 +1215,338 @@
 </file>
 
 <file path=ppt/notesSlides/notesSlide5.xml><?xml version="1.0" encoding="utf-8"?>
-<p:notes xmlns:a="http://schemas.openxmlformats.org/drawingml/2006/main" xmlns:r="http://schemas.openxmlformats.org/officeDocument/2006/relationships" xmlns:mc="http://schemas.openxmlformats.org/markup-compatibility/2006" xmlns:mv="urn:schemas-microsoft-com:mac:vml" xmlns:p="http://schemas.openxmlformats.org/presentationml/2006/main" xmlns:c="http://schemas.openxmlformats.org/drawingml/2006/chart" xmlns:dgm="http://schemas.openxmlformats.org/drawingml/2006/diagram" xmlns:o="urn:schemas-microsoft-com:office:office" xmlns:v="urn:schemas-microsoft-com:vml" xmlns:pvml="urn:schemas-microsoft-com:office:powerpoint" xmlns:com="http://schemas.openxmlformats.org/drawingml/2006/compatibility" xmlns:p14="http://schemas.microsoft.com/office/powerpoint/2010/main" xmlns:p15="http://schemas.microsoft.com/office/powerpoint/2012/main" xmlns:ahyp="http://schemas.microsoft.com/office/drawing/2018/hyperlinkcolor" showMasterPhAnim="0" showMasterSp="0">
+<p:notes xmlns:a="http://schemas.openxmlformats.org/drawingml/2006/main" xmlns:r="http://schemas.openxmlformats.org/officeDocument/2006/relationships" xmlns:p="http://schemas.openxmlformats.org/presentationml/2006/main" showMasterSp="0" showMasterPhAnim="0">
   <p:cSld>
     <p:spTree>
       <p:nvGrpSpPr>
-        <p:cNvPr id="73" name="Shape 73"/>
+        <p:cNvPr id="1" name="Shape 67"/>
+        <p:cNvGrpSpPr/>
+        <p:nvPr/>
+      </p:nvGrpSpPr>
+      <p:grpSpPr>
+        <a:xfrm>
+          <a:off x="0" y="0"/>
+          <a:ext cx="0" cy="0"/>
+          <a:chOff x="0" y="0"/>
+          <a:chExt cx="0" cy="0"/>
+        </a:xfrm>
+      </p:grpSpPr>
+      <p:sp>
+        <p:nvSpPr>
+          <p:cNvPr id="68" name="Google Shape;68;g29f43f0a72_0_5:notes"/>
+          <p:cNvSpPr>
+            <a:spLocks noGrp="1" noRot="1" noChangeAspect="1"/>
+          </p:cNvSpPr>
+          <p:nvPr>
+            <p:ph type="sldImg" idx="2"/>
+          </p:nvPr>
+        </p:nvSpPr>
+        <p:spPr>
+          <a:xfrm>
+            <a:off x="381000" y="685800"/>
+            <a:ext cx="6096000" cy="3429000"/>
+          </a:xfrm>
+          <a:custGeom>
+            <a:avLst/>
+            <a:gdLst/>
+            <a:ahLst/>
+            <a:cxnLst/>
+            <a:rect l="l" t="t" r="r" b="b"/>
+            <a:pathLst>
+              <a:path w="120000" h="120000" extrusionOk="0">
+                <a:moveTo>
+                  <a:pt x="0" y="0"/>
+                </a:moveTo>
+                <a:lnTo>
+                  <a:pt x="120000" y="0"/>
+                </a:lnTo>
+                <a:lnTo>
+                  <a:pt x="120000" y="120000"/>
+                </a:lnTo>
+                <a:lnTo>
+                  <a:pt x="0" y="120000"/>
+                </a:lnTo>
+                <a:close/>
+              </a:path>
+            </a:pathLst>
+          </a:custGeom>
+        </p:spPr>
+      </p:sp>
+      <p:sp>
+        <p:nvSpPr>
+          <p:cNvPr id="69" name="Google Shape;69;g29f43f0a72_0_5:notes"/>
+          <p:cNvSpPr txBox="1">
+            <a:spLocks noGrp="1"/>
+          </p:cNvSpPr>
+          <p:nvPr>
+            <p:ph type="body" idx="1"/>
+          </p:nvPr>
+        </p:nvSpPr>
+        <p:spPr>
+          <a:xfrm>
+            <a:off x="685800" y="4343400"/>
+            <a:ext cx="5486400" cy="4114800"/>
+          </a:xfrm>
+          <a:prstGeom prst="rect">
+            <a:avLst/>
+          </a:prstGeom>
+        </p:spPr>
+        <p:txBody>
+          <a:bodyPr spcFirstLastPara="1" wrap="square" lIns="91425" tIns="91425" rIns="91425" bIns="91425" anchor="t" anchorCtr="0">
+            <a:noAutofit/>
+          </a:bodyPr>
+          <a:lstStyle/>
+          <a:p>
+            <a:pPr marL="0" lvl="0" indent="0" algn="l" rtl="0">
+              <a:spcBef>
+                <a:spcPts val="0"/>
+              </a:spcBef>
+              <a:spcAft>
+                <a:spcPts val="0"/>
+              </a:spcAft>
+              <a:buNone/>
+            </a:pPr>
+            <a:endParaRPr/>
+          </a:p>
+        </p:txBody>
+      </p:sp>
+    </p:spTree>
+    <p:extLst>
+      <p:ext uri="{BB962C8B-B14F-4D97-AF65-F5344CB8AC3E}">
+        <p14:creationId xmlns:p14="http://schemas.microsoft.com/office/powerpoint/2010/main" val="1145509886"/>
+      </p:ext>
+    </p:extLst>
+  </p:cSld>
+  <p:clrMapOvr>
+    <a:masterClrMapping/>
+  </p:clrMapOvr>
+</p:notes>
+</file>
+
+<file path=ppt/notesSlides/notesSlide6.xml><?xml version="1.0" encoding="utf-8"?>
+<p:notes xmlns:a="http://schemas.openxmlformats.org/drawingml/2006/main" xmlns:r="http://schemas.openxmlformats.org/officeDocument/2006/relationships" xmlns:p="http://schemas.openxmlformats.org/presentationml/2006/main" showMasterSp="0" showMasterPhAnim="0">
+  <p:cSld>
+    <p:spTree>
+      <p:nvGrpSpPr>
+        <p:cNvPr id="1" name="Shape 67"/>
+        <p:cNvGrpSpPr/>
+        <p:nvPr/>
+      </p:nvGrpSpPr>
+      <p:grpSpPr>
+        <a:xfrm>
+          <a:off x="0" y="0"/>
+          <a:ext cx="0" cy="0"/>
+          <a:chOff x="0" y="0"/>
+          <a:chExt cx="0" cy="0"/>
+        </a:xfrm>
+      </p:grpSpPr>
+      <p:sp>
+        <p:nvSpPr>
+          <p:cNvPr id="68" name="Google Shape;68;g29f43f0a72_0_5:notes"/>
+          <p:cNvSpPr>
+            <a:spLocks noGrp="1" noRot="1" noChangeAspect="1"/>
+          </p:cNvSpPr>
+          <p:nvPr>
+            <p:ph type="sldImg" idx="2"/>
+          </p:nvPr>
+        </p:nvSpPr>
+        <p:spPr>
+          <a:xfrm>
+            <a:off x="381000" y="685800"/>
+            <a:ext cx="6096000" cy="3429000"/>
+          </a:xfrm>
+          <a:custGeom>
+            <a:avLst/>
+            <a:gdLst/>
+            <a:ahLst/>
+            <a:cxnLst/>
+            <a:rect l="l" t="t" r="r" b="b"/>
+            <a:pathLst>
+              <a:path w="120000" h="120000" extrusionOk="0">
+                <a:moveTo>
+                  <a:pt x="0" y="0"/>
+                </a:moveTo>
+                <a:lnTo>
+                  <a:pt x="120000" y="0"/>
+                </a:lnTo>
+                <a:lnTo>
+                  <a:pt x="120000" y="120000"/>
+                </a:lnTo>
+                <a:lnTo>
+                  <a:pt x="0" y="120000"/>
+                </a:lnTo>
+                <a:close/>
+              </a:path>
+            </a:pathLst>
+          </a:custGeom>
+        </p:spPr>
+      </p:sp>
+      <p:sp>
+        <p:nvSpPr>
+          <p:cNvPr id="69" name="Google Shape;69;g29f43f0a72_0_5:notes"/>
+          <p:cNvSpPr txBox="1">
+            <a:spLocks noGrp="1"/>
+          </p:cNvSpPr>
+          <p:nvPr>
+            <p:ph type="body" idx="1"/>
+          </p:nvPr>
+        </p:nvSpPr>
+        <p:spPr>
+          <a:xfrm>
+            <a:off x="685800" y="4343400"/>
+            <a:ext cx="5486400" cy="4114800"/>
+          </a:xfrm>
+          <a:prstGeom prst="rect">
+            <a:avLst/>
+          </a:prstGeom>
+        </p:spPr>
+        <p:txBody>
+          <a:bodyPr spcFirstLastPara="1" wrap="square" lIns="91425" tIns="91425" rIns="91425" bIns="91425" anchor="t" anchorCtr="0">
+            <a:noAutofit/>
+          </a:bodyPr>
+          <a:lstStyle/>
+          <a:p>
+            <a:pPr marL="0" lvl="0" indent="0" algn="l" rtl="0">
+              <a:spcBef>
+                <a:spcPts val="0"/>
+              </a:spcBef>
+              <a:spcAft>
+                <a:spcPts val="0"/>
+              </a:spcAft>
+              <a:buNone/>
+            </a:pPr>
+            <a:endParaRPr/>
+          </a:p>
+        </p:txBody>
+      </p:sp>
+    </p:spTree>
+    <p:extLst>
+      <p:ext uri="{BB962C8B-B14F-4D97-AF65-F5344CB8AC3E}">
+        <p14:creationId xmlns:p14="http://schemas.microsoft.com/office/powerpoint/2010/main" val="1963294492"/>
+      </p:ext>
+    </p:extLst>
+  </p:cSld>
+  <p:clrMapOvr>
+    <a:masterClrMapping/>
+  </p:clrMapOvr>
+</p:notes>
+</file>
+
+<file path=ppt/notesSlides/notesSlide7.xml><?xml version="1.0" encoding="utf-8"?>
+<p:notes xmlns:a="http://schemas.openxmlformats.org/drawingml/2006/main" xmlns:r="http://schemas.openxmlformats.org/officeDocument/2006/relationships" xmlns:p="http://schemas.openxmlformats.org/presentationml/2006/main" showMasterSp="0" showMasterPhAnim="0">
+  <p:cSld>
+    <p:spTree>
+      <p:nvGrpSpPr>
+        <p:cNvPr id="1" name="Shape 67"/>
+        <p:cNvGrpSpPr/>
+        <p:nvPr/>
+      </p:nvGrpSpPr>
+      <p:grpSpPr>
+        <a:xfrm>
+          <a:off x="0" y="0"/>
+          <a:ext cx="0" cy="0"/>
+          <a:chOff x="0" y="0"/>
+          <a:chExt cx="0" cy="0"/>
+        </a:xfrm>
+      </p:grpSpPr>
+      <p:sp>
+        <p:nvSpPr>
+          <p:cNvPr id="68" name="Google Shape;68;g29f43f0a72_0_5:notes"/>
+          <p:cNvSpPr>
+            <a:spLocks noGrp="1" noRot="1" noChangeAspect="1"/>
+          </p:cNvSpPr>
+          <p:nvPr>
+            <p:ph type="sldImg" idx="2"/>
+          </p:nvPr>
+        </p:nvSpPr>
+        <p:spPr>
+          <a:xfrm>
+            <a:off x="381000" y="685800"/>
+            <a:ext cx="6096000" cy="3429000"/>
+          </a:xfrm>
+          <a:custGeom>
+            <a:avLst/>
+            <a:gdLst/>
+            <a:ahLst/>
+            <a:cxnLst/>
+            <a:rect l="l" t="t" r="r" b="b"/>
+            <a:pathLst>
+              <a:path w="120000" h="120000" extrusionOk="0">
+                <a:moveTo>
+                  <a:pt x="0" y="0"/>
+                </a:moveTo>
+                <a:lnTo>
+                  <a:pt x="120000" y="0"/>
+                </a:lnTo>
+                <a:lnTo>
+                  <a:pt x="120000" y="120000"/>
+                </a:lnTo>
+                <a:lnTo>
+                  <a:pt x="0" y="120000"/>
+                </a:lnTo>
+                <a:close/>
+              </a:path>
+            </a:pathLst>
+          </a:custGeom>
+        </p:spPr>
+      </p:sp>
+      <p:sp>
+        <p:nvSpPr>
+          <p:cNvPr id="69" name="Google Shape;69;g29f43f0a72_0_5:notes"/>
+          <p:cNvSpPr txBox="1">
+            <a:spLocks noGrp="1"/>
+          </p:cNvSpPr>
+          <p:nvPr>
+            <p:ph type="body" idx="1"/>
+          </p:nvPr>
+        </p:nvSpPr>
+        <p:spPr>
+          <a:xfrm>
+            <a:off x="685800" y="4343400"/>
+            <a:ext cx="5486400" cy="4114800"/>
+          </a:xfrm>
+          <a:prstGeom prst="rect">
+            <a:avLst/>
+          </a:prstGeom>
+        </p:spPr>
+        <p:txBody>
+          <a:bodyPr spcFirstLastPara="1" wrap="square" lIns="91425" tIns="91425" rIns="91425" bIns="91425" anchor="t" anchorCtr="0">
+            <a:noAutofit/>
+          </a:bodyPr>
+          <a:lstStyle/>
+          <a:p>
+            <a:pPr marL="0" lvl="0" indent="0" algn="l" rtl="0">
+              <a:spcBef>
+                <a:spcPts val="0"/>
+              </a:spcBef>
+              <a:spcAft>
+                <a:spcPts val="0"/>
+              </a:spcAft>
+              <a:buNone/>
+            </a:pPr>
+            <a:endParaRPr/>
+          </a:p>
+        </p:txBody>
+      </p:sp>
+    </p:spTree>
+    <p:extLst>
+      <p:ext uri="{BB962C8B-B14F-4D97-AF65-F5344CB8AC3E}">
+        <p14:creationId xmlns:p14="http://schemas.microsoft.com/office/powerpoint/2010/main" val="139041177"/>
+      </p:ext>
+    </p:extLst>
+  </p:cSld>
+  <p:clrMapOvr>
+    <a:masterClrMapping/>
+  </p:clrMapOvr>
+</p:notes>
+</file>
+
+<file path=ppt/notesSlides/notesSlide8.xml><?xml version="1.0" encoding="utf-8"?>
+<p:notes xmlns:a="http://schemas.openxmlformats.org/drawingml/2006/main" xmlns:r="http://schemas.openxmlformats.org/officeDocument/2006/relationships" xmlns:p="http://schemas.openxmlformats.org/presentationml/2006/main" showMasterSp="0" showMasterPhAnim="0">
+  <p:cSld>
+    <p:spTree>
+      <p:nvGrpSpPr>
+        <p:cNvPr id="1" name="Shape 73"/>
         <p:cNvGrpSpPr/>
         <p:nvPr/>
       </p:nvGrpSpPr>
@@ -1092,20 +1561,26 @@
       <p:sp>
         <p:nvSpPr>
           <p:cNvPr id="74" name="Google Shape;74;g29f43f0a72_0_15:notes"/>
-          <p:cNvSpPr/>
+          <p:cNvSpPr>
+            <a:spLocks noGrp="1" noRot="1" noChangeAspect="1"/>
+          </p:cNvSpPr>
           <p:nvPr>
-            <p:ph idx="2" type="sldImg"/>
+            <p:ph type="sldImg" idx="2"/>
           </p:nvPr>
         </p:nvSpPr>
         <p:spPr>
           <a:xfrm>
-            <a:off x="381300" y="685800"/>
+            <a:off x="381000" y="685800"/>
             <a:ext cx="6096000" cy="3429000"/>
           </a:xfrm>
           <a:custGeom>
-            <a:rect b="b" l="l" r="r" t="t"/>
+            <a:avLst/>
+            <a:gdLst/>
+            <a:ahLst/>
+            <a:cxnLst/>
+            <a:rect l="l" t="t" r="r" b="b"/>
             <a:pathLst>
-              <a:path extrusionOk="0" h="120000" w="120000">
+              <a:path w="120000" h="120000" extrusionOk="0">
                 <a:moveTo>
                   <a:pt x="0" y="0"/>
                 </a:moveTo>
@@ -1127,9 +1602,11 @@
       <p:sp>
         <p:nvSpPr>
           <p:cNvPr id="75" name="Google Shape;75;g29f43f0a72_0_15:notes"/>
-          <p:cNvSpPr txBox="1"/>
+          <p:cNvSpPr txBox="1">
+            <a:spLocks noGrp="1"/>
+          </p:cNvSpPr>
           <p:nvPr>
-            <p:ph idx="1" type="body"/>
+            <p:ph type="body" idx="1"/>
           </p:nvPr>
         </p:nvSpPr>
         <p:spPr>
@@ -1142,12 +1619,12 @@
           </a:prstGeom>
         </p:spPr>
         <p:txBody>
-          <a:bodyPr anchorCtr="0" anchor="t" bIns="91425" lIns="91425" spcFirstLastPara="1" rIns="91425" wrap="square" tIns="91425">
+          <a:bodyPr spcFirstLastPara="1" wrap="square" lIns="91425" tIns="91425" rIns="91425" bIns="91425" anchor="t" anchorCtr="0">
             <a:noAutofit/>
           </a:bodyPr>
           <a:lstStyle/>
           <a:p>
-            <a:pPr indent="0" lvl="0" marL="0" rtl="0" algn="l">
+            <a:pPr marL="0" lvl="0" indent="0" algn="l" rtl="0">
               <a:spcBef>
                 <a:spcPts val="0"/>
               </a:spcBef>
@@ -1156,9 +1633,6 @@
               </a:spcAft>
               <a:buNone/>
             </a:pPr>
-            <a:r>
-              <a:t/>
-            </a:r>
             <a:endParaRPr/>
           </a:p>
         </p:txBody>
@@ -1171,12 +1645,12 @@
 </p:notes>
 </file>
 
-<file path=ppt/notesSlides/notesSlide6.xml><?xml version="1.0" encoding="utf-8"?>
-<p:notes xmlns:a="http://schemas.openxmlformats.org/drawingml/2006/main" xmlns:r="http://schemas.openxmlformats.org/officeDocument/2006/relationships" xmlns:mc="http://schemas.openxmlformats.org/markup-compatibility/2006" xmlns:mv="urn:schemas-microsoft-com:mac:vml" xmlns:p="http://schemas.openxmlformats.org/presentationml/2006/main" xmlns:c="http://schemas.openxmlformats.org/drawingml/2006/chart" xmlns:dgm="http://schemas.openxmlformats.org/drawingml/2006/diagram" xmlns:o="urn:schemas-microsoft-com:office:office" xmlns:v="urn:schemas-microsoft-com:vml" xmlns:pvml="urn:schemas-microsoft-com:office:powerpoint" xmlns:com="http://schemas.openxmlformats.org/drawingml/2006/compatibility" xmlns:p14="http://schemas.microsoft.com/office/powerpoint/2010/main" xmlns:p15="http://schemas.microsoft.com/office/powerpoint/2012/main" xmlns:ahyp="http://schemas.microsoft.com/office/drawing/2018/hyperlinkcolor" showMasterPhAnim="0" showMasterSp="0">
+<file path=ppt/notesSlides/notesSlide9.xml><?xml version="1.0" encoding="utf-8"?>
+<p:notes xmlns:a="http://schemas.openxmlformats.org/drawingml/2006/main" xmlns:r="http://schemas.openxmlformats.org/officeDocument/2006/relationships" xmlns:p="http://schemas.openxmlformats.org/presentationml/2006/main" showMasterSp="0" showMasterPhAnim="0">
   <p:cSld>
     <p:spTree>
       <p:nvGrpSpPr>
-        <p:cNvPr id="78" name="Shape 78"/>
+        <p:cNvPr id="1" name="Shape 78"/>
         <p:cNvGrpSpPr/>
         <p:nvPr/>
       </p:nvGrpSpPr>
@@ -1191,20 +1665,26 @@
       <p:sp>
         <p:nvSpPr>
           <p:cNvPr id="79" name="Google Shape;79;g29f43f0a72_0_10:notes"/>
-          <p:cNvSpPr/>
+          <p:cNvSpPr>
+            <a:spLocks noGrp="1" noRot="1" noChangeAspect="1"/>
+          </p:cNvSpPr>
           <p:nvPr>
-            <p:ph idx="2" type="sldImg"/>
+            <p:ph type="sldImg" idx="2"/>
           </p:nvPr>
         </p:nvSpPr>
         <p:spPr>
           <a:xfrm>
-            <a:off x="381300" y="685800"/>
+            <a:off x="381000" y="685800"/>
             <a:ext cx="6096000" cy="3429000"/>
           </a:xfrm>
           <a:custGeom>
-            <a:rect b="b" l="l" r="r" t="t"/>
+            <a:avLst/>
+            <a:gdLst/>
+            <a:ahLst/>
+            <a:cxnLst/>
+            <a:rect l="l" t="t" r="r" b="b"/>
             <a:pathLst>
-              <a:path extrusionOk="0" h="120000" w="120000">
+              <a:path w="120000" h="120000" extrusionOk="0">
                 <a:moveTo>
                   <a:pt x="0" y="0"/>
                 </a:moveTo>
@@ -1226,9 +1706,11 @@
       <p:sp>
         <p:nvSpPr>
           <p:cNvPr id="80" name="Google Shape;80;g29f43f0a72_0_10:notes"/>
-          <p:cNvSpPr txBox="1"/>
+          <p:cNvSpPr txBox="1">
+            <a:spLocks noGrp="1"/>
+          </p:cNvSpPr>
           <p:nvPr>
-            <p:ph idx="1" type="body"/>
+            <p:ph type="body" idx="1"/>
           </p:nvPr>
         </p:nvSpPr>
         <p:spPr>
@@ -1241,12 +1723,12 @@
           </a:prstGeom>
         </p:spPr>
         <p:txBody>
-          <a:bodyPr anchorCtr="0" anchor="t" bIns="91425" lIns="91425" spcFirstLastPara="1" rIns="91425" wrap="square" tIns="91425">
+          <a:bodyPr spcFirstLastPara="1" wrap="square" lIns="91425" tIns="91425" rIns="91425" bIns="91425" anchor="t" anchorCtr="0">
             <a:noAutofit/>
           </a:bodyPr>
           <a:lstStyle/>
           <a:p>
-            <a:pPr indent="0" lvl="0" marL="0" rtl="0" algn="l">
+            <a:pPr marL="0" lvl="0" indent="0" algn="l" rtl="0">
               <a:spcBef>
                 <a:spcPts val="0"/>
               </a:spcBef>
@@ -1255,108 +1737,6 @@
               </a:spcAft>
               <a:buNone/>
             </a:pPr>
-            <a:r>
-              <a:t/>
-            </a:r>
-            <a:endParaRPr/>
-          </a:p>
-        </p:txBody>
-      </p:sp>
-    </p:spTree>
-  </p:cSld>
-  <p:clrMapOvr>
-    <a:masterClrMapping/>
-  </p:clrMapOvr>
-</p:notes>
-</file>
-
-<file path=ppt/notesSlides/notesSlide7.xml><?xml version="1.0" encoding="utf-8"?>
-<p:notes xmlns:a="http://schemas.openxmlformats.org/drawingml/2006/main" xmlns:r="http://schemas.openxmlformats.org/officeDocument/2006/relationships" xmlns:mc="http://schemas.openxmlformats.org/markup-compatibility/2006" xmlns:mv="urn:schemas-microsoft-com:mac:vml" xmlns:p="http://schemas.openxmlformats.org/presentationml/2006/main" xmlns:c="http://schemas.openxmlformats.org/drawingml/2006/chart" xmlns:dgm="http://schemas.openxmlformats.org/drawingml/2006/diagram" xmlns:o="urn:schemas-microsoft-com:office:office" xmlns:v="urn:schemas-microsoft-com:vml" xmlns:pvml="urn:schemas-microsoft-com:office:powerpoint" xmlns:com="http://schemas.openxmlformats.org/drawingml/2006/compatibility" xmlns:p14="http://schemas.microsoft.com/office/powerpoint/2010/main" xmlns:p15="http://schemas.microsoft.com/office/powerpoint/2012/main" xmlns:ahyp="http://schemas.microsoft.com/office/drawing/2018/hyperlinkcolor" showMasterPhAnim="0" showMasterSp="0">
-  <p:cSld>
-    <p:spTree>
-      <p:nvGrpSpPr>
-        <p:cNvPr id="84" name="Shape 84"/>
-        <p:cNvGrpSpPr/>
-        <p:nvPr/>
-      </p:nvGrpSpPr>
-      <p:grpSpPr>
-        <a:xfrm>
-          <a:off x="0" y="0"/>
-          <a:ext cx="0" cy="0"/>
-          <a:chOff x="0" y="0"/>
-          <a:chExt cx="0" cy="0"/>
-        </a:xfrm>
-      </p:grpSpPr>
-      <p:sp>
-        <p:nvSpPr>
-          <p:cNvPr id="85" name="Google Shape;85;g29f43f0a72_0_24:notes"/>
-          <p:cNvSpPr/>
-          <p:nvPr>
-            <p:ph idx="2" type="sldImg"/>
-          </p:nvPr>
-        </p:nvSpPr>
-        <p:spPr>
-          <a:xfrm>
-            <a:off x="381300" y="685800"/>
-            <a:ext cx="6096000" cy="3429000"/>
-          </a:xfrm>
-          <a:custGeom>
-            <a:rect b="b" l="l" r="r" t="t"/>
-            <a:pathLst>
-              <a:path extrusionOk="0" h="120000" w="120000">
-                <a:moveTo>
-                  <a:pt x="0" y="0"/>
-                </a:moveTo>
-                <a:lnTo>
-                  <a:pt x="120000" y="0"/>
-                </a:lnTo>
-                <a:lnTo>
-                  <a:pt x="120000" y="120000"/>
-                </a:lnTo>
-                <a:lnTo>
-                  <a:pt x="0" y="120000"/>
-                </a:lnTo>
-                <a:close/>
-              </a:path>
-            </a:pathLst>
-          </a:custGeom>
-        </p:spPr>
-      </p:sp>
-      <p:sp>
-        <p:nvSpPr>
-          <p:cNvPr id="86" name="Google Shape;86;g29f43f0a72_0_24:notes"/>
-          <p:cNvSpPr txBox="1"/>
-          <p:nvPr>
-            <p:ph idx="1" type="body"/>
-          </p:nvPr>
-        </p:nvSpPr>
-        <p:spPr>
-          <a:xfrm>
-            <a:off x="685800" y="4343400"/>
-            <a:ext cx="5486400" cy="4114800"/>
-          </a:xfrm>
-          <a:prstGeom prst="rect">
-            <a:avLst/>
-          </a:prstGeom>
-        </p:spPr>
-        <p:txBody>
-          <a:bodyPr anchorCtr="0" anchor="t" bIns="91425" lIns="91425" spcFirstLastPara="1" rIns="91425" wrap="square" tIns="91425">
-            <a:noAutofit/>
-          </a:bodyPr>
-          <a:lstStyle/>
-          <a:p>
-            <a:pPr indent="0" lvl="0" marL="0" rtl="0" algn="l">
-              <a:spcBef>
-                <a:spcPts val="0"/>
-              </a:spcBef>
-              <a:spcAft>
-                <a:spcPts val="0"/>
-              </a:spcAft>
-              <a:buNone/>
-            </a:pPr>
-            <a:r>
-              <a:t/>
-            </a:r>
             <a:endParaRPr/>
           </a:p>
         </p:txBody>
@@ -1370,11 +1750,11 @@
 </file>
 
 <file path=ppt/slideLayouts/slideLayout1.xml><?xml version="1.0" encoding="utf-8"?>
-<p:sldLayout xmlns:a="http://schemas.openxmlformats.org/drawingml/2006/main" xmlns:r="http://schemas.openxmlformats.org/officeDocument/2006/relationships" xmlns:mc="http://schemas.openxmlformats.org/markup-compatibility/2006" xmlns:mv="urn:schemas-microsoft-com:mac:vml" xmlns:p="http://schemas.openxmlformats.org/presentationml/2006/main" xmlns:c="http://schemas.openxmlformats.org/drawingml/2006/chart" xmlns:dgm="http://schemas.openxmlformats.org/drawingml/2006/diagram" xmlns:o="urn:schemas-microsoft-com:office:office" xmlns:v="urn:schemas-microsoft-com:vml" xmlns:pvml="urn:schemas-microsoft-com:office:powerpoint" xmlns:com="http://schemas.openxmlformats.org/drawingml/2006/compatibility" xmlns:p14="http://schemas.microsoft.com/office/powerpoint/2010/main" xmlns:p15="http://schemas.microsoft.com/office/powerpoint/2012/main" xmlns:ahyp="http://schemas.microsoft.com/office/drawing/2018/hyperlinkcolor" matchingName="Title slide" type="title">
+<p:sldLayout xmlns:a="http://schemas.openxmlformats.org/drawingml/2006/main" xmlns:r="http://schemas.openxmlformats.org/officeDocument/2006/relationships" xmlns:p="http://schemas.openxmlformats.org/presentationml/2006/main" matchingName="Title slide" type="title">
   <p:cSld name="TITLE">
     <p:spTree>
       <p:nvGrpSpPr>
-        <p:cNvPr id="9" name="Shape 9"/>
+        <p:cNvPr id="1" name="Shape 9"/>
         <p:cNvGrpSpPr/>
         <p:nvPr/>
       </p:nvGrpSpPr>
@@ -1389,7 +1769,9 @@
       <p:sp>
         <p:nvSpPr>
           <p:cNvPr id="10" name="Google Shape;10;p2"/>
-          <p:cNvSpPr txBox="1"/>
+          <p:cNvSpPr txBox="1">
+            <a:spLocks noGrp="1"/>
+          </p:cNvSpPr>
           <p:nvPr>
             <p:ph type="ctrTitle"/>
           </p:nvPr>
@@ -1404,7 +1786,7 @@
           </a:prstGeom>
         </p:spPr>
         <p:txBody>
-          <a:bodyPr anchorCtr="0" anchor="b" bIns="91425" lIns="91425" spcFirstLastPara="1" rIns="91425" wrap="square" tIns="91425">
+          <a:bodyPr spcFirstLastPara="1" wrap="square" lIns="91425" tIns="91425" rIns="91425" bIns="91425" anchor="b" anchorCtr="0">
             <a:noAutofit/>
           </a:bodyPr>
           <a:lstStyle>
@@ -1417,7 +1799,11 @@
               </a:spcAft>
               <a:buSzPts val="5200"/>
               <a:buNone/>
-              <a:defRPr sz="5200"/>
+              <a:defRPr sz="5200">
+                <a:solidFill>
+                  <a:schemeClr val="bg1"/>
+                </a:solidFill>
+              </a:defRPr>
             </a:lvl1pPr>
             <a:lvl2pPr lvl="1" algn="ctr">
               <a:spcBef>
@@ -1508,15 +1894,19 @@
               <a:defRPr sz="5200"/>
             </a:lvl9pPr>
           </a:lstStyle>
-          <a:p/>
+          <a:p>
+            <a:endParaRPr dirty="0"/>
+          </a:p>
         </p:txBody>
       </p:sp>
       <p:sp>
         <p:nvSpPr>
           <p:cNvPr id="11" name="Google Shape;11;p2"/>
-          <p:cNvSpPr txBox="1"/>
+          <p:cNvSpPr txBox="1">
+            <a:spLocks noGrp="1"/>
+          </p:cNvSpPr>
           <p:nvPr>
-            <p:ph idx="1" type="subTitle"/>
+            <p:ph type="subTitle" idx="1"/>
           </p:nvPr>
         </p:nvSpPr>
         <p:spPr>
@@ -1529,7 +1919,7 @@
           </a:prstGeom>
         </p:spPr>
         <p:txBody>
-          <a:bodyPr anchorCtr="0" anchor="t" bIns="91425" lIns="91425" spcFirstLastPara="1" rIns="91425" wrap="square" tIns="91425">
+          <a:bodyPr spcFirstLastPara="1" wrap="square" lIns="91425" tIns="91425" rIns="91425" bIns="91425" anchor="t" anchorCtr="0">
             <a:noAutofit/>
           </a:bodyPr>
           <a:lstStyle>
@@ -1545,7 +1935,11 @@
               </a:spcAft>
               <a:buSzPts val="2800"/>
               <a:buNone/>
-              <a:defRPr sz="2800"/>
+              <a:defRPr sz="2800">
+                <a:solidFill>
+                  <a:schemeClr val="bg1"/>
+                </a:solidFill>
+              </a:defRPr>
             </a:lvl1pPr>
             <a:lvl2pPr lvl="1" algn="ctr">
               <a:lnSpc>
@@ -1660,20 +2054,24 @@
               <a:defRPr sz="2800"/>
             </a:lvl9pPr>
           </a:lstStyle>
-          <a:p/>
+          <a:p>
+            <a:endParaRPr dirty="0"/>
+          </a:p>
         </p:txBody>
       </p:sp>
       <p:sp>
         <p:nvSpPr>
           <p:cNvPr id="12" name="Google Shape;12;p2"/>
-          <p:cNvSpPr txBox="1"/>
+          <p:cNvSpPr txBox="1">
+            <a:spLocks noGrp="1"/>
+          </p:cNvSpPr>
           <p:nvPr>
-            <p:ph idx="12" type="sldNum"/>
+            <p:ph type="sldNum" idx="12"/>
           </p:nvPr>
         </p:nvSpPr>
         <p:spPr>
           <a:xfrm>
-            <a:off x="8472458" y="4663217"/>
+            <a:off x="8472459" y="4663217"/>
             <a:ext cx="548700" cy="393600"/>
           </a:xfrm>
           <a:prstGeom prst="rect">
@@ -1681,7 +2079,7 @@
           </a:prstGeom>
         </p:spPr>
         <p:txBody>
-          <a:bodyPr anchorCtr="0" anchor="ctr" bIns="91425" lIns="91425" spcFirstLastPara="1" rIns="91425" wrap="square" tIns="91425">
+          <a:bodyPr spcFirstLastPara="1" wrap="square" lIns="91425" tIns="91425" rIns="91425" bIns="91425" anchor="ctr" anchorCtr="0">
             <a:noAutofit/>
           </a:bodyPr>
           <a:lstStyle>
@@ -1723,20 +2121,12 @@
             </a:lvl9pPr>
           </a:lstStyle>
           <a:p>
-            <a:pPr indent="0" lvl="0" marL="0" rtl="0" algn="r">
-              <a:spcBef>
-                <a:spcPts val="0"/>
-              </a:spcBef>
-              <a:spcAft>
-                <a:spcPts val="0"/>
-              </a:spcAft>
-              <a:buNone/>
-            </a:pPr>
             <a:fld id="{00000000-1234-1234-1234-123412341234}" type="slidenum">
-              <a:rPr lang="en"/>
+              <a:rPr lang="en" smtClean="0"/>
+              <a:pPr/>
               <a:t>‹#›</a:t>
             </a:fld>
-            <a:endParaRPr/>
+            <a:endParaRPr lang="en"/>
           </a:p>
         </p:txBody>
       </p:sp>
@@ -1749,11 +2139,11 @@
 </file>
 
 <file path=ppt/slideLayouts/slideLayout10.xml><?xml version="1.0" encoding="utf-8"?>
-<p:sldLayout xmlns:a="http://schemas.openxmlformats.org/drawingml/2006/main" xmlns:r="http://schemas.openxmlformats.org/officeDocument/2006/relationships" xmlns:mc="http://schemas.openxmlformats.org/markup-compatibility/2006" xmlns:mv="urn:schemas-microsoft-com:mac:vml" xmlns:p="http://schemas.openxmlformats.org/presentationml/2006/main" xmlns:c="http://schemas.openxmlformats.org/drawingml/2006/chart" xmlns:dgm="http://schemas.openxmlformats.org/drawingml/2006/diagram" xmlns:o="urn:schemas-microsoft-com:office:office" xmlns:v="urn:schemas-microsoft-com:vml" xmlns:pvml="urn:schemas-microsoft-com:office:powerpoint" xmlns:com="http://schemas.openxmlformats.org/drawingml/2006/compatibility" xmlns:p14="http://schemas.microsoft.com/office/powerpoint/2010/main" xmlns:p15="http://schemas.microsoft.com/office/powerpoint/2012/main" xmlns:ahyp="http://schemas.microsoft.com/office/drawing/2018/hyperlinkcolor" matchingName="Big number">
+<p:sldLayout xmlns:a="http://schemas.openxmlformats.org/drawingml/2006/main" xmlns:r="http://schemas.openxmlformats.org/officeDocument/2006/relationships" xmlns:p="http://schemas.openxmlformats.org/presentationml/2006/main" matchingName="Big number">
   <p:cSld name="BIG_NUMBER">
     <p:spTree>
       <p:nvGrpSpPr>
-        <p:cNvPr id="44" name="Shape 44"/>
+        <p:cNvPr id="1" name="Shape 44"/>
         <p:cNvGrpSpPr/>
         <p:nvPr/>
       </p:nvGrpSpPr>
@@ -1768,9 +2158,11 @@
       <p:sp>
         <p:nvSpPr>
           <p:cNvPr id="45" name="Google Shape;45;p11"/>
-          <p:cNvSpPr txBox="1"/>
+          <p:cNvSpPr txBox="1">
+            <a:spLocks noGrp="1"/>
+          </p:cNvSpPr>
           <p:nvPr>
-            <p:ph hasCustomPrompt="1" type="title"/>
+            <p:ph type="title" hasCustomPrompt="1"/>
           </p:nvPr>
         </p:nvSpPr>
         <p:spPr>
@@ -1783,7 +2175,7 @@
           </a:prstGeom>
         </p:spPr>
         <p:txBody>
-          <a:bodyPr anchorCtr="0" anchor="b" bIns="91425" lIns="91425" spcFirstLastPara="1" rIns="91425" wrap="square" tIns="91425">
+          <a:bodyPr spcFirstLastPara="1" wrap="square" lIns="91425" tIns="91425" rIns="91425" bIns="91425" anchor="b" anchorCtr="0">
             <a:noAutofit/>
           </a:bodyPr>
           <a:lstStyle>
@@ -1796,7 +2188,11 @@
               </a:spcAft>
               <a:buSzPts val="12000"/>
               <a:buNone/>
-              <a:defRPr sz="12000"/>
+              <a:defRPr sz="12000">
+                <a:solidFill>
+                  <a:schemeClr val="bg1"/>
+                </a:solidFill>
+              </a:defRPr>
             </a:lvl1pPr>
             <a:lvl2pPr lvl="1" algn="ctr">
               <a:spcBef>
@@ -1889,6 +2285,7 @@
           </a:lstStyle>
           <a:p>
             <a:r>
+              <a:rPr dirty="0"/>
               <a:t>xx%</a:t>
             </a:r>
           </a:p>
@@ -1897,9 +2294,11 @@
       <p:sp>
         <p:nvSpPr>
           <p:cNvPr id="46" name="Google Shape;46;p11"/>
-          <p:cNvSpPr txBox="1"/>
+          <p:cNvSpPr txBox="1">
+            <a:spLocks noGrp="1"/>
+          </p:cNvSpPr>
           <p:nvPr>
-            <p:ph idx="1" type="body"/>
+            <p:ph type="body" idx="1"/>
           </p:nvPr>
         </p:nvSpPr>
         <p:spPr>
@@ -1912,11 +2311,11 @@
           </a:prstGeom>
         </p:spPr>
         <p:txBody>
-          <a:bodyPr anchorCtr="0" anchor="t" bIns="91425" lIns="91425" spcFirstLastPara="1" rIns="91425" wrap="square" tIns="91425">
+          <a:bodyPr spcFirstLastPara="1" wrap="square" lIns="91425" tIns="91425" rIns="91425" bIns="91425" anchor="t" anchorCtr="0">
             <a:noAutofit/>
           </a:bodyPr>
           <a:lstStyle>
-            <a:lvl1pPr indent="-342900" lvl="0" marL="457200" algn="ctr">
+            <a:lvl1pPr marL="457200" lvl="0" indent="-342900" algn="ctr">
               <a:spcBef>
                 <a:spcPts val="0"/>
               </a:spcBef>
@@ -1925,9 +2324,13 @@
               </a:spcAft>
               <a:buSzPts val="1800"/>
               <a:buChar char="●"/>
-              <a:defRPr/>
+              <a:defRPr>
+                <a:solidFill>
+                  <a:schemeClr val="bg1"/>
+                </a:solidFill>
+              </a:defRPr>
             </a:lvl1pPr>
-            <a:lvl2pPr indent="-317500" lvl="1" marL="914400" algn="ctr">
+            <a:lvl2pPr marL="914400" lvl="1" indent="-317500" algn="ctr">
               <a:spcBef>
                 <a:spcPts val="1600"/>
               </a:spcBef>
@@ -1938,7 +2341,7 @@
               <a:buChar char="○"/>
               <a:defRPr/>
             </a:lvl2pPr>
-            <a:lvl3pPr indent="-317500" lvl="2" marL="1371600" algn="ctr">
+            <a:lvl3pPr marL="1371600" lvl="2" indent="-317500" algn="ctr">
               <a:spcBef>
                 <a:spcPts val="1600"/>
               </a:spcBef>
@@ -1949,7 +2352,7 @@
               <a:buChar char="■"/>
               <a:defRPr/>
             </a:lvl3pPr>
-            <a:lvl4pPr indent="-317500" lvl="3" marL="1828800" algn="ctr">
+            <a:lvl4pPr marL="1828800" lvl="3" indent="-317500" algn="ctr">
               <a:spcBef>
                 <a:spcPts val="1600"/>
               </a:spcBef>
@@ -1960,7 +2363,7 @@
               <a:buChar char="●"/>
               <a:defRPr/>
             </a:lvl4pPr>
-            <a:lvl5pPr indent="-317500" lvl="4" marL="2286000" algn="ctr">
+            <a:lvl5pPr marL="2286000" lvl="4" indent="-317500" algn="ctr">
               <a:spcBef>
                 <a:spcPts val="1600"/>
               </a:spcBef>
@@ -1971,7 +2374,7 @@
               <a:buChar char="○"/>
               <a:defRPr/>
             </a:lvl5pPr>
-            <a:lvl6pPr indent="-317500" lvl="5" marL="2743200" algn="ctr">
+            <a:lvl6pPr marL="2743200" lvl="5" indent="-317500" algn="ctr">
               <a:spcBef>
                 <a:spcPts val="1600"/>
               </a:spcBef>
@@ -1982,7 +2385,7 @@
               <a:buChar char="■"/>
               <a:defRPr/>
             </a:lvl6pPr>
-            <a:lvl7pPr indent="-317500" lvl="6" marL="3200400" algn="ctr">
+            <a:lvl7pPr marL="3200400" lvl="6" indent="-317500" algn="ctr">
               <a:spcBef>
                 <a:spcPts val="1600"/>
               </a:spcBef>
@@ -1993,7 +2396,7 @@
               <a:buChar char="●"/>
               <a:defRPr/>
             </a:lvl7pPr>
-            <a:lvl8pPr indent="-317500" lvl="7" marL="3657600" algn="ctr">
+            <a:lvl8pPr marL="3657600" lvl="7" indent="-317500" algn="ctr">
               <a:spcBef>
                 <a:spcPts val="1600"/>
               </a:spcBef>
@@ -2004,7 +2407,7 @@
               <a:buChar char="○"/>
               <a:defRPr/>
             </a:lvl8pPr>
-            <a:lvl9pPr indent="-317500" lvl="8" marL="4114800" algn="ctr">
+            <a:lvl9pPr marL="4114800" lvl="8" indent="-317500" algn="ctr">
               <a:spcBef>
                 <a:spcPts val="1600"/>
               </a:spcBef>
@@ -2016,20 +2419,24 @@
               <a:defRPr/>
             </a:lvl9pPr>
           </a:lstStyle>
-          <a:p/>
+          <a:p>
+            <a:endParaRPr dirty="0"/>
+          </a:p>
         </p:txBody>
       </p:sp>
       <p:sp>
         <p:nvSpPr>
           <p:cNvPr id="47" name="Google Shape;47;p11"/>
-          <p:cNvSpPr txBox="1"/>
+          <p:cNvSpPr txBox="1">
+            <a:spLocks noGrp="1"/>
+          </p:cNvSpPr>
           <p:nvPr>
-            <p:ph idx="12" type="sldNum"/>
+            <p:ph type="sldNum" idx="12"/>
           </p:nvPr>
         </p:nvSpPr>
         <p:spPr>
           <a:xfrm>
-            <a:off x="8472458" y="4663217"/>
+            <a:off x="8472459" y="4663217"/>
             <a:ext cx="548700" cy="393600"/>
           </a:xfrm>
           <a:prstGeom prst="rect">
@@ -2037,7 +2444,7 @@
           </a:prstGeom>
         </p:spPr>
         <p:txBody>
-          <a:bodyPr anchorCtr="0" anchor="ctr" bIns="91425" lIns="91425" spcFirstLastPara="1" rIns="91425" wrap="square" tIns="91425">
+          <a:bodyPr spcFirstLastPara="1" wrap="square" lIns="91425" tIns="91425" rIns="91425" bIns="91425" anchor="ctr" anchorCtr="0">
             <a:noAutofit/>
           </a:bodyPr>
           <a:lstStyle>
@@ -2079,20 +2486,12 @@
             </a:lvl9pPr>
           </a:lstStyle>
           <a:p>
-            <a:pPr indent="0" lvl="0" marL="0" rtl="0" algn="r">
-              <a:spcBef>
-                <a:spcPts val="0"/>
-              </a:spcBef>
-              <a:spcAft>
-                <a:spcPts val="0"/>
-              </a:spcAft>
-              <a:buNone/>
-            </a:pPr>
             <a:fld id="{00000000-1234-1234-1234-123412341234}" type="slidenum">
-              <a:rPr lang="en"/>
+              <a:rPr lang="en" smtClean="0"/>
+              <a:pPr/>
               <a:t>‹#›</a:t>
             </a:fld>
-            <a:endParaRPr/>
+            <a:endParaRPr lang="en"/>
           </a:p>
         </p:txBody>
       </p:sp>
@@ -2105,11 +2504,11 @@
 </file>
 
 <file path=ppt/slideLayouts/slideLayout11.xml><?xml version="1.0" encoding="utf-8"?>
-<p:sldLayout xmlns:a="http://schemas.openxmlformats.org/drawingml/2006/main" xmlns:r="http://schemas.openxmlformats.org/officeDocument/2006/relationships" xmlns:mc="http://schemas.openxmlformats.org/markup-compatibility/2006" xmlns:mv="urn:schemas-microsoft-com:mac:vml" xmlns:p="http://schemas.openxmlformats.org/presentationml/2006/main" xmlns:c="http://schemas.openxmlformats.org/drawingml/2006/chart" xmlns:dgm="http://schemas.openxmlformats.org/drawingml/2006/diagram" xmlns:o="urn:schemas-microsoft-com:office:office" xmlns:v="urn:schemas-microsoft-com:vml" xmlns:pvml="urn:schemas-microsoft-com:office:powerpoint" xmlns:com="http://schemas.openxmlformats.org/drawingml/2006/compatibility" xmlns:p14="http://schemas.microsoft.com/office/powerpoint/2010/main" xmlns:p15="http://schemas.microsoft.com/office/powerpoint/2012/main" xmlns:ahyp="http://schemas.microsoft.com/office/drawing/2018/hyperlinkcolor" matchingName="Blank" type="blank">
+<p:sldLayout xmlns:a="http://schemas.openxmlformats.org/drawingml/2006/main" xmlns:r="http://schemas.openxmlformats.org/officeDocument/2006/relationships" xmlns:p="http://schemas.openxmlformats.org/presentationml/2006/main" matchingName="Blank" type="blank">
   <p:cSld name="BLANK">
     <p:spTree>
       <p:nvGrpSpPr>
-        <p:cNvPr id="48" name="Shape 48"/>
+        <p:cNvPr id="1" name="Shape 48"/>
         <p:cNvGrpSpPr/>
         <p:nvPr/>
       </p:nvGrpSpPr>
@@ -2124,14 +2523,16 @@
       <p:sp>
         <p:nvSpPr>
           <p:cNvPr id="49" name="Google Shape;49;p12"/>
-          <p:cNvSpPr txBox="1"/>
+          <p:cNvSpPr txBox="1">
+            <a:spLocks noGrp="1"/>
+          </p:cNvSpPr>
           <p:nvPr>
-            <p:ph idx="12" type="sldNum"/>
+            <p:ph type="sldNum" idx="12"/>
           </p:nvPr>
         </p:nvSpPr>
         <p:spPr>
           <a:xfrm>
-            <a:off x="8472458" y="4663217"/>
+            <a:off x="8472459" y="4663217"/>
             <a:ext cx="548700" cy="393600"/>
           </a:xfrm>
           <a:prstGeom prst="rect">
@@ -2139,7 +2540,7 @@
           </a:prstGeom>
         </p:spPr>
         <p:txBody>
-          <a:bodyPr anchorCtr="0" anchor="ctr" bIns="91425" lIns="91425" spcFirstLastPara="1" rIns="91425" wrap="square" tIns="91425">
+          <a:bodyPr spcFirstLastPara="1" wrap="square" lIns="91425" tIns="91425" rIns="91425" bIns="91425" anchor="ctr" anchorCtr="0">
             <a:noAutofit/>
           </a:bodyPr>
           <a:lstStyle>
@@ -2181,20 +2582,12 @@
             </a:lvl9pPr>
           </a:lstStyle>
           <a:p>
-            <a:pPr indent="0" lvl="0" marL="0" rtl="0" algn="r">
-              <a:spcBef>
-                <a:spcPts val="0"/>
-              </a:spcBef>
-              <a:spcAft>
-                <a:spcPts val="0"/>
-              </a:spcAft>
-              <a:buNone/>
-            </a:pPr>
             <a:fld id="{00000000-1234-1234-1234-123412341234}" type="slidenum">
-              <a:rPr lang="en"/>
+              <a:rPr lang="en" smtClean="0"/>
+              <a:pPr/>
               <a:t>‹#›</a:t>
             </a:fld>
-            <a:endParaRPr/>
+            <a:endParaRPr lang="en"/>
           </a:p>
         </p:txBody>
       </p:sp>
@@ -2207,11 +2600,11 @@
 </file>
 
 <file path=ppt/slideLayouts/slideLayout2.xml><?xml version="1.0" encoding="utf-8"?>
-<p:sldLayout xmlns:a="http://schemas.openxmlformats.org/drawingml/2006/main" xmlns:r="http://schemas.openxmlformats.org/officeDocument/2006/relationships" xmlns:mc="http://schemas.openxmlformats.org/markup-compatibility/2006" xmlns:mv="urn:schemas-microsoft-com:mac:vml" xmlns:p="http://schemas.openxmlformats.org/presentationml/2006/main" xmlns:c="http://schemas.openxmlformats.org/drawingml/2006/chart" xmlns:dgm="http://schemas.openxmlformats.org/drawingml/2006/diagram" xmlns:o="urn:schemas-microsoft-com:office:office" xmlns:v="urn:schemas-microsoft-com:vml" xmlns:pvml="urn:schemas-microsoft-com:office:powerpoint" xmlns:com="http://schemas.openxmlformats.org/drawingml/2006/compatibility" xmlns:p14="http://schemas.microsoft.com/office/powerpoint/2010/main" xmlns:p15="http://schemas.microsoft.com/office/powerpoint/2012/main" xmlns:ahyp="http://schemas.microsoft.com/office/drawing/2018/hyperlinkcolor" matchingName="Section header" type="secHead">
+<p:sldLayout xmlns:a="http://schemas.openxmlformats.org/drawingml/2006/main" xmlns:r="http://schemas.openxmlformats.org/officeDocument/2006/relationships" xmlns:p="http://schemas.openxmlformats.org/presentationml/2006/main" matchingName="Section header" type="secHead">
   <p:cSld name="SECTION_HEADER">
     <p:spTree>
       <p:nvGrpSpPr>
-        <p:cNvPr id="13" name="Shape 13"/>
+        <p:cNvPr id="1" name="Shape 13"/>
         <p:cNvGrpSpPr/>
         <p:nvPr/>
       </p:nvGrpSpPr>
@@ -2226,7 +2619,9 @@
       <p:sp>
         <p:nvSpPr>
           <p:cNvPr id="14" name="Google Shape;14;p3"/>
-          <p:cNvSpPr txBox="1"/>
+          <p:cNvSpPr txBox="1">
+            <a:spLocks noGrp="1"/>
+          </p:cNvSpPr>
           <p:nvPr>
             <p:ph type="title"/>
           </p:nvPr>
@@ -2241,7 +2636,7 @@
           </a:prstGeom>
         </p:spPr>
         <p:txBody>
-          <a:bodyPr anchorCtr="0" anchor="ctr" bIns="91425" lIns="91425" spcFirstLastPara="1" rIns="91425" wrap="square" tIns="91425">
+          <a:bodyPr spcFirstLastPara="1" wrap="square" lIns="91425" tIns="91425" rIns="91425" bIns="91425" anchor="ctr" anchorCtr="0">
             <a:noAutofit/>
           </a:bodyPr>
           <a:lstStyle>
@@ -2254,7 +2649,11 @@
               </a:spcAft>
               <a:buSzPts val="3600"/>
               <a:buNone/>
-              <a:defRPr sz="3600"/>
+              <a:defRPr sz="3600">
+                <a:solidFill>
+                  <a:schemeClr val="bg1"/>
+                </a:solidFill>
+              </a:defRPr>
             </a:lvl1pPr>
             <a:lvl2pPr lvl="1" algn="ctr">
               <a:spcBef>
@@ -2345,20 +2744,24 @@
               <a:defRPr sz="3600"/>
             </a:lvl9pPr>
           </a:lstStyle>
-          <a:p/>
+          <a:p>
+            <a:endParaRPr dirty="0"/>
+          </a:p>
         </p:txBody>
       </p:sp>
       <p:sp>
         <p:nvSpPr>
           <p:cNvPr id="15" name="Google Shape;15;p3"/>
-          <p:cNvSpPr txBox="1"/>
+          <p:cNvSpPr txBox="1">
+            <a:spLocks noGrp="1"/>
+          </p:cNvSpPr>
           <p:nvPr>
-            <p:ph idx="12" type="sldNum"/>
+            <p:ph type="sldNum" idx="12"/>
           </p:nvPr>
         </p:nvSpPr>
         <p:spPr>
           <a:xfrm>
-            <a:off x="8472458" y="4663217"/>
+            <a:off x="8472459" y="4663217"/>
             <a:ext cx="548700" cy="393600"/>
           </a:xfrm>
           <a:prstGeom prst="rect">
@@ -2366,7 +2769,7 @@
           </a:prstGeom>
         </p:spPr>
         <p:txBody>
-          <a:bodyPr anchorCtr="0" anchor="ctr" bIns="91425" lIns="91425" spcFirstLastPara="1" rIns="91425" wrap="square" tIns="91425">
+          <a:bodyPr spcFirstLastPara="1" wrap="square" lIns="91425" tIns="91425" rIns="91425" bIns="91425" anchor="ctr" anchorCtr="0">
             <a:noAutofit/>
           </a:bodyPr>
           <a:lstStyle>
@@ -2408,20 +2811,12 @@
             </a:lvl9pPr>
           </a:lstStyle>
           <a:p>
-            <a:pPr indent="0" lvl="0" marL="0" rtl="0" algn="r">
-              <a:spcBef>
-                <a:spcPts val="0"/>
-              </a:spcBef>
-              <a:spcAft>
-                <a:spcPts val="0"/>
-              </a:spcAft>
-              <a:buNone/>
-            </a:pPr>
             <a:fld id="{00000000-1234-1234-1234-123412341234}" type="slidenum">
-              <a:rPr lang="en"/>
+              <a:rPr lang="en" smtClean="0"/>
+              <a:pPr/>
               <a:t>‹#›</a:t>
             </a:fld>
-            <a:endParaRPr/>
+            <a:endParaRPr lang="en"/>
           </a:p>
         </p:txBody>
       </p:sp>
@@ -2434,11 +2829,11 @@
 </file>
 
 <file path=ppt/slideLayouts/slideLayout3.xml><?xml version="1.0" encoding="utf-8"?>
-<p:sldLayout xmlns:a="http://schemas.openxmlformats.org/drawingml/2006/main" xmlns:r="http://schemas.openxmlformats.org/officeDocument/2006/relationships" xmlns:mc="http://schemas.openxmlformats.org/markup-compatibility/2006" xmlns:mv="urn:schemas-microsoft-com:mac:vml" xmlns:p="http://schemas.openxmlformats.org/presentationml/2006/main" xmlns:c="http://schemas.openxmlformats.org/drawingml/2006/chart" xmlns:dgm="http://schemas.openxmlformats.org/drawingml/2006/diagram" xmlns:o="urn:schemas-microsoft-com:office:office" xmlns:v="urn:schemas-microsoft-com:vml" xmlns:pvml="urn:schemas-microsoft-com:office:powerpoint" xmlns:com="http://schemas.openxmlformats.org/drawingml/2006/compatibility" xmlns:p14="http://schemas.microsoft.com/office/powerpoint/2010/main" xmlns:p15="http://schemas.microsoft.com/office/powerpoint/2012/main" xmlns:ahyp="http://schemas.microsoft.com/office/drawing/2018/hyperlinkcolor" matchingName="Title and body" type="tx">
+<p:sldLayout xmlns:a="http://schemas.openxmlformats.org/drawingml/2006/main" xmlns:r="http://schemas.openxmlformats.org/officeDocument/2006/relationships" xmlns:p="http://schemas.openxmlformats.org/presentationml/2006/main" matchingName="Title and body" type="tx">
   <p:cSld name="TITLE_AND_BODY">
     <p:spTree>
       <p:nvGrpSpPr>
-        <p:cNvPr id="16" name="Shape 16"/>
+        <p:cNvPr id="1" name="Shape 16"/>
         <p:cNvGrpSpPr/>
         <p:nvPr/>
       </p:nvGrpSpPr>
@@ -2453,7 +2848,9 @@
       <p:sp>
         <p:nvSpPr>
           <p:cNvPr id="17" name="Google Shape;17;p4"/>
-          <p:cNvSpPr txBox="1"/>
+          <p:cNvSpPr txBox="1">
+            <a:spLocks noGrp="1"/>
+          </p:cNvSpPr>
           <p:nvPr>
             <p:ph type="title"/>
           </p:nvPr>
@@ -2468,7 +2865,7 @@
           </a:prstGeom>
         </p:spPr>
         <p:txBody>
-          <a:bodyPr anchorCtr="0" anchor="t" bIns="91425" lIns="91425" spcFirstLastPara="1" rIns="91425" wrap="square" tIns="91425">
+          <a:bodyPr spcFirstLastPara="1" wrap="square" lIns="91425" tIns="91425" rIns="91425" bIns="91425" anchor="t" anchorCtr="0">
             <a:noAutofit/>
           </a:bodyPr>
           <a:lstStyle>
@@ -2481,7 +2878,11 @@
               </a:spcAft>
               <a:buSzPts val="2800"/>
               <a:buNone/>
-              <a:defRPr/>
+              <a:defRPr>
+                <a:solidFill>
+                  <a:schemeClr val="bg1"/>
+                </a:solidFill>
+              </a:defRPr>
             </a:lvl1pPr>
             <a:lvl2pPr lvl="1">
               <a:spcBef>
@@ -2572,15 +2973,19 @@
               <a:defRPr/>
             </a:lvl9pPr>
           </a:lstStyle>
-          <a:p/>
+          <a:p>
+            <a:endParaRPr dirty="0"/>
+          </a:p>
         </p:txBody>
       </p:sp>
       <p:sp>
         <p:nvSpPr>
           <p:cNvPr id="18" name="Google Shape;18;p4"/>
-          <p:cNvSpPr txBox="1"/>
+          <p:cNvSpPr txBox="1">
+            <a:spLocks noGrp="1"/>
+          </p:cNvSpPr>
           <p:nvPr>
-            <p:ph idx="1" type="body"/>
+            <p:ph type="body" idx="1"/>
           </p:nvPr>
         </p:nvSpPr>
         <p:spPr>
@@ -2593,11 +2998,11 @@
           </a:prstGeom>
         </p:spPr>
         <p:txBody>
-          <a:bodyPr anchorCtr="0" anchor="t" bIns="91425" lIns="91425" spcFirstLastPara="1" rIns="91425" wrap="square" tIns="91425">
+          <a:bodyPr spcFirstLastPara="1" wrap="square" lIns="91425" tIns="91425" rIns="91425" bIns="91425" anchor="t" anchorCtr="0">
             <a:noAutofit/>
           </a:bodyPr>
           <a:lstStyle>
-            <a:lvl1pPr indent="-342900" lvl="0" marL="457200">
+            <a:lvl1pPr marL="457200" lvl="0" indent="-342900">
               <a:spcBef>
                 <a:spcPts val="0"/>
               </a:spcBef>
@@ -2606,9 +3011,13 @@
               </a:spcAft>
               <a:buSzPts val="1800"/>
               <a:buChar char="●"/>
-              <a:defRPr/>
+              <a:defRPr>
+                <a:solidFill>
+                  <a:schemeClr val="bg1"/>
+                </a:solidFill>
+              </a:defRPr>
             </a:lvl1pPr>
-            <a:lvl2pPr indent="-317500" lvl="1" marL="914400">
+            <a:lvl2pPr marL="914400" lvl="1" indent="-317500">
               <a:spcBef>
                 <a:spcPts val="1600"/>
               </a:spcBef>
@@ -2619,7 +3028,7 @@
               <a:buChar char="○"/>
               <a:defRPr/>
             </a:lvl2pPr>
-            <a:lvl3pPr indent="-317500" lvl="2" marL="1371600">
+            <a:lvl3pPr marL="1371600" lvl="2" indent="-317500">
               <a:spcBef>
                 <a:spcPts val="1600"/>
               </a:spcBef>
@@ -2630,7 +3039,7 @@
               <a:buChar char="■"/>
               <a:defRPr/>
             </a:lvl3pPr>
-            <a:lvl4pPr indent="-317500" lvl="3" marL="1828800">
+            <a:lvl4pPr marL="1828800" lvl="3" indent="-317500">
               <a:spcBef>
                 <a:spcPts val="1600"/>
               </a:spcBef>
@@ -2641,7 +3050,7 @@
               <a:buChar char="●"/>
               <a:defRPr/>
             </a:lvl4pPr>
-            <a:lvl5pPr indent="-317500" lvl="4" marL="2286000">
+            <a:lvl5pPr marL="2286000" lvl="4" indent="-317500">
               <a:spcBef>
                 <a:spcPts val="1600"/>
               </a:spcBef>
@@ -2652,7 +3061,7 @@
               <a:buChar char="○"/>
               <a:defRPr/>
             </a:lvl5pPr>
-            <a:lvl6pPr indent="-317500" lvl="5" marL="2743200">
+            <a:lvl6pPr marL="2743200" lvl="5" indent="-317500">
               <a:spcBef>
                 <a:spcPts val="1600"/>
               </a:spcBef>
@@ -2663,7 +3072,7 @@
               <a:buChar char="■"/>
               <a:defRPr/>
             </a:lvl6pPr>
-            <a:lvl7pPr indent="-317500" lvl="6" marL="3200400">
+            <a:lvl7pPr marL="3200400" lvl="6" indent="-317500">
               <a:spcBef>
                 <a:spcPts val="1600"/>
               </a:spcBef>
@@ -2674,7 +3083,7 @@
               <a:buChar char="●"/>
               <a:defRPr/>
             </a:lvl7pPr>
-            <a:lvl8pPr indent="-317500" lvl="7" marL="3657600">
+            <a:lvl8pPr marL="3657600" lvl="7" indent="-317500">
               <a:spcBef>
                 <a:spcPts val="1600"/>
               </a:spcBef>
@@ -2685,7 +3094,7 @@
               <a:buChar char="○"/>
               <a:defRPr/>
             </a:lvl8pPr>
-            <a:lvl9pPr indent="-317500" lvl="8" marL="4114800">
+            <a:lvl9pPr marL="4114800" lvl="8" indent="-317500">
               <a:spcBef>
                 <a:spcPts val="1600"/>
               </a:spcBef>
@@ -2697,20 +3106,24 @@
               <a:defRPr/>
             </a:lvl9pPr>
           </a:lstStyle>
-          <a:p/>
+          <a:p>
+            <a:endParaRPr dirty="0"/>
+          </a:p>
         </p:txBody>
       </p:sp>
       <p:sp>
         <p:nvSpPr>
           <p:cNvPr id="19" name="Google Shape;19;p4"/>
-          <p:cNvSpPr txBox="1"/>
+          <p:cNvSpPr txBox="1">
+            <a:spLocks noGrp="1"/>
+          </p:cNvSpPr>
           <p:nvPr>
-            <p:ph idx="12" type="sldNum"/>
+            <p:ph type="sldNum" idx="12"/>
           </p:nvPr>
         </p:nvSpPr>
         <p:spPr>
           <a:xfrm>
-            <a:off x="8472458" y="4663217"/>
+            <a:off x="8472459" y="4663217"/>
             <a:ext cx="548700" cy="393600"/>
           </a:xfrm>
           <a:prstGeom prst="rect">
@@ -2718,7 +3131,7 @@
           </a:prstGeom>
         </p:spPr>
         <p:txBody>
-          <a:bodyPr anchorCtr="0" anchor="ctr" bIns="91425" lIns="91425" spcFirstLastPara="1" rIns="91425" wrap="square" tIns="91425">
+          <a:bodyPr spcFirstLastPara="1" wrap="square" lIns="91425" tIns="91425" rIns="91425" bIns="91425" anchor="ctr" anchorCtr="0">
             <a:noAutofit/>
           </a:bodyPr>
           <a:lstStyle>
@@ -2760,20 +3173,12 @@
             </a:lvl9pPr>
           </a:lstStyle>
           <a:p>
-            <a:pPr indent="0" lvl="0" marL="0" rtl="0" algn="r">
-              <a:spcBef>
-                <a:spcPts val="0"/>
-              </a:spcBef>
-              <a:spcAft>
-                <a:spcPts val="0"/>
-              </a:spcAft>
-              <a:buNone/>
-            </a:pPr>
             <a:fld id="{00000000-1234-1234-1234-123412341234}" type="slidenum">
-              <a:rPr lang="en"/>
+              <a:rPr lang="en" smtClean="0"/>
+              <a:pPr/>
               <a:t>‹#›</a:t>
             </a:fld>
-            <a:endParaRPr/>
+            <a:endParaRPr lang="en"/>
           </a:p>
         </p:txBody>
       </p:sp>
@@ -2786,11 +3191,26 @@
 </file>
 
 <file path=ppt/slideLayouts/slideLayout4.xml><?xml version="1.0" encoding="utf-8"?>
-<p:sldLayout xmlns:a="http://schemas.openxmlformats.org/drawingml/2006/main" xmlns:r="http://schemas.openxmlformats.org/officeDocument/2006/relationships" xmlns:mc="http://schemas.openxmlformats.org/markup-compatibility/2006" xmlns:mv="urn:schemas-microsoft-com:mac:vml" xmlns:p="http://schemas.openxmlformats.org/presentationml/2006/main" xmlns:c="http://schemas.openxmlformats.org/drawingml/2006/chart" xmlns:dgm="http://schemas.openxmlformats.org/drawingml/2006/diagram" xmlns:o="urn:schemas-microsoft-com:office:office" xmlns:v="urn:schemas-microsoft-com:vml" xmlns:pvml="urn:schemas-microsoft-com:office:powerpoint" xmlns:com="http://schemas.openxmlformats.org/drawingml/2006/compatibility" xmlns:p14="http://schemas.microsoft.com/office/powerpoint/2010/main" xmlns:p15="http://schemas.microsoft.com/office/powerpoint/2012/main" xmlns:ahyp="http://schemas.microsoft.com/office/drawing/2018/hyperlinkcolor" matchingName="Title and two columns" type="twoColTx">
+<p:sldLayout xmlns:a="http://schemas.openxmlformats.org/drawingml/2006/main" xmlns:r="http://schemas.openxmlformats.org/officeDocument/2006/relationships" xmlns:p="http://schemas.openxmlformats.org/presentationml/2006/main" matchingName="Title and two columns" type="twoColTx">
   <p:cSld name="TITLE_AND_TWO_COLUMNS">
+    <p:bg>
+      <p:bgPr>
+        <a:blipFill dpi="0" rotWithShape="1">
+          <a:blip r:embed="rId2">
+            <a:alphaModFix amt="89948"/>
+            <a:lum/>
+          </a:blip>
+          <a:srcRect/>
+          <a:stretch>
+            <a:fillRect l="-4000" t="-12000" b="-15000"/>
+          </a:stretch>
+        </a:blipFill>
+        <a:effectLst/>
+      </p:bgPr>
+    </p:bg>
     <p:spTree>
       <p:nvGrpSpPr>
-        <p:cNvPr id="20" name="Shape 20"/>
+        <p:cNvPr id="1" name="Shape 20"/>
         <p:cNvGrpSpPr/>
         <p:nvPr/>
       </p:nvGrpSpPr>
@@ -2805,7 +3225,9 @@
       <p:sp>
         <p:nvSpPr>
           <p:cNvPr id="21" name="Google Shape;21;p5"/>
-          <p:cNvSpPr txBox="1"/>
+          <p:cNvSpPr txBox="1">
+            <a:spLocks noGrp="1"/>
+          </p:cNvSpPr>
           <p:nvPr>
             <p:ph type="title"/>
           </p:nvPr>
@@ -2820,7 +3242,7 @@
           </a:prstGeom>
         </p:spPr>
         <p:txBody>
-          <a:bodyPr anchorCtr="0" anchor="t" bIns="91425" lIns="91425" spcFirstLastPara="1" rIns="91425" wrap="square" tIns="91425">
+          <a:bodyPr spcFirstLastPara="1" wrap="square" lIns="91425" tIns="91425" rIns="91425" bIns="91425" anchor="t" anchorCtr="0">
             <a:noAutofit/>
           </a:bodyPr>
           <a:lstStyle>
@@ -2833,7 +3255,11 @@
               </a:spcAft>
               <a:buSzPts val="2800"/>
               <a:buNone/>
-              <a:defRPr/>
+              <a:defRPr>
+                <a:solidFill>
+                  <a:schemeClr val="bg1"/>
+                </a:solidFill>
+              </a:defRPr>
             </a:lvl1pPr>
             <a:lvl2pPr lvl="1">
               <a:spcBef>
@@ -2924,20 +3350,24 @@
               <a:defRPr/>
             </a:lvl9pPr>
           </a:lstStyle>
-          <a:p/>
+          <a:p>
+            <a:endParaRPr dirty="0"/>
+          </a:p>
         </p:txBody>
       </p:sp>
       <p:sp>
         <p:nvSpPr>
           <p:cNvPr id="22" name="Google Shape;22;p5"/>
-          <p:cNvSpPr txBox="1"/>
+          <p:cNvSpPr txBox="1">
+            <a:spLocks noGrp="1"/>
+          </p:cNvSpPr>
           <p:nvPr>
-            <p:ph idx="1" type="body"/>
+            <p:ph type="body" idx="1"/>
           </p:nvPr>
         </p:nvSpPr>
         <p:spPr>
           <a:xfrm>
-            <a:off x="311700" y="1152475"/>
+            <a:off x="311701" y="1152475"/>
             <a:ext cx="3999900" cy="3416400"/>
           </a:xfrm>
           <a:prstGeom prst="rect">
@@ -2945,11 +3375,11 @@
           </a:prstGeom>
         </p:spPr>
         <p:txBody>
-          <a:bodyPr anchorCtr="0" anchor="t" bIns="91425" lIns="91425" spcFirstLastPara="1" rIns="91425" wrap="square" tIns="91425">
+          <a:bodyPr spcFirstLastPara="1" wrap="square" lIns="91425" tIns="91425" rIns="91425" bIns="91425" anchor="t" anchorCtr="0">
             <a:noAutofit/>
           </a:bodyPr>
           <a:lstStyle>
-            <a:lvl1pPr indent="-317500" lvl="0" marL="457200">
+            <a:lvl1pPr marL="457200" lvl="0" indent="-317500">
               <a:spcBef>
                 <a:spcPts val="0"/>
               </a:spcBef>
@@ -2960,7 +3390,7 @@
               <a:buChar char="●"/>
               <a:defRPr sz="1400"/>
             </a:lvl1pPr>
-            <a:lvl2pPr indent="-304800" lvl="1" marL="914400">
+            <a:lvl2pPr marL="914400" lvl="1" indent="-304800">
               <a:spcBef>
                 <a:spcPts val="1600"/>
               </a:spcBef>
@@ -2971,7 +3401,7 @@
               <a:buChar char="○"/>
               <a:defRPr sz="1200"/>
             </a:lvl2pPr>
-            <a:lvl3pPr indent="-304800" lvl="2" marL="1371600">
+            <a:lvl3pPr marL="1371600" lvl="2" indent="-304800">
               <a:spcBef>
                 <a:spcPts val="1600"/>
               </a:spcBef>
@@ -2982,7 +3412,7 @@
               <a:buChar char="■"/>
               <a:defRPr sz="1200"/>
             </a:lvl3pPr>
-            <a:lvl4pPr indent="-304800" lvl="3" marL="1828800">
+            <a:lvl4pPr marL="1828800" lvl="3" indent="-304800">
               <a:spcBef>
                 <a:spcPts val="1600"/>
               </a:spcBef>
@@ -2993,7 +3423,7 @@
               <a:buChar char="●"/>
               <a:defRPr sz="1200"/>
             </a:lvl4pPr>
-            <a:lvl5pPr indent="-304800" lvl="4" marL="2286000">
+            <a:lvl5pPr marL="2286000" lvl="4" indent="-304800">
               <a:spcBef>
                 <a:spcPts val="1600"/>
               </a:spcBef>
@@ -3004,7 +3434,7 @@
               <a:buChar char="○"/>
               <a:defRPr sz="1200"/>
             </a:lvl5pPr>
-            <a:lvl6pPr indent="-304800" lvl="5" marL="2743200">
+            <a:lvl6pPr marL="2743200" lvl="5" indent="-304800">
               <a:spcBef>
                 <a:spcPts val="1600"/>
               </a:spcBef>
@@ -3015,7 +3445,7 @@
               <a:buChar char="■"/>
               <a:defRPr sz="1200"/>
             </a:lvl6pPr>
-            <a:lvl7pPr indent="-304800" lvl="6" marL="3200400">
+            <a:lvl7pPr marL="3200400" lvl="6" indent="-304800">
               <a:spcBef>
                 <a:spcPts val="1600"/>
               </a:spcBef>
@@ -3026,7 +3456,7 @@
               <a:buChar char="●"/>
               <a:defRPr sz="1200"/>
             </a:lvl7pPr>
-            <a:lvl8pPr indent="-304800" lvl="7" marL="3657600">
+            <a:lvl8pPr marL="3657600" lvl="7" indent="-304800">
               <a:spcBef>
                 <a:spcPts val="1600"/>
               </a:spcBef>
@@ -3037,7 +3467,7 @@
               <a:buChar char="○"/>
               <a:defRPr sz="1200"/>
             </a:lvl8pPr>
-            <a:lvl9pPr indent="-304800" lvl="8" marL="4114800">
+            <a:lvl9pPr marL="4114800" lvl="8" indent="-304800">
               <a:spcBef>
                 <a:spcPts val="1600"/>
               </a:spcBef>
@@ -3049,20 +3479,24 @@
               <a:defRPr sz="1200"/>
             </a:lvl9pPr>
           </a:lstStyle>
-          <a:p/>
+          <a:p>
+            <a:endParaRPr/>
+          </a:p>
         </p:txBody>
       </p:sp>
       <p:sp>
         <p:nvSpPr>
           <p:cNvPr id="23" name="Google Shape;23;p5"/>
-          <p:cNvSpPr txBox="1"/>
+          <p:cNvSpPr txBox="1">
+            <a:spLocks noGrp="1"/>
+          </p:cNvSpPr>
           <p:nvPr>
-            <p:ph idx="2" type="body"/>
+            <p:ph type="body" idx="2"/>
           </p:nvPr>
         </p:nvSpPr>
         <p:spPr>
           <a:xfrm>
-            <a:off x="4832400" y="1152475"/>
+            <a:off x="4832401" y="1152475"/>
             <a:ext cx="3999900" cy="3416400"/>
           </a:xfrm>
           <a:prstGeom prst="rect">
@@ -3070,11 +3504,11 @@
           </a:prstGeom>
         </p:spPr>
         <p:txBody>
-          <a:bodyPr anchorCtr="0" anchor="t" bIns="91425" lIns="91425" spcFirstLastPara="1" rIns="91425" wrap="square" tIns="91425">
+          <a:bodyPr spcFirstLastPara="1" wrap="square" lIns="91425" tIns="91425" rIns="91425" bIns="91425" anchor="t" anchorCtr="0">
             <a:noAutofit/>
           </a:bodyPr>
           <a:lstStyle>
-            <a:lvl1pPr indent="-317500" lvl="0" marL="457200">
+            <a:lvl1pPr marL="457200" lvl="0" indent="-317500">
               <a:spcBef>
                 <a:spcPts val="0"/>
               </a:spcBef>
@@ -3085,7 +3519,7 @@
               <a:buChar char="●"/>
               <a:defRPr sz="1400"/>
             </a:lvl1pPr>
-            <a:lvl2pPr indent="-304800" lvl="1" marL="914400">
+            <a:lvl2pPr marL="914400" lvl="1" indent="-304800">
               <a:spcBef>
                 <a:spcPts val="1600"/>
               </a:spcBef>
@@ -3096,7 +3530,7 @@
               <a:buChar char="○"/>
               <a:defRPr sz="1200"/>
             </a:lvl2pPr>
-            <a:lvl3pPr indent="-304800" lvl="2" marL="1371600">
+            <a:lvl3pPr marL="1371600" lvl="2" indent="-304800">
               <a:spcBef>
                 <a:spcPts val="1600"/>
               </a:spcBef>
@@ -3107,7 +3541,7 @@
               <a:buChar char="■"/>
               <a:defRPr sz="1200"/>
             </a:lvl3pPr>
-            <a:lvl4pPr indent="-304800" lvl="3" marL="1828800">
+            <a:lvl4pPr marL="1828800" lvl="3" indent="-304800">
               <a:spcBef>
                 <a:spcPts val="1600"/>
               </a:spcBef>
@@ -3118,7 +3552,7 @@
               <a:buChar char="●"/>
               <a:defRPr sz="1200"/>
             </a:lvl4pPr>
-            <a:lvl5pPr indent="-304800" lvl="4" marL="2286000">
+            <a:lvl5pPr marL="2286000" lvl="4" indent="-304800">
               <a:spcBef>
                 <a:spcPts val="1600"/>
               </a:spcBef>
@@ -3129,7 +3563,7 @@
               <a:buChar char="○"/>
               <a:defRPr sz="1200"/>
             </a:lvl5pPr>
-            <a:lvl6pPr indent="-304800" lvl="5" marL="2743200">
+            <a:lvl6pPr marL="2743200" lvl="5" indent="-304800">
               <a:spcBef>
                 <a:spcPts val="1600"/>
               </a:spcBef>
@@ -3140,7 +3574,7 @@
               <a:buChar char="■"/>
               <a:defRPr sz="1200"/>
             </a:lvl6pPr>
-            <a:lvl7pPr indent="-304800" lvl="6" marL="3200400">
+            <a:lvl7pPr marL="3200400" lvl="6" indent="-304800">
               <a:spcBef>
                 <a:spcPts val="1600"/>
               </a:spcBef>
@@ -3151,7 +3585,7 @@
               <a:buChar char="●"/>
               <a:defRPr sz="1200"/>
             </a:lvl7pPr>
-            <a:lvl8pPr indent="-304800" lvl="7" marL="3657600">
+            <a:lvl8pPr marL="3657600" lvl="7" indent="-304800">
               <a:spcBef>
                 <a:spcPts val="1600"/>
               </a:spcBef>
@@ -3162,7 +3596,7 @@
               <a:buChar char="○"/>
               <a:defRPr sz="1200"/>
             </a:lvl8pPr>
-            <a:lvl9pPr indent="-304800" lvl="8" marL="4114800">
+            <a:lvl9pPr marL="4114800" lvl="8" indent="-304800">
               <a:spcBef>
                 <a:spcPts val="1600"/>
               </a:spcBef>
@@ -3174,20 +3608,24 @@
               <a:defRPr sz="1200"/>
             </a:lvl9pPr>
           </a:lstStyle>
-          <a:p/>
+          <a:p>
+            <a:endParaRPr/>
+          </a:p>
         </p:txBody>
       </p:sp>
       <p:sp>
         <p:nvSpPr>
           <p:cNvPr id="24" name="Google Shape;24;p5"/>
-          <p:cNvSpPr txBox="1"/>
+          <p:cNvSpPr txBox="1">
+            <a:spLocks noGrp="1"/>
+          </p:cNvSpPr>
           <p:nvPr>
-            <p:ph idx="12" type="sldNum"/>
+            <p:ph type="sldNum" idx="12"/>
           </p:nvPr>
         </p:nvSpPr>
         <p:spPr>
           <a:xfrm>
-            <a:off x="8472458" y="4663217"/>
+            <a:off x="8472459" y="4663217"/>
             <a:ext cx="548700" cy="393600"/>
           </a:xfrm>
           <a:prstGeom prst="rect">
@@ -3195,7 +3633,7 @@
           </a:prstGeom>
         </p:spPr>
         <p:txBody>
-          <a:bodyPr anchorCtr="0" anchor="ctr" bIns="91425" lIns="91425" spcFirstLastPara="1" rIns="91425" wrap="square" tIns="91425">
+          <a:bodyPr spcFirstLastPara="1" wrap="square" lIns="91425" tIns="91425" rIns="91425" bIns="91425" anchor="ctr" anchorCtr="0">
             <a:noAutofit/>
           </a:bodyPr>
           <a:lstStyle>
@@ -3237,20 +3675,12 @@
             </a:lvl9pPr>
           </a:lstStyle>
           <a:p>
-            <a:pPr indent="0" lvl="0" marL="0" rtl="0" algn="r">
-              <a:spcBef>
-                <a:spcPts val="0"/>
-              </a:spcBef>
-              <a:spcAft>
-                <a:spcPts val="0"/>
-              </a:spcAft>
-              <a:buNone/>
-            </a:pPr>
             <a:fld id="{00000000-1234-1234-1234-123412341234}" type="slidenum">
-              <a:rPr lang="en"/>
+              <a:rPr lang="en" smtClean="0"/>
+              <a:pPr/>
               <a:t>‹#›</a:t>
             </a:fld>
-            <a:endParaRPr/>
+            <a:endParaRPr lang="en"/>
           </a:p>
         </p:txBody>
       </p:sp>
@@ -3263,11 +3693,11 @@
 </file>
 
 <file path=ppt/slideLayouts/slideLayout5.xml><?xml version="1.0" encoding="utf-8"?>
-<p:sldLayout xmlns:a="http://schemas.openxmlformats.org/drawingml/2006/main" xmlns:r="http://schemas.openxmlformats.org/officeDocument/2006/relationships" xmlns:mc="http://schemas.openxmlformats.org/markup-compatibility/2006" xmlns:mv="urn:schemas-microsoft-com:mac:vml" xmlns:p="http://schemas.openxmlformats.org/presentationml/2006/main" xmlns:c="http://schemas.openxmlformats.org/drawingml/2006/chart" xmlns:dgm="http://schemas.openxmlformats.org/drawingml/2006/diagram" xmlns:o="urn:schemas-microsoft-com:office:office" xmlns:v="urn:schemas-microsoft-com:vml" xmlns:pvml="urn:schemas-microsoft-com:office:powerpoint" xmlns:com="http://schemas.openxmlformats.org/drawingml/2006/compatibility" xmlns:p14="http://schemas.microsoft.com/office/powerpoint/2010/main" xmlns:p15="http://schemas.microsoft.com/office/powerpoint/2012/main" xmlns:ahyp="http://schemas.microsoft.com/office/drawing/2018/hyperlinkcolor" matchingName="Title only" type="titleOnly">
+<p:sldLayout xmlns:a="http://schemas.openxmlformats.org/drawingml/2006/main" xmlns:r="http://schemas.openxmlformats.org/officeDocument/2006/relationships" xmlns:p="http://schemas.openxmlformats.org/presentationml/2006/main" matchingName="Title only" type="titleOnly">
   <p:cSld name="TITLE_ONLY">
     <p:spTree>
       <p:nvGrpSpPr>
-        <p:cNvPr id="25" name="Shape 25"/>
+        <p:cNvPr id="1" name="Shape 25"/>
         <p:cNvGrpSpPr/>
         <p:nvPr/>
       </p:nvGrpSpPr>
@@ -3282,7 +3712,9 @@
       <p:sp>
         <p:nvSpPr>
           <p:cNvPr id="26" name="Google Shape;26;p6"/>
-          <p:cNvSpPr txBox="1"/>
+          <p:cNvSpPr txBox="1">
+            <a:spLocks noGrp="1"/>
+          </p:cNvSpPr>
           <p:nvPr>
             <p:ph type="title"/>
           </p:nvPr>
@@ -3297,7 +3729,7 @@
           </a:prstGeom>
         </p:spPr>
         <p:txBody>
-          <a:bodyPr anchorCtr="0" anchor="t" bIns="91425" lIns="91425" spcFirstLastPara="1" rIns="91425" wrap="square" tIns="91425">
+          <a:bodyPr spcFirstLastPara="1" wrap="square" lIns="91425" tIns="91425" rIns="91425" bIns="91425" anchor="t" anchorCtr="0">
             <a:noAutofit/>
           </a:bodyPr>
           <a:lstStyle>
@@ -3310,7 +3742,11 @@
               </a:spcAft>
               <a:buSzPts val="2800"/>
               <a:buNone/>
-              <a:defRPr/>
+              <a:defRPr>
+                <a:solidFill>
+                  <a:schemeClr val="bg1"/>
+                </a:solidFill>
+              </a:defRPr>
             </a:lvl1pPr>
             <a:lvl2pPr lvl="1">
               <a:spcBef>
@@ -3401,20 +3837,24 @@
               <a:defRPr/>
             </a:lvl9pPr>
           </a:lstStyle>
-          <a:p/>
+          <a:p>
+            <a:endParaRPr dirty="0"/>
+          </a:p>
         </p:txBody>
       </p:sp>
       <p:sp>
         <p:nvSpPr>
           <p:cNvPr id="27" name="Google Shape;27;p6"/>
-          <p:cNvSpPr txBox="1"/>
+          <p:cNvSpPr txBox="1">
+            <a:spLocks noGrp="1"/>
+          </p:cNvSpPr>
           <p:nvPr>
-            <p:ph idx="12" type="sldNum"/>
+            <p:ph type="sldNum" idx="12"/>
           </p:nvPr>
         </p:nvSpPr>
         <p:spPr>
           <a:xfrm>
-            <a:off x="8472458" y="4663217"/>
+            <a:off x="8472459" y="4663217"/>
             <a:ext cx="548700" cy="393600"/>
           </a:xfrm>
           <a:prstGeom prst="rect">
@@ -3422,7 +3862,7 @@
           </a:prstGeom>
         </p:spPr>
         <p:txBody>
-          <a:bodyPr anchorCtr="0" anchor="ctr" bIns="91425" lIns="91425" spcFirstLastPara="1" rIns="91425" wrap="square" tIns="91425">
+          <a:bodyPr spcFirstLastPara="1" wrap="square" lIns="91425" tIns="91425" rIns="91425" bIns="91425" anchor="ctr" anchorCtr="0">
             <a:noAutofit/>
           </a:bodyPr>
           <a:lstStyle>
@@ -3464,20 +3904,12 @@
             </a:lvl9pPr>
           </a:lstStyle>
           <a:p>
-            <a:pPr indent="0" lvl="0" marL="0" rtl="0" algn="r">
-              <a:spcBef>
-                <a:spcPts val="0"/>
-              </a:spcBef>
-              <a:spcAft>
-                <a:spcPts val="0"/>
-              </a:spcAft>
-              <a:buNone/>
-            </a:pPr>
             <a:fld id="{00000000-1234-1234-1234-123412341234}" type="slidenum">
-              <a:rPr lang="en"/>
+              <a:rPr lang="en" smtClean="0"/>
+              <a:pPr/>
               <a:t>‹#›</a:t>
             </a:fld>
-            <a:endParaRPr/>
+            <a:endParaRPr lang="en"/>
           </a:p>
         </p:txBody>
       </p:sp>
@@ -3490,11 +3922,11 @@
 </file>
 
 <file path=ppt/slideLayouts/slideLayout6.xml><?xml version="1.0" encoding="utf-8"?>
-<p:sldLayout xmlns:a="http://schemas.openxmlformats.org/drawingml/2006/main" xmlns:r="http://schemas.openxmlformats.org/officeDocument/2006/relationships" xmlns:mc="http://schemas.openxmlformats.org/markup-compatibility/2006" xmlns:mv="urn:schemas-microsoft-com:mac:vml" xmlns:p="http://schemas.openxmlformats.org/presentationml/2006/main" xmlns:c="http://schemas.openxmlformats.org/drawingml/2006/chart" xmlns:dgm="http://schemas.openxmlformats.org/drawingml/2006/diagram" xmlns:o="urn:schemas-microsoft-com:office:office" xmlns:v="urn:schemas-microsoft-com:vml" xmlns:pvml="urn:schemas-microsoft-com:office:powerpoint" xmlns:com="http://schemas.openxmlformats.org/drawingml/2006/compatibility" xmlns:p14="http://schemas.microsoft.com/office/powerpoint/2010/main" xmlns:p15="http://schemas.microsoft.com/office/powerpoint/2012/main" xmlns:ahyp="http://schemas.microsoft.com/office/drawing/2018/hyperlinkcolor" matchingName="One column text">
+<p:sldLayout xmlns:a="http://schemas.openxmlformats.org/drawingml/2006/main" xmlns:r="http://schemas.openxmlformats.org/officeDocument/2006/relationships" xmlns:p="http://schemas.openxmlformats.org/presentationml/2006/main" matchingName="One column text">
   <p:cSld name="ONE_COLUMN_TEXT">
     <p:spTree>
       <p:nvGrpSpPr>
-        <p:cNvPr id="28" name="Shape 28"/>
+        <p:cNvPr id="1" name="Shape 28"/>
         <p:cNvGrpSpPr/>
         <p:nvPr/>
       </p:nvGrpSpPr>
@@ -3509,7 +3941,9 @@
       <p:sp>
         <p:nvSpPr>
           <p:cNvPr id="29" name="Google Shape;29;p7"/>
-          <p:cNvSpPr txBox="1"/>
+          <p:cNvSpPr txBox="1">
+            <a:spLocks noGrp="1"/>
+          </p:cNvSpPr>
           <p:nvPr>
             <p:ph type="title"/>
           </p:nvPr>
@@ -3524,7 +3958,7 @@
           </a:prstGeom>
         </p:spPr>
         <p:txBody>
-          <a:bodyPr anchorCtr="0" anchor="b" bIns="91425" lIns="91425" spcFirstLastPara="1" rIns="91425" wrap="square" tIns="91425">
+          <a:bodyPr spcFirstLastPara="1" wrap="square" lIns="91425" tIns="91425" rIns="91425" bIns="91425" anchor="b" anchorCtr="0">
             <a:noAutofit/>
           </a:bodyPr>
           <a:lstStyle>
@@ -3628,15 +4062,19 @@
               <a:defRPr sz="2400"/>
             </a:lvl9pPr>
           </a:lstStyle>
-          <a:p/>
+          <a:p>
+            <a:endParaRPr/>
+          </a:p>
         </p:txBody>
       </p:sp>
       <p:sp>
         <p:nvSpPr>
           <p:cNvPr id="30" name="Google Shape;30;p7"/>
-          <p:cNvSpPr txBox="1"/>
+          <p:cNvSpPr txBox="1">
+            <a:spLocks noGrp="1"/>
+          </p:cNvSpPr>
           <p:nvPr>
-            <p:ph idx="1" type="body"/>
+            <p:ph type="body" idx="1"/>
           </p:nvPr>
         </p:nvSpPr>
         <p:spPr>
@@ -3649,11 +4087,11 @@
           </a:prstGeom>
         </p:spPr>
         <p:txBody>
-          <a:bodyPr anchorCtr="0" anchor="t" bIns="91425" lIns="91425" spcFirstLastPara="1" rIns="91425" wrap="square" tIns="91425">
+          <a:bodyPr spcFirstLastPara="1" wrap="square" lIns="91425" tIns="91425" rIns="91425" bIns="91425" anchor="t" anchorCtr="0">
             <a:noAutofit/>
           </a:bodyPr>
           <a:lstStyle>
-            <a:lvl1pPr indent="-304800" lvl="0" marL="457200">
+            <a:lvl1pPr marL="457200" lvl="0" indent="-304800">
               <a:spcBef>
                 <a:spcPts val="0"/>
               </a:spcBef>
@@ -3664,7 +4102,7 @@
               <a:buChar char="●"/>
               <a:defRPr sz="1200"/>
             </a:lvl1pPr>
-            <a:lvl2pPr indent="-304800" lvl="1" marL="914400">
+            <a:lvl2pPr marL="914400" lvl="1" indent="-304800">
               <a:spcBef>
                 <a:spcPts val="1600"/>
               </a:spcBef>
@@ -3675,7 +4113,7 @@
               <a:buChar char="○"/>
               <a:defRPr sz="1200"/>
             </a:lvl2pPr>
-            <a:lvl3pPr indent="-304800" lvl="2" marL="1371600">
+            <a:lvl3pPr marL="1371600" lvl="2" indent="-304800">
               <a:spcBef>
                 <a:spcPts val="1600"/>
               </a:spcBef>
@@ -3686,7 +4124,7 @@
               <a:buChar char="■"/>
               <a:defRPr sz="1200"/>
             </a:lvl3pPr>
-            <a:lvl4pPr indent="-304800" lvl="3" marL="1828800">
+            <a:lvl4pPr marL="1828800" lvl="3" indent="-304800">
               <a:spcBef>
                 <a:spcPts val="1600"/>
               </a:spcBef>
@@ -3697,7 +4135,7 @@
               <a:buChar char="●"/>
               <a:defRPr sz="1200"/>
             </a:lvl4pPr>
-            <a:lvl5pPr indent="-304800" lvl="4" marL="2286000">
+            <a:lvl5pPr marL="2286000" lvl="4" indent="-304800">
               <a:spcBef>
                 <a:spcPts val="1600"/>
               </a:spcBef>
@@ -3708,7 +4146,7 @@
               <a:buChar char="○"/>
               <a:defRPr sz="1200"/>
             </a:lvl5pPr>
-            <a:lvl6pPr indent="-304800" lvl="5" marL="2743200">
+            <a:lvl6pPr marL="2743200" lvl="5" indent="-304800">
               <a:spcBef>
                 <a:spcPts val="1600"/>
               </a:spcBef>
@@ -3719,7 +4157,7 @@
               <a:buChar char="■"/>
               <a:defRPr sz="1200"/>
             </a:lvl6pPr>
-            <a:lvl7pPr indent="-304800" lvl="6" marL="3200400">
+            <a:lvl7pPr marL="3200400" lvl="6" indent="-304800">
               <a:spcBef>
                 <a:spcPts val="1600"/>
               </a:spcBef>
@@ -3730,7 +4168,7 @@
               <a:buChar char="●"/>
               <a:defRPr sz="1200"/>
             </a:lvl7pPr>
-            <a:lvl8pPr indent="-304800" lvl="7" marL="3657600">
+            <a:lvl8pPr marL="3657600" lvl="7" indent="-304800">
               <a:spcBef>
                 <a:spcPts val="1600"/>
               </a:spcBef>
@@ -3741,7 +4179,7 @@
               <a:buChar char="○"/>
               <a:defRPr sz="1200"/>
             </a:lvl8pPr>
-            <a:lvl9pPr indent="-304800" lvl="8" marL="4114800">
+            <a:lvl9pPr marL="4114800" lvl="8" indent="-304800">
               <a:spcBef>
                 <a:spcPts val="1600"/>
               </a:spcBef>
@@ -3753,20 +4191,24 @@
               <a:defRPr sz="1200"/>
             </a:lvl9pPr>
           </a:lstStyle>
-          <a:p/>
+          <a:p>
+            <a:endParaRPr/>
+          </a:p>
         </p:txBody>
       </p:sp>
       <p:sp>
         <p:nvSpPr>
           <p:cNvPr id="31" name="Google Shape;31;p7"/>
-          <p:cNvSpPr txBox="1"/>
+          <p:cNvSpPr txBox="1">
+            <a:spLocks noGrp="1"/>
+          </p:cNvSpPr>
           <p:nvPr>
-            <p:ph idx="12" type="sldNum"/>
+            <p:ph type="sldNum" idx="12"/>
           </p:nvPr>
         </p:nvSpPr>
         <p:spPr>
           <a:xfrm>
-            <a:off x="8472458" y="4663217"/>
+            <a:off x="8472459" y="4663217"/>
             <a:ext cx="548700" cy="393600"/>
           </a:xfrm>
           <a:prstGeom prst="rect">
@@ -3774,7 +4216,7 @@
           </a:prstGeom>
         </p:spPr>
         <p:txBody>
-          <a:bodyPr anchorCtr="0" anchor="ctr" bIns="91425" lIns="91425" spcFirstLastPara="1" rIns="91425" wrap="square" tIns="91425">
+          <a:bodyPr spcFirstLastPara="1" wrap="square" lIns="91425" tIns="91425" rIns="91425" bIns="91425" anchor="ctr" anchorCtr="0">
             <a:noAutofit/>
           </a:bodyPr>
           <a:lstStyle>
@@ -3816,20 +4258,12 @@
             </a:lvl9pPr>
           </a:lstStyle>
           <a:p>
-            <a:pPr indent="0" lvl="0" marL="0" rtl="0" algn="r">
-              <a:spcBef>
-                <a:spcPts val="0"/>
-              </a:spcBef>
-              <a:spcAft>
-                <a:spcPts val="0"/>
-              </a:spcAft>
-              <a:buNone/>
-            </a:pPr>
             <a:fld id="{00000000-1234-1234-1234-123412341234}" type="slidenum">
-              <a:rPr lang="en"/>
+              <a:rPr lang="en" smtClean="0"/>
+              <a:pPr/>
               <a:t>‹#›</a:t>
             </a:fld>
-            <a:endParaRPr/>
+            <a:endParaRPr lang="en"/>
           </a:p>
         </p:txBody>
       </p:sp>
@@ -3842,11 +4276,11 @@
 </file>
 
 <file path=ppt/slideLayouts/slideLayout7.xml><?xml version="1.0" encoding="utf-8"?>
-<p:sldLayout xmlns:a="http://schemas.openxmlformats.org/drawingml/2006/main" xmlns:r="http://schemas.openxmlformats.org/officeDocument/2006/relationships" xmlns:mc="http://schemas.openxmlformats.org/markup-compatibility/2006" xmlns:mv="urn:schemas-microsoft-com:mac:vml" xmlns:p="http://schemas.openxmlformats.org/presentationml/2006/main" xmlns:c="http://schemas.openxmlformats.org/drawingml/2006/chart" xmlns:dgm="http://schemas.openxmlformats.org/drawingml/2006/diagram" xmlns:o="urn:schemas-microsoft-com:office:office" xmlns:v="urn:schemas-microsoft-com:vml" xmlns:pvml="urn:schemas-microsoft-com:office:powerpoint" xmlns:com="http://schemas.openxmlformats.org/drawingml/2006/compatibility" xmlns:p14="http://schemas.microsoft.com/office/powerpoint/2010/main" xmlns:p15="http://schemas.microsoft.com/office/powerpoint/2012/main" xmlns:ahyp="http://schemas.microsoft.com/office/drawing/2018/hyperlinkcolor" matchingName="Main point">
+<p:sldLayout xmlns:a="http://schemas.openxmlformats.org/drawingml/2006/main" xmlns:r="http://schemas.openxmlformats.org/officeDocument/2006/relationships" xmlns:p="http://schemas.openxmlformats.org/presentationml/2006/main" matchingName="Main point">
   <p:cSld name="MAIN_POINT">
     <p:spTree>
       <p:nvGrpSpPr>
-        <p:cNvPr id="32" name="Shape 32"/>
+        <p:cNvPr id="1" name="Shape 32"/>
         <p:cNvGrpSpPr/>
         <p:nvPr/>
       </p:nvGrpSpPr>
@@ -3861,14 +4295,16 @@
       <p:sp>
         <p:nvSpPr>
           <p:cNvPr id="33" name="Google Shape;33;p8"/>
-          <p:cNvSpPr txBox="1"/>
+          <p:cNvSpPr txBox="1">
+            <a:spLocks noGrp="1"/>
+          </p:cNvSpPr>
           <p:nvPr>
             <p:ph type="title"/>
           </p:nvPr>
         </p:nvSpPr>
         <p:spPr>
           <a:xfrm>
-            <a:off x="490250" y="450150"/>
+            <a:off x="490251" y="450150"/>
             <a:ext cx="6367800" cy="4090800"/>
           </a:xfrm>
           <a:prstGeom prst="rect">
@@ -3876,7 +4312,7 @@
           </a:prstGeom>
         </p:spPr>
         <p:txBody>
-          <a:bodyPr anchorCtr="0" anchor="ctr" bIns="91425" lIns="91425" spcFirstLastPara="1" rIns="91425" wrap="square" tIns="91425">
+          <a:bodyPr spcFirstLastPara="1" wrap="square" lIns="91425" tIns="91425" rIns="91425" bIns="91425" anchor="ctr" anchorCtr="0">
             <a:noAutofit/>
           </a:bodyPr>
           <a:lstStyle>
@@ -3889,7 +4325,11 @@
               </a:spcAft>
               <a:buSzPts val="4800"/>
               <a:buNone/>
-              <a:defRPr sz="4800"/>
+              <a:defRPr sz="4800">
+                <a:solidFill>
+                  <a:schemeClr val="bg1"/>
+                </a:solidFill>
+              </a:defRPr>
             </a:lvl1pPr>
             <a:lvl2pPr lvl="1">
               <a:spcBef>
@@ -3980,20 +4420,24 @@
               <a:defRPr sz="4800"/>
             </a:lvl9pPr>
           </a:lstStyle>
-          <a:p/>
+          <a:p>
+            <a:endParaRPr dirty="0"/>
+          </a:p>
         </p:txBody>
       </p:sp>
       <p:sp>
         <p:nvSpPr>
           <p:cNvPr id="34" name="Google Shape;34;p8"/>
-          <p:cNvSpPr txBox="1"/>
+          <p:cNvSpPr txBox="1">
+            <a:spLocks noGrp="1"/>
+          </p:cNvSpPr>
           <p:nvPr>
-            <p:ph idx="12" type="sldNum"/>
+            <p:ph type="sldNum" idx="12"/>
           </p:nvPr>
         </p:nvSpPr>
         <p:spPr>
           <a:xfrm>
-            <a:off x="8472458" y="4663217"/>
+            <a:off x="8472459" y="4663217"/>
             <a:ext cx="548700" cy="393600"/>
           </a:xfrm>
           <a:prstGeom prst="rect">
@@ -4001,7 +4445,7 @@
           </a:prstGeom>
         </p:spPr>
         <p:txBody>
-          <a:bodyPr anchorCtr="0" anchor="ctr" bIns="91425" lIns="91425" spcFirstLastPara="1" rIns="91425" wrap="square" tIns="91425">
+          <a:bodyPr spcFirstLastPara="1" wrap="square" lIns="91425" tIns="91425" rIns="91425" bIns="91425" anchor="ctr" anchorCtr="0">
             <a:noAutofit/>
           </a:bodyPr>
           <a:lstStyle>
@@ -4043,20 +4487,12 @@
             </a:lvl9pPr>
           </a:lstStyle>
           <a:p>
-            <a:pPr indent="0" lvl="0" marL="0" rtl="0" algn="r">
-              <a:spcBef>
-                <a:spcPts val="0"/>
-              </a:spcBef>
-              <a:spcAft>
-                <a:spcPts val="0"/>
-              </a:spcAft>
-              <a:buNone/>
-            </a:pPr>
             <a:fld id="{00000000-1234-1234-1234-123412341234}" type="slidenum">
-              <a:rPr lang="en"/>
+              <a:rPr lang="en" smtClean="0"/>
+              <a:pPr/>
               <a:t>‹#›</a:t>
             </a:fld>
-            <a:endParaRPr/>
+            <a:endParaRPr lang="en"/>
           </a:p>
         </p:txBody>
       </p:sp>
@@ -4069,11 +4505,11 @@
 </file>
 
 <file path=ppt/slideLayouts/slideLayout8.xml><?xml version="1.0" encoding="utf-8"?>
-<p:sldLayout xmlns:a="http://schemas.openxmlformats.org/drawingml/2006/main" xmlns:r="http://schemas.openxmlformats.org/officeDocument/2006/relationships" xmlns:mc="http://schemas.openxmlformats.org/markup-compatibility/2006" xmlns:mv="urn:schemas-microsoft-com:mac:vml" xmlns:p="http://schemas.openxmlformats.org/presentationml/2006/main" xmlns:c="http://schemas.openxmlformats.org/drawingml/2006/chart" xmlns:dgm="http://schemas.openxmlformats.org/drawingml/2006/diagram" xmlns:o="urn:schemas-microsoft-com:office:office" xmlns:v="urn:schemas-microsoft-com:vml" xmlns:pvml="urn:schemas-microsoft-com:office:powerpoint" xmlns:com="http://schemas.openxmlformats.org/drawingml/2006/compatibility" xmlns:p14="http://schemas.microsoft.com/office/powerpoint/2010/main" xmlns:p15="http://schemas.microsoft.com/office/powerpoint/2012/main" xmlns:ahyp="http://schemas.microsoft.com/office/drawing/2018/hyperlinkcolor" matchingName="Section title and description">
+<p:sldLayout xmlns:a="http://schemas.openxmlformats.org/drawingml/2006/main" xmlns:r="http://schemas.openxmlformats.org/officeDocument/2006/relationships" xmlns:p="http://schemas.openxmlformats.org/presentationml/2006/main" matchingName="Section title and description">
   <p:cSld name="SECTION_TITLE_AND_DESCRIPTION">
     <p:spTree>
       <p:nvGrpSpPr>
-        <p:cNvPr id="35" name="Shape 35"/>
+        <p:cNvPr id="1" name="Shape 35"/>
         <p:cNvGrpSpPr/>
         <p:nvPr/>
       </p:nvGrpSpPr>
@@ -4107,12 +4543,12 @@
           </a:ln>
         </p:spPr>
         <p:txBody>
-          <a:bodyPr anchorCtr="0" anchor="ctr" bIns="91425" lIns="91425" spcFirstLastPara="1" rIns="91425" wrap="square" tIns="91425">
+          <a:bodyPr spcFirstLastPara="1" wrap="square" lIns="91425" tIns="91425" rIns="91425" bIns="91425" anchor="ctr" anchorCtr="0">
             <a:noAutofit/>
           </a:bodyPr>
           <a:lstStyle/>
           <a:p>
-            <a:pPr indent="0" lvl="0" marL="0" rtl="0" algn="l">
+            <a:pPr marL="0" lvl="0" indent="0" algn="l" rtl="0">
               <a:spcBef>
                 <a:spcPts val="0"/>
               </a:spcBef>
@@ -4121,17 +4557,16 @@
               </a:spcAft>
               <a:buNone/>
             </a:pPr>
-            <a:r>
-              <a:t/>
-            </a:r>
-            <a:endParaRPr/>
+            <a:endParaRPr sz="1400"/>
           </a:p>
         </p:txBody>
       </p:sp>
       <p:sp>
         <p:nvSpPr>
           <p:cNvPr id="37" name="Google Shape;37;p9"/>
-          <p:cNvSpPr txBox="1"/>
+          <p:cNvSpPr txBox="1">
+            <a:spLocks noGrp="1"/>
+          </p:cNvSpPr>
           <p:nvPr>
             <p:ph type="title"/>
           </p:nvPr>
@@ -4146,7 +4581,7 @@
           </a:prstGeom>
         </p:spPr>
         <p:txBody>
-          <a:bodyPr anchorCtr="0" anchor="b" bIns="91425" lIns="91425" spcFirstLastPara="1" rIns="91425" wrap="square" tIns="91425">
+          <a:bodyPr spcFirstLastPara="1" wrap="square" lIns="91425" tIns="91425" rIns="91425" bIns="91425" anchor="b" anchorCtr="0">
             <a:noAutofit/>
           </a:bodyPr>
           <a:lstStyle>
@@ -4250,15 +4685,19 @@
               <a:defRPr sz="4200"/>
             </a:lvl9pPr>
           </a:lstStyle>
-          <a:p/>
+          <a:p>
+            <a:endParaRPr/>
+          </a:p>
         </p:txBody>
       </p:sp>
       <p:sp>
         <p:nvSpPr>
           <p:cNvPr id="38" name="Google Shape;38;p9"/>
-          <p:cNvSpPr txBox="1"/>
+          <p:cNvSpPr txBox="1">
+            <a:spLocks noGrp="1"/>
+          </p:cNvSpPr>
           <p:nvPr>
-            <p:ph idx="1" type="subTitle"/>
+            <p:ph type="subTitle" idx="1"/>
           </p:nvPr>
         </p:nvSpPr>
         <p:spPr>
@@ -4271,7 +4710,7 @@
           </a:prstGeom>
         </p:spPr>
         <p:txBody>
-          <a:bodyPr anchorCtr="0" anchor="t" bIns="91425" lIns="91425" spcFirstLastPara="1" rIns="91425" wrap="square" tIns="91425">
+          <a:bodyPr spcFirstLastPara="1" wrap="square" lIns="91425" tIns="91425" rIns="91425" bIns="91425" anchor="t" anchorCtr="0">
             <a:noAutofit/>
           </a:bodyPr>
           <a:lstStyle>
@@ -4402,15 +4841,19 @@
               <a:defRPr sz="2100"/>
             </a:lvl9pPr>
           </a:lstStyle>
-          <a:p/>
+          <a:p>
+            <a:endParaRPr/>
+          </a:p>
         </p:txBody>
       </p:sp>
       <p:sp>
         <p:nvSpPr>
           <p:cNvPr id="39" name="Google Shape;39;p9"/>
-          <p:cNvSpPr txBox="1"/>
+          <p:cNvSpPr txBox="1">
+            <a:spLocks noGrp="1"/>
+          </p:cNvSpPr>
           <p:nvPr>
-            <p:ph idx="2" type="body"/>
+            <p:ph type="body" idx="2"/>
           </p:nvPr>
         </p:nvSpPr>
         <p:spPr>
@@ -4423,11 +4866,11 @@
           </a:prstGeom>
         </p:spPr>
         <p:txBody>
-          <a:bodyPr anchorCtr="0" anchor="ctr" bIns="91425" lIns="91425" spcFirstLastPara="1" rIns="91425" wrap="square" tIns="91425">
+          <a:bodyPr spcFirstLastPara="1" wrap="square" lIns="91425" tIns="91425" rIns="91425" bIns="91425" anchor="ctr" anchorCtr="0">
             <a:noAutofit/>
           </a:bodyPr>
           <a:lstStyle>
-            <a:lvl1pPr indent="-342900" lvl="0" marL="457200">
+            <a:lvl1pPr marL="457200" lvl="0" indent="-342900">
               <a:spcBef>
                 <a:spcPts val="0"/>
               </a:spcBef>
@@ -4438,7 +4881,7 @@
               <a:buChar char="●"/>
               <a:defRPr/>
             </a:lvl1pPr>
-            <a:lvl2pPr indent="-317500" lvl="1" marL="914400">
+            <a:lvl2pPr marL="914400" lvl="1" indent="-317500">
               <a:spcBef>
                 <a:spcPts val="1600"/>
               </a:spcBef>
@@ -4449,7 +4892,7 @@
               <a:buChar char="○"/>
               <a:defRPr/>
             </a:lvl2pPr>
-            <a:lvl3pPr indent="-317500" lvl="2" marL="1371600">
+            <a:lvl3pPr marL="1371600" lvl="2" indent="-317500">
               <a:spcBef>
                 <a:spcPts val="1600"/>
               </a:spcBef>
@@ -4460,7 +4903,7 @@
               <a:buChar char="■"/>
               <a:defRPr/>
             </a:lvl3pPr>
-            <a:lvl4pPr indent="-317500" lvl="3" marL="1828800">
+            <a:lvl4pPr marL="1828800" lvl="3" indent="-317500">
               <a:spcBef>
                 <a:spcPts val="1600"/>
               </a:spcBef>
@@ -4471,7 +4914,7 @@
               <a:buChar char="●"/>
               <a:defRPr/>
             </a:lvl4pPr>
-            <a:lvl5pPr indent="-317500" lvl="4" marL="2286000">
+            <a:lvl5pPr marL="2286000" lvl="4" indent="-317500">
               <a:spcBef>
                 <a:spcPts val="1600"/>
               </a:spcBef>
@@ -4482,7 +4925,7 @@
               <a:buChar char="○"/>
               <a:defRPr/>
             </a:lvl5pPr>
-            <a:lvl6pPr indent="-317500" lvl="5" marL="2743200">
+            <a:lvl6pPr marL="2743200" lvl="5" indent="-317500">
               <a:spcBef>
                 <a:spcPts val="1600"/>
               </a:spcBef>
@@ -4493,7 +4936,7 @@
               <a:buChar char="■"/>
               <a:defRPr/>
             </a:lvl6pPr>
-            <a:lvl7pPr indent="-317500" lvl="6" marL="3200400">
+            <a:lvl7pPr marL="3200400" lvl="6" indent="-317500">
               <a:spcBef>
                 <a:spcPts val="1600"/>
               </a:spcBef>
@@ -4504,7 +4947,7 @@
               <a:buChar char="●"/>
               <a:defRPr/>
             </a:lvl7pPr>
-            <a:lvl8pPr indent="-317500" lvl="7" marL="3657600">
+            <a:lvl8pPr marL="3657600" lvl="7" indent="-317500">
               <a:spcBef>
                 <a:spcPts val="1600"/>
               </a:spcBef>
@@ -4515,7 +4958,7 @@
               <a:buChar char="○"/>
               <a:defRPr/>
             </a:lvl8pPr>
-            <a:lvl9pPr indent="-317500" lvl="8" marL="4114800">
+            <a:lvl9pPr marL="4114800" lvl="8" indent="-317500">
               <a:spcBef>
                 <a:spcPts val="1600"/>
               </a:spcBef>
@@ -4527,20 +4970,24 @@
               <a:defRPr/>
             </a:lvl9pPr>
           </a:lstStyle>
-          <a:p/>
+          <a:p>
+            <a:endParaRPr/>
+          </a:p>
         </p:txBody>
       </p:sp>
       <p:sp>
         <p:nvSpPr>
           <p:cNvPr id="40" name="Google Shape;40;p9"/>
-          <p:cNvSpPr txBox="1"/>
+          <p:cNvSpPr txBox="1">
+            <a:spLocks noGrp="1"/>
+          </p:cNvSpPr>
           <p:nvPr>
-            <p:ph idx="12" type="sldNum"/>
+            <p:ph type="sldNum" idx="12"/>
           </p:nvPr>
         </p:nvSpPr>
         <p:spPr>
           <a:xfrm>
-            <a:off x="8472458" y="4663217"/>
+            <a:off x="8472459" y="4663217"/>
             <a:ext cx="548700" cy="393600"/>
           </a:xfrm>
           <a:prstGeom prst="rect">
@@ -4548,7 +4995,7 @@
           </a:prstGeom>
         </p:spPr>
         <p:txBody>
-          <a:bodyPr anchorCtr="0" anchor="ctr" bIns="91425" lIns="91425" spcFirstLastPara="1" rIns="91425" wrap="square" tIns="91425">
+          <a:bodyPr spcFirstLastPara="1" wrap="square" lIns="91425" tIns="91425" rIns="91425" bIns="91425" anchor="ctr" anchorCtr="0">
             <a:noAutofit/>
           </a:bodyPr>
           <a:lstStyle>
@@ -4590,20 +5037,12 @@
             </a:lvl9pPr>
           </a:lstStyle>
           <a:p>
-            <a:pPr indent="0" lvl="0" marL="0" rtl="0" algn="r">
-              <a:spcBef>
-                <a:spcPts val="0"/>
-              </a:spcBef>
-              <a:spcAft>
-                <a:spcPts val="0"/>
-              </a:spcAft>
-              <a:buNone/>
-            </a:pPr>
             <a:fld id="{00000000-1234-1234-1234-123412341234}" type="slidenum">
-              <a:rPr lang="en"/>
+              <a:rPr lang="en" smtClean="0"/>
+              <a:pPr/>
               <a:t>‹#›</a:t>
             </a:fld>
-            <a:endParaRPr/>
+            <a:endParaRPr lang="en"/>
           </a:p>
         </p:txBody>
       </p:sp>
@@ -4616,11 +5055,11 @@
 </file>
 
 <file path=ppt/slideLayouts/slideLayout9.xml><?xml version="1.0" encoding="utf-8"?>
-<p:sldLayout xmlns:a="http://schemas.openxmlformats.org/drawingml/2006/main" xmlns:r="http://schemas.openxmlformats.org/officeDocument/2006/relationships" xmlns:mc="http://schemas.openxmlformats.org/markup-compatibility/2006" xmlns:mv="urn:schemas-microsoft-com:mac:vml" xmlns:p="http://schemas.openxmlformats.org/presentationml/2006/main" xmlns:c="http://schemas.openxmlformats.org/drawingml/2006/chart" xmlns:dgm="http://schemas.openxmlformats.org/drawingml/2006/diagram" xmlns:o="urn:schemas-microsoft-com:office:office" xmlns:v="urn:schemas-microsoft-com:vml" xmlns:pvml="urn:schemas-microsoft-com:office:powerpoint" xmlns:com="http://schemas.openxmlformats.org/drawingml/2006/compatibility" xmlns:p14="http://schemas.microsoft.com/office/powerpoint/2010/main" xmlns:p15="http://schemas.microsoft.com/office/powerpoint/2012/main" xmlns:ahyp="http://schemas.microsoft.com/office/drawing/2018/hyperlinkcolor" matchingName="Caption">
+<p:sldLayout xmlns:a="http://schemas.openxmlformats.org/drawingml/2006/main" xmlns:r="http://schemas.openxmlformats.org/officeDocument/2006/relationships" xmlns:p="http://schemas.openxmlformats.org/presentationml/2006/main" matchingName="Caption">
   <p:cSld name="CAPTION_ONLY">
     <p:spTree>
       <p:nvGrpSpPr>
-        <p:cNvPr id="41" name="Shape 41"/>
+        <p:cNvPr id="1" name="Shape 41"/>
         <p:cNvGrpSpPr/>
         <p:nvPr/>
       </p:nvGrpSpPr>
@@ -4635,9 +5074,11 @@
       <p:sp>
         <p:nvSpPr>
           <p:cNvPr id="42" name="Google Shape;42;p10"/>
-          <p:cNvSpPr txBox="1"/>
+          <p:cNvSpPr txBox="1">
+            <a:spLocks noGrp="1"/>
+          </p:cNvSpPr>
           <p:nvPr>
-            <p:ph idx="1" type="body"/>
+            <p:ph type="body" idx="1"/>
           </p:nvPr>
         </p:nvSpPr>
         <p:spPr>
@@ -4650,11 +5091,11 @@
           </a:prstGeom>
         </p:spPr>
         <p:txBody>
-          <a:bodyPr anchorCtr="0" anchor="ctr" bIns="91425" lIns="91425" spcFirstLastPara="1" rIns="91425" wrap="square" tIns="91425">
+          <a:bodyPr spcFirstLastPara="1" wrap="square" lIns="91425" tIns="91425" rIns="91425" bIns="91425" anchor="ctr" anchorCtr="0">
             <a:noAutofit/>
           </a:bodyPr>
           <a:lstStyle>
-            <a:lvl1pPr indent="-228600" lvl="0" marL="457200">
+            <a:lvl1pPr marL="457200" lvl="0" indent="-228600">
               <a:lnSpc>
                 <a:spcPct val="100000"/>
               </a:lnSpc>
@@ -4669,20 +5110,24 @@
               <a:defRPr/>
             </a:lvl1pPr>
           </a:lstStyle>
-          <a:p/>
+          <a:p>
+            <a:endParaRPr/>
+          </a:p>
         </p:txBody>
       </p:sp>
       <p:sp>
         <p:nvSpPr>
           <p:cNvPr id="43" name="Google Shape;43;p10"/>
-          <p:cNvSpPr txBox="1"/>
+          <p:cNvSpPr txBox="1">
+            <a:spLocks noGrp="1"/>
+          </p:cNvSpPr>
           <p:nvPr>
-            <p:ph idx="12" type="sldNum"/>
+            <p:ph type="sldNum" idx="12"/>
           </p:nvPr>
         </p:nvSpPr>
         <p:spPr>
           <a:xfrm>
-            <a:off x="8472458" y="4663217"/>
+            <a:off x="8472459" y="4663217"/>
             <a:ext cx="548700" cy="393600"/>
           </a:xfrm>
           <a:prstGeom prst="rect">
@@ -4690,7 +5135,7 @@
           </a:prstGeom>
         </p:spPr>
         <p:txBody>
-          <a:bodyPr anchorCtr="0" anchor="ctr" bIns="91425" lIns="91425" spcFirstLastPara="1" rIns="91425" wrap="square" tIns="91425">
+          <a:bodyPr spcFirstLastPara="1" wrap="square" lIns="91425" tIns="91425" rIns="91425" bIns="91425" anchor="ctr" anchorCtr="0">
             <a:noAutofit/>
           </a:bodyPr>
           <a:lstStyle>
@@ -4732,20 +5177,12 @@
             </a:lvl9pPr>
           </a:lstStyle>
           <a:p>
-            <a:pPr indent="0" lvl="0" marL="0" rtl="0" algn="r">
-              <a:spcBef>
-                <a:spcPts val="0"/>
-              </a:spcBef>
-              <a:spcAft>
-                <a:spcPts val="0"/>
-              </a:spcAft>
-              <a:buNone/>
-            </a:pPr>
             <a:fld id="{00000000-1234-1234-1234-123412341234}" type="slidenum">
-              <a:rPr lang="en"/>
+              <a:rPr lang="en" smtClean="0"/>
+              <a:pPr/>
               <a:t>‹#›</a:t>
             </a:fld>
-            <a:endParaRPr/>
+            <a:endParaRPr lang="en"/>
           </a:p>
         </p:txBody>
       </p:sp>
@@ -4758,18 +5195,26 @@
 </file>
 
 <file path=ppt/slideMasters/slideMaster1.xml><?xml version="1.0" encoding="utf-8"?>
-<p:sldMaster xmlns:a="http://schemas.openxmlformats.org/drawingml/2006/main" xmlns:r="http://schemas.openxmlformats.org/officeDocument/2006/relationships" xmlns:mc="http://schemas.openxmlformats.org/markup-compatibility/2006" xmlns:mv="urn:schemas-microsoft-com:mac:vml" xmlns:p="http://schemas.openxmlformats.org/presentationml/2006/main" xmlns:c="http://schemas.openxmlformats.org/drawingml/2006/chart" xmlns:dgm="http://schemas.openxmlformats.org/drawingml/2006/diagram" xmlns:o="urn:schemas-microsoft-com:office:office" xmlns:v="urn:schemas-microsoft-com:vml" xmlns:pvml="urn:schemas-microsoft-com:office:powerpoint" xmlns:com="http://schemas.openxmlformats.org/drawingml/2006/compatibility" xmlns:p14="http://schemas.microsoft.com/office/powerpoint/2010/main" xmlns:p15="http://schemas.microsoft.com/office/powerpoint/2012/main" xmlns:ahyp="http://schemas.microsoft.com/office/drawing/2018/hyperlinkcolor">
+<p:sldMaster xmlns:a="http://schemas.openxmlformats.org/drawingml/2006/main" xmlns:r="http://schemas.openxmlformats.org/officeDocument/2006/relationships" xmlns:p="http://schemas.openxmlformats.org/presentationml/2006/main">
   <p:cSld name="simple-light-2">
     <p:bg>
       <p:bgPr>
-        <a:solidFill>
-          <a:schemeClr val="lt1"/>
-        </a:solidFill>
+        <a:blipFill dpi="0" rotWithShape="1">
+          <a:blip r:embed="rId13">
+            <a:alphaModFix amt="47274"/>
+            <a:lum/>
+          </a:blip>
+          <a:srcRect/>
+          <a:stretch>
+            <a:fillRect l="-4000" t="-12000" b="-15000"/>
+          </a:stretch>
+        </a:blipFill>
+        <a:effectLst/>
       </p:bgPr>
     </p:bg>
     <p:spTree>
       <p:nvGrpSpPr>
-        <p:cNvPr id="5" name="Shape 5"/>
+        <p:cNvPr id="1" name="Shape 5"/>
         <p:cNvGrpSpPr/>
         <p:nvPr/>
       </p:nvGrpSpPr>
@@ -4784,7 +5229,9 @@
       <p:sp>
         <p:nvSpPr>
           <p:cNvPr id="6" name="Google Shape;6;p1"/>
-          <p:cNvSpPr txBox="1"/>
+          <p:cNvSpPr txBox="1">
+            <a:spLocks noGrp="1"/>
+          </p:cNvSpPr>
           <p:nvPr>
             <p:ph type="title"/>
           </p:nvPr>
@@ -4803,7 +5250,7 @@
           </a:ln>
         </p:spPr>
         <p:txBody>
-          <a:bodyPr anchorCtr="0" anchor="t" bIns="91425" lIns="91425" spcFirstLastPara="1" rIns="91425" wrap="square" tIns="91425">
+          <a:bodyPr spcFirstLastPara="1" wrap="square" lIns="91425" tIns="91425" rIns="91425" bIns="91425" anchor="t" anchorCtr="0">
             <a:noAutofit/>
           </a:bodyPr>
           <a:lstStyle>
@@ -4970,15 +5417,19 @@
               </a:defRPr>
             </a:lvl9pPr>
           </a:lstStyle>
-          <a:p/>
+          <a:p>
+            <a:endParaRPr/>
+          </a:p>
         </p:txBody>
       </p:sp>
       <p:sp>
         <p:nvSpPr>
           <p:cNvPr id="7" name="Google Shape;7;p1"/>
-          <p:cNvSpPr txBox="1"/>
+          <p:cNvSpPr txBox="1">
+            <a:spLocks noGrp="1"/>
+          </p:cNvSpPr>
           <p:nvPr>
-            <p:ph idx="1" type="body"/>
+            <p:ph type="body" idx="1"/>
           </p:nvPr>
         </p:nvSpPr>
         <p:spPr>
@@ -4995,11 +5446,11 @@
           </a:ln>
         </p:spPr>
         <p:txBody>
-          <a:bodyPr anchorCtr="0" anchor="t" bIns="91425" lIns="91425" spcFirstLastPara="1" rIns="91425" wrap="square" tIns="91425">
+          <a:bodyPr spcFirstLastPara="1" wrap="square" lIns="91425" tIns="91425" rIns="91425" bIns="91425" anchor="t" anchorCtr="0">
             <a:noAutofit/>
           </a:bodyPr>
           <a:lstStyle>
-            <a:lvl1pPr indent="-342900" lvl="0" marL="457200">
+            <a:lvl1pPr marL="457200" lvl="0" indent="-342900">
               <a:lnSpc>
                 <a:spcPct val="115000"/>
               </a:lnSpc>
@@ -5020,7 +5471,7 @@
                 </a:solidFill>
               </a:defRPr>
             </a:lvl1pPr>
-            <a:lvl2pPr indent="-317500" lvl="1" marL="914400">
+            <a:lvl2pPr marL="914400" lvl="1" indent="-317500">
               <a:lnSpc>
                 <a:spcPct val="115000"/>
               </a:lnSpc>
@@ -5041,7 +5492,7 @@
                 </a:solidFill>
               </a:defRPr>
             </a:lvl2pPr>
-            <a:lvl3pPr indent="-317500" lvl="2" marL="1371600">
+            <a:lvl3pPr marL="1371600" lvl="2" indent="-317500">
               <a:lnSpc>
                 <a:spcPct val="115000"/>
               </a:lnSpc>
@@ -5062,7 +5513,7 @@
                 </a:solidFill>
               </a:defRPr>
             </a:lvl3pPr>
-            <a:lvl4pPr indent="-317500" lvl="3" marL="1828800">
+            <a:lvl4pPr marL="1828800" lvl="3" indent="-317500">
               <a:lnSpc>
                 <a:spcPct val="115000"/>
               </a:lnSpc>
@@ -5083,7 +5534,7 @@
                 </a:solidFill>
               </a:defRPr>
             </a:lvl4pPr>
-            <a:lvl5pPr indent="-317500" lvl="4" marL="2286000">
+            <a:lvl5pPr marL="2286000" lvl="4" indent="-317500">
               <a:lnSpc>
                 <a:spcPct val="115000"/>
               </a:lnSpc>
@@ -5104,7 +5555,7 @@
                 </a:solidFill>
               </a:defRPr>
             </a:lvl5pPr>
-            <a:lvl6pPr indent="-317500" lvl="5" marL="2743200">
+            <a:lvl6pPr marL="2743200" lvl="5" indent="-317500">
               <a:lnSpc>
                 <a:spcPct val="115000"/>
               </a:lnSpc>
@@ -5125,7 +5576,7 @@
                 </a:solidFill>
               </a:defRPr>
             </a:lvl6pPr>
-            <a:lvl7pPr indent="-317500" lvl="6" marL="3200400">
+            <a:lvl7pPr marL="3200400" lvl="6" indent="-317500">
               <a:lnSpc>
                 <a:spcPct val="115000"/>
               </a:lnSpc>
@@ -5146,7 +5597,7 @@
                 </a:solidFill>
               </a:defRPr>
             </a:lvl7pPr>
-            <a:lvl8pPr indent="-317500" lvl="7" marL="3657600">
+            <a:lvl8pPr marL="3657600" lvl="7" indent="-317500">
               <a:lnSpc>
                 <a:spcPct val="115000"/>
               </a:lnSpc>
@@ -5167,7 +5618,7 @@
                 </a:solidFill>
               </a:defRPr>
             </a:lvl8pPr>
-            <a:lvl9pPr indent="-317500" lvl="8" marL="4114800">
+            <a:lvl9pPr marL="4114800" lvl="8" indent="-317500">
               <a:lnSpc>
                 <a:spcPct val="115000"/>
               </a:lnSpc>
@@ -5189,20 +5640,24 @@
               </a:defRPr>
             </a:lvl9pPr>
           </a:lstStyle>
-          <a:p/>
+          <a:p>
+            <a:endParaRPr/>
+          </a:p>
         </p:txBody>
       </p:sp>
       <p:sp>
         <p:nvSpPr>
           <p:cNvPr id="8" name="Google Shape;8;p1"/>
-          <p:cNvSpPr txBox="1"/>
+          <p:cNvSpPr txBox="1">
+            <a:spLocks noGrp="1"/>
+          </p:cNvSpPr>
           <p:nvPr>
-            <p:ph idx="12" type="sldNum"/>
+            <p:ph type="sldNum" idx="12"/>
           </p:nvPr>
         </p:nvSpPr>
         <p:spPr>
           <a:xfrm>
-            <a:off x="8472458" y="4663217"/>
+            <a:off x="8472459" y="4663217"/>
             <a:ext cx="548700" cy="393600"/>
           </a:xfrm>
           <a:prstGeom prst="rect">
@@ -5214,7 +5669,7 @@
           </a:ln>
         </p:spPr>
         <p:txBody>
-          <a:bodyPr anchorCtr="0" anchor="ctr" bIns="91425" lIns="91425" spcFirstLastPara="1" rIns="91425" wrap="square" tIns="91425">
+          <a:bodyPr spcFirstLastPara="1" wrap="square" lIns="91425" tIns="91425" rIns="91425" bIns="91425" anchor="ctr" anchorCtr="0">
             <a:noAutofit/>
           </a:bodyPr>
           <a:lstStyle>
@@ -5292,26 +5747,18 @@
             </a:lvl9pPr>
           </a:lstStyle>
           <a:p>
-            <a:pPr indent="0" lvl="0" marL="0" rtl="0" algn="r">
-              <a:spcBef>
-                <a:spcPts val="0"/>
-              </a:spcBef>
-              <a:spcAft>
-                <a:spcPts val="0"/>
-              </a:spcAft>
-              <a:buNone/>
-            </a:pPr>
             <a:fld id="{00000000-1234-1234-1234-123412341234}" type="slidenum">
-              <a:rPr lang="en"/>
+              <a:rPr lang="en" smtClean="0"/>
+              <a:pPr/>
               <a:t>‹#›</a:t>
             </a:fld>
-            <a:endParaRPr/>
+            <a:endParaRPr lang="en"/>
           </a:p>
         </p:txBody>
       </p:sp>
     </p:spTree>
   </p:cSld>
-  <p:clrMap accent1="accent1" accent2="accent2" accent3="accent3" accent4="accent4" accent5="accent5" accent6="accent6" bg1="lt1" bg2="dk2" tx1="dk1" tx2="lt2" folHlink="folHlink" hlink="hlink"/>
+  <p:clrMap bg1="lt1" tx1="dk1" bg2="dk2" tx2="lt2" accent1="accent1" accent2="accent2" accent3="accent3" accent4="accent4" accent5="accent5" accent6="accent6" hlink="hlink" folHlink="folHlink"/>
   <p:sldLayoutIdLst>
     <p:sldLayoutId id="2147483648" r:id="rId1"/>
     <p:sldLayoutId id="2147483649" r:id="rId2"/>
@@ -5325,10 +5772,10 @@
     <p:sldLayoutId id="2147483657" r:id="rId10"/>
     <p:sldLayoutId id="2147483658" r:id="rId11"/>
   </p:sldLayoutIdLst>
-  <p:hf dt="0" ftr="0" hdr="0" sldNum="0"/>
+  <p:hf sldNum="0" hdr="0" ftr="0" dt="0"/>
   <p:txStyles>
     <p:titleStyle>
-      <a:defPPr lvl="0" marR="0" rtl="0" algn="l">
+      <a:defPPr marR="0" lvl="0" algn="l" rtl="0">
         <a:lnSpc>
           <a:spcPct val="100000"/>
         </a:lnSpc>
@@ -5339,7 +5786,7 @@
           <a:spcPts val="0"/>
         </a:spcAft>
       </a:defPPr>
-      <a:lvl1pPr lvl="0" marR="0" rtl="0" algn="l">
+      <a:lvl1pPr marR="0" lvl="0" algn="l" rtl="0">
         <a:lnSpc>
           <a:spcPct val="100000"/>
         </a:lnSpc>
@@ -5353,7 +5800,7 @@
           <a:srgbClr val="000000"/>
         </a:buClr>
         <a:buFont typeface="Arial"/>
-        <a:defRPr b="0" i="0" sz="1400" u="none" cap="none" strike="noStrike">
+        <a:defRPr sz="1400" b="0" i="0" u="none" strike="noStrike" cap="none">
           <a:solidFill>
             <a:srgbClr val="000000"/>
           </a:solidFill>
@@ -5363,7 +5810,7 @@
           <a:sym typeface="Arial"/>
         </a:defRPr>
       </a:lvl1pPr>
-      <a:lvl2pPr lvl="1" marR="0" rtl="0" algn="l">
+      <a:lvl2pPr marR="0" lvl="1" algn="l" rtl="0">
         <a:lnSpc>
           <a:spcPct val="100000"/>
         </a:lnSpc>
@@ -5377,7 +5824,7 @@
           <a:srgbClr val="000000"/>
         </a:buClr>
         <a:buFont typeface="Arial"/>
-        <a:defRPr b="0" i="0" sz="1400" u="none" cap="none" strike="noStrike">
+        <a:defRPr sz="1400" b="0" i="0" u="none" strike="noStrike" cap="none">
           <a:solidFill>
             <a:srgbClr val="000000"/>
           </a:solidFill>
@@ -5387,7 +5834,7 @@
           <a:sym typeface="Arial"/>
         </a:defRPr>
       </a:lvl2pPr>
-      <a:lvl3pPr lvl="2" marR="0" rtl="0" algn="l">
+      <a:lvl3pPr marR="0" lvl="2" algn="l" rtl="0">
         <a:lnSpc>
           <a:spcPct val="100000"/>
         </a:lnSpc>
@@ -5401,7 +5848,7 @@
           <a:srgbClr val="000000"/>
         </a:buClr>
         <a:buFont typeface="Arial"/>
-        <a:defRPr b="0" i="0" sz="1400" u="none" cap="none" strike="noStrike">
+        <a:defRPr sz="1400" b="0" i="0" u="none" strike="noStrike" cap="none">
           <a:solidFill>
             <a:srgbClr val="000000"/>
           </a:solidFill>
@@ -5411,7 +5858,7 @@
           <a:sym typeface="Arial"/>
         </a:defRPr>
       </a:lvl3pPr>
-      <a:lvl4pPr lvl="3" marR="0" rtl="0" algn="l">
+      <a:lvl4pPr marR="0" lvl="3" algn="l" rtl="0">
         <a:lnSpc>
           <a:spcPct val="100000"/>
         </a:lnSpc>
@@ -5425,7 +5872,7 @@
           <a:srgbClr val="000000"/>
         </a:buClr>
         <a:buFont typeface="Arial"/>
-        <a:defRPr b="0" i="0" sz="1400" u="none" cap="none" strike="noStrike">
+        <a:defRPr sz="1400" b="0" i="0" u="none" strike="noStrike" cap="none">
           <a:solidFill>
             <a:srgbClr val="000000"/>
           </a:solidFill>
@@ -5435,7 +5882,7 @@
           <a:sym typeface="Arial"/>
         </a:defRPr>
       </a:lvl4pPr>
-      <a:lvl5pPr lvl="4" marR="0" rtl="0" algn="l">
+      <a:lvl5pPr marR="0" lvl="4" algn="l" rtl="0">
         <a:lnSpc>
           <a:spcPct val="100000"/>
         </a:lnSpc>
@@ -5449,7 +5896,7 @@
           <a:srgbClr val="000000"/>
         </a:buClr>
         <a:buFont typeface="Arial"/>
-        <a:defRPr b="0" i="0" sz="1400" u="none" cap="none" strike="noStrike">
+        <a:defRPr sz="1400" b="0" i="0" u="none" strike="noStrike" cap="none">
           <a:solidFill>
             <a:srgbClr val="000000"/>
           </a:solidFill>
@@ -5459,7 +5906,7 @@
           <a:sym typeface="Arial"/>
         </a:defRPr>
       </a:lvl5pPr>
-      <a:lvl6pPr lvl="5" marR="0" rtl="0" algn="l">
+      <a:lvl6pPr marR="0" lvl="5" algn="l" rtl="0">
         <a:lnSpc>
           <a:spcPct val="100000"/>
         </a:lnSpc>
@@ -5473,7 +5920,7 @@
           <a:srgbClr val="000000"/>
         </a:buClr>
         <a:buFont typeface="Arial"/>
-        <a:defRPr b="0" i="0" sz="1400" u="none" cap="none" strike="noStrike">
+        <a:defRPr sz="1400" b="0" i="0" u="none" strike="noStrike" cap="none">
           <a:solidFill>
             <a:srgbClr val="000000"/>
           </a:solidFill>
@@ -5483,7 +5930,7 @@
           <a:sym typeface="Arial"/>
         </a:defRPr>
       </a:lvl6pPr>
-      <a:lvl7pPr lvl="6" marR="0" rtl="0" algn="l">
+      <a:lvl7pPr marR="0" lvl="6" algn="l" rtl="0">
         <a:lnSpc>
           <a:spcPct val="100000"/>
         </a:lnSpc>
@@ -5497,7 +5944,7 @@
           <a:srgbClr val="000000"/>
         </a:buClr>
         <a:buFont typeface="Arial"/>
-        <a:defRPr b="0" i="0" sz="1400" u="none" cap="none" strike="noStrike">
+        <a:defRPr sz="1400" b="0" i="0" u="none" strike="noStrike" cap="none">
           <a:solidFill>
             <a:srgbClr val="000000"/>
           </a:solidFill>
@@ -5507,7 +5954,7 @@
           <a:sym typeface="Arial"/>
         </a:defRPr>
       </a:lvl7pPr>
-      <a:lvl8pPr lvl="7" marR="0" rtl="0" algn="l">
+      <a:lvl8pPr marR="0" lvl="7" algn="l" rtl="0">
         <a:lnSpc>
           <a:spcPct val="100000"/>
         </a:lnSpc>
@@ -5521,7 +5968,7 @@
           <a:srgbClr val="000000"/>
         </a:buClr>
         <a:buFont typeface="Arial"/>
-        <a:defRPr b="0" i="0" sz="1400" u="none" cap="none" strike="noStrike">
+        <a:defRPr sz="1400" b="0" i="0" u="none" strike="noStrike" cap="none">
           <a:solidFill>
             <a:srgbClr val="000000"/>
           </a:solidFill>
@@ -5531,7 +5978,7 @@
           <a:sym typeface="Arial"/>
         </a:defRPr>
       </a:lvl8pPr>
-      <a:lvl9pPr lvl="8" marR="0" rtl="0" algn="l">
+      <a:lvl9pPr marR="0" lvl="8" algn="l" rtl="0">
         <a:lnSpc>
           <a:spcPct val="100000"/>
         </a:lnSpc>
@@ -5545,7 +5992,7 @@
           <a:srgbClr val="000000"/>
         </a:buClr>
         <a:buFont typeface="Arial"/>
-        <a:defRPr b="0" i="0" sz="1400" u="none" cap="none" strike="noStrike">
+        <a:defRPr sz="1400" b="0" i="0" u="none" strike="noStrike" cap="none">
           <a:solidFill>
             <a:srgbClr val="000000"/>
           </a:solidFill>
@@ -5557,7 +6004,7 @@
       </a:lvl9pPr>
     </p:titleStyle>
     <p:bodyStyle>
-      <a:defPPr lvl="0" marR="0" rtl="0" algn="l">
+      <a:defPPr marR="0" lvl="0" algn="l" rtl="0">
         <a:lnSpc>
           <a:spcPct val="100000"/>
         </a:lnSpc>
@@ -5568,7 +6015,7 @@
           <a:spcPts val="0"/>
         </a:spcAft>
       </a:defPPr>
-      <a:lvl1pPr lvl="0" marR="0" rtl="0" algn="l">
+      <a:lvl1pPr marR="0" lvl="0" algn="l" rtl="0">
         <a:lnSpc>
           <a:spcPct val="100000"/>
         </a:lnSpc>
@@ -5582,7 +6029,7 @@
           <a:srgbClr val="000000"/>
         </a:buClr>
         <a:buFont typeface="Arial"/>
-        <a:defRPr b="0" i="0" sz="1400" u="none" cap="none" strike="noStrike">
+        <a:defRPr sz="1400" b="0" i="0" u="none" strike="noStrike" cap="none">
           <a:solidFill>
             <a:srgbClr val="000000"/>
           </a:solidFill>
@@ -5592,7 +6039,7 @@
           <a:sym typeface="Arial"/>
         </a:defRPr>
       </a:lvl1pPr>
-      <a:lvl2pPr lvl="1" marR="0" rtl="0" algn="l">
+      <a:lvl2pPr marR="0" lvl="1" algn="l" rtl="0">
         <a:lnSpc>
           <a:spcPct val="100000"/>
         </a:lnSpc>
@@ -5606,7 +6053,7 @@
           <a:srgbClr val="000000"/>
         </a:buClr>
         <a:buFont typeface="Arial"/>
-        <a:defRPr b="0" i="0" sz="1400" u="none" cap="none" strike="noStrike">
+        <a:defRPr sz="1400" b="0" i="0" u="none" strike="noStrike" cap="none">
           <a:solidFill>
             <a:srgbClr val="000000"/>
           </a:solidFill>
@@ -5616,7 +6063,7 @@
           <a:sym typeface="Arial"/>
         </a:defRPr>
       </a:lvl2pPr>
-      <a:lvl3pPr lvl="2" marR="0" rtl="0" algn="l">
+      <a:lvl3pPr marR="0" lvl="2" algn="l" rtl="0">
         <a:lnSpc>
           <a:spcPct val="100000"/>
         </a:lnSpc>
@@ -5630,7 +6077,7 @@
           <a:srgbClr val="000000"/>
         </a:buClr>
         <a:buFont typeface="Arial"/>
-        <a:defRPr b="0" i="0" sz="1400" u="none" cap="none" strike="noStrike">
+        <a:defRPr sz="1400" b="0" i="0" u="none" strike="noStrike" cap="none">
           <a:solidFill>
             <a:srgbClr val="000000"/>
           </a:solidFill>
@@ -5640,7 +6087,7 @@
           <a:sym typeface="Arial"/>
         </a:defRPr>
       </a:lvl3pPr>
-      <a:lvl4pPr lvl="3" marR="0" rtl="0" algn="l">
+      <a:lvl4pPr marR="0" lvl="3" algn="l" rtl="0">
         <a:lnSpc>
           <a:spcPct val="100000"/>
         </a:lnSpc>
@@ -5654,7 +6101,7 @@
           <a:srgbClr val="000000"/>
         </a:buClr>
         <a:buFont typeface="Arial"/>
-        <a:defRPr b="0" i="0" sz="1400" u="none" cap="none" strike="noStrike">
+        <a:defRPr sz="1400" b="0" i="0" u="none" strike="noStrike" cap="none">
           <a:solidFill>
             <a:srgbClr val="000000"/>
           </a:solidFill>
@@ -5664,7 +6111,7 @@
           <a:sym typeface="Arial"/>
         </a:defRPr>
       </a:lvl4pPr>
-      <a:lvl5pPr lvl="4" marR="0" rtl="0" algn="l">
+      <a:lvl5pPr marR="0" lvl="4" algn="l" rtl="0">
         <a:lnSpc>
           <a:spcPct val="100000"/>
         </a:lnSpc>
@@ -5678,7 +6125,7 @@
           <a:srgbClr val="000000"/>
         </a:buClr>
         <a:buFont typeface="Arial"/>
-        <a:defRPr b="0" i="0" sz="1400" u="none" cap="none" strike="noStrike">
+        <a:defRPr sz="1400" b="0" i="0" u="none" strike="noStrike" cap="none">
           <a:solidFill>
             <a:srgbClr val="000000"/>
           </a:solidFill>
@@ -5688,7 +6135,7 @@
           <a:sym typeface="Arial"/>
         </a:defRPr>
       </a:lvl5pPr>
-      <a:lvl6pPr lvl="5" marR="0" rtl="0" algn="l">
+      <a:lvl6pPr marR="0" lvl="5" algn="l" rtl="0">
         <a:lnSpc>
           <a:spcPct val="100000"/>
         </a:lnSpc>
@@ -5702,7 +6149,7 @@
           <a:srgbClr val="000000"/>
         </a:buClr>
         <a:buFont typeface="Arial"/>
-        <a:defRPr b="0" i="0" sz="1400" u="none" cap="none" strike="noStrike">
+        <a:defRPr sz="1400" b="0" i="0" u="none" strike="noStrike" cap="none">
           <a:solidFill>
             <a:srgbClr val="000000"/>
           </a:solidFill>
@@ -5712,7 +6159,7 @@
           <a:sym typeface="Arial"/>
         </a:defRPr>
       </a:lvl6pPr>
-      <a:lvl7pPr lvl="6" marR="0" rtl="0" algn="l">
+      <a:lvl7pPr marR="0" lvl="6" algn="l" rtl="0">
         <a:lnSpc>
           <a:spcPct val="100000"/>
         </a:lnSpc>
@@ -5726,7 +6173,7 @@
           <a:srgbClr val="000000"/>
         </a:buClr>
         <a:buFont typeface="Arial"/>
-        <a:defRPr b="0" i="0" sz="1400" u="none" cap="none" strike="noStrike">
+        <a:defRPr sz="1400" b="0" i="0" u="none" strike="noStrike" cap="none">
           <a:solidFill>
             <a:srgbClr val="000000"/>
           </a:solidFill>
@@ -5736,7 +6183,7 @@
           <a:sym typeface="Arial"/>
         </a:defRPr>
       </a:lvl7pPr>
-      <a:lvl8pPr lvl="7" marR="0" rtl="0" algn="l">
+      <a:lvl8pPr marR="0" lvl="7" algn="l" rtl="0">
         <a:lnSpc>
           <a:spcPct val="100000"/>
         </a:lnSpc>
@@ -5750,7 +6197,7 @@
           <a:srgbClr val="000000"/>
         </a:buClr>
         <a:buFont typeface="Arial"/>
-        <a:defRPr b="0" i="0" sz="1400" u="none" cap="none" strike="noStrike">
+        <a:defRPr sz="1400" b="0" i="0" u="none" strike="noStrike" cap="none">
           <a:solidFill>
             <a:srgbClr val="000000"/>
           </a:solidFill>
@@ -5760,7 +6207,7 @@
           <a:sym typeface="Arial"/>
         </a:defRPr>
       </a:lvl8pPr>
-      <a:lvl9pPr lvl="8" marR="0" rtl="0" algn="l">
+      <a:lvl9pPr marR="0" lvl="8" algn="l" rtl="0">
         <a:lnSpc>
           <a:spcPct val="100000"/>
         </a:lnSpc>
@@ -5774,7 +6221,7 @@
           <a:srgbClr val="000000"/>
         </a:buClr>
         <a:buFont typeface="Arial"/>
-        <a:defRPr b="0" i="0" sz="1400" u="none" cap="none" strike="noStrike">
+        <a:defRPr sz="1400" b="0" i="0" u="none" strike="noStrike" cap="none">
           <a:solidFill>
             <a:srgbClr val="000000"/>
           </a:solidFill>
@@ -5786,7 +6233,7 @@
       </a:lvl9pPr>
     </p:bodyStyle>
     <p:otherStyle>
-      <a:defPPr lvl="0" marR="0" rtl="0" algn="l">
+      <a:defPPr marR="0" lvl="0" algn="l" rtl="0">
         <a:lnSpc>
           <a:spcPct val="100000"/>
         </a:lnSpc>
@@ -5797,7 +6244,7 @@
           <a:spcPts val="0"/>
         </a:spcAft>
       </a:defPPr>
-      <a:lvl1pPr lvl="0" marR="0" rtl="0" algn="l">
+      <a:lvl1pPr marR="0" lvl="0" algn="l" rtl="0">
         <a:lnSpc>
           <a:spcPct val="100000"/>
         </a:lnSpc>
@@ -5811,7 +6258,7 @@
           <a:srgbClr val="000000"/>
         </a:buClr>
         <a:buFont typeface="Arial"/>
-        <a:defRPr b="0" i="0" sz="1400" u="none" cap="none" strike="noStrike">
+        <a:defRPr sz="1400" b="0" i="0" u="none" strike="noStrike" cap="none">
           <a:solidFill>
             <a:srgbClr val="000000"/>
           </a:solidFill>
@@ -5821,7 +6268,7 @@
           <a:sym typeface="Arial"/>
         </a:defRPr>
       </a:lvl1pPr>
-      <a:lvl2pPr lvl="1" marR="0" rtl="0" algn="l">
+      <a:lvl2pPr marR="0" lvl="1" algn="l" rtl="0">
         <a:lnSpc>
           <a:spcPct val="100000"/>
         </a:lnSpc>
@@ -5835,7 +6282,7 @@
           <a:srgbClr val="000000"/>
         </a:buClr>
         <a:buFont typeface="Arial"/>
-        <a:defRPr b="0" i="0" sz="1400" u="none" cap="none" strike="noStrike">
+        <a:defRPr sz="1400" b="0" i="0" u="none" strike="noStrike" cap="none">
           <a:solidFill>
             <a:srgbClr val="000000"/>
           </a:solidFill>
@@ -5845,7 +6292,7 @@
           <a:sym typeface="Arial"/>
         </a:defRPr>
       </a:lvl2pPr>
-      <a:lvl3pPr lvl="2" marR="0" rtl="0" algn="l">
+      <a:lvl3pPr marR="0" lvl="2" algn="l" rtl="0">
         <a:lnSpc>
           <a:spcPct val="100000"/>
         </a:lnSpc>
@@ -5859,7 +6306,7 @@
           <a:srgbClr val="000000"/>
         </a:buClr>
         <a:buFont typeface="Arial"/>
-        <a:defRPr b="0" i="0" sz="1400" u="none" cap="none" strike="noStrike">
+        <a:defRPr sz="1400" b="0" i="0" u="none" strike="noStrike" cap="none">
           <a:solidFill>
             <a:srgbClr val="000000"/>
           </a:solidFill>
@@ -5869,7 +6316,7 @@
           <a:sym typeface="Arial"/>
         </a:defRPr>
       </a:lvl3pPr>
-      <a:lvl4pPr lvl="3" marR="0" rtl="0" algn="l">
+      <a:lvl4pPr marR="0" lvl="3" algn="l" rtl="0">
         <a:lnSpc>
           <a:spcPct val="100000"/>
         </a:lnSpc>
@@ -5883,7 +6330,7 @@
           <a:srgbClr val="000000"/>
         </a:buClr>
         <a:buFont typeface="Arial"/>
-        <a:defRPr b="0" i="0" sz="1400" u="none" cap="none" strike="noStrike">
+        <a:defRPr sz="1400" b="0" i="0" u="none" strike="noStrike" cap="none">
           <a:solidFill>
             <a:srgbClr val="000000"/>
           </a:solidFill>
@@ -5893,7 +6340,7 @@
           <a:sym typeface="Arial"/>
         </a:defRPr>
       </a:lvl4pPr>
-      <a:lvl5pPr lvl="4" marR="0" rtl="0" algn="l">
+      <a:lvl5pPr marR="0" lvl="4" algn="l" rtl="0">
         <a:lnSpc>
           <a:spcPct val="100000"/>
         </a:lnSpc>
@@ -5907,7 +6354,7 @@
           <a:srgbClr val="000000"/>
         </a:buClr>
         <a:buFont typeface="Arial"/>
-        <a:defRPr b="0" i="0" sz="1400" u="none" cap="none" strike="noStrike">
+        <a:defRPr sz="1400" b="0" i="0" u="none" strike="noStrike" cap="none">
           <a:solidFill>
             <a:srgbClr val="000000"/>
           </a:solidFill>
@@ -5917,7 +6364,7 @@
           <a:sym typeface="Arial"/>
         </a:defRPr>
       </a:lvl5pPr>
-      <a:lvl6pPr lvl="5" marR="0" rtl="0" algn="l">
+      <a:lvl6pPr marR="0" lvl="5" algn="l" rtl="0">
         <a:lnSpc>
           <a:spcPct val="100000"/>
         </a:lnSpc>
@@ -5931,7 +6378,7 @@
           <a:srgbClr val="000000"/>
         </a:buClr>
         <a:buFont typeface="Arial"/>
-        <a:defRPr b="0" i="0" sz="1400" u="none" cap="none" strike="noStrike">
+        <a:defRPr sz="1400" b="0" i="0" u="none" strike="noStrike" cap="none">
           <a:solidFill>
             <a:srgbClr val="000000"/>
           </a:solidFill>
@@ -5941,7 +6388,7 @@
           <a:sym typeface="Arial"/>
         </a:defRPr>
       </a:lvl6pPr>
-      <a:lvl7pPr lvl="6" marR="0" rtl="0" algn="l">
+      <a:lvl7pPr marR="0" lvl="6" algn="l" rtl="0">
         <a:lnSpc>
           <a:spcPct val="100000"/>
         </a:lnSpc>
@@ -5955,7 +6402,7 @@
           <a:srgbClr val="000000"/>
         </a:buClr>
         <a:buFont typeface="Arial"/>
-        <a:defRPr b="0" i="0" sz="1400" u="none" cap="none" strike="noStrike">
+        <a:defRPr sz="1400" b="0" i="0" u="none" strike="noStrike" cap="none">
           <a:solidFill>
             <a:srgbClr val="000000"/>
           </a:solidFill>
@@ -5965,7 +6412,7 @@
           <a:sym typeface="Arial"/>
         </a:defRPr>
       </a:lvl7pPr>
-      <a:lvl8pPr lvl="7" marR="0" rtl="0" algn="l">
+      <a:lvl8pPr marR="0" lvl="7" algn="l" rtl="0">
         <a:lnSpc>
           <a:spcPct val="100000"/>
         </a:lnSpc>
@@ -5979,7 +6426,7 @@
           <a:srgbClr val="000000"/>
         </a:buClr>
         <a:buFont typeface="Arial"/>
-        <a:defRPr b="0" i="0" sz="1400" u="none" cap="none" strike="noStrike">
+        <a:defRPr sz="1400" b="0" i="0" u="none" strike="noStrike" cap="none">
           <a:solidFill>
             <a:srgbClr val="000000"/>
           </a:solidFill>
@@ -5989,7 +6436,7 @@
           <a:sym typeface="Arial"/>
         </a:defRPr>
       </a:lvl8pPr>
-      <a:lvl9pPr lvl="8" marR="0" rtl="0" algn="l">
+      <a:lvl9pPr marR="0" lvl="8" algn="l" rtl="0">
         <a:lnSpc>
           <a:spcPct val="100000"/>
         </a:lnSpc>
@@ -6003,7 +6450,7 @@
           <a:srgbClr val="000000"/>
         </a:buClr>
         <a:buFont typeface="Arial"/>
-        <a:defRPr b="0" i="0" sz="1400" u="none" cap="none" strike="noStrike">
+        <a:defRPr sz="1400" b="0" i="0" u="none" strike="noStrike" cap="none">
           <a:solidFill>
             <a:srgbClr val="000000"/>
           </a:solidFill>
@@ -6019,11 +6466,11 @@
 </file>
 
 <file path=ppt/slides/slide1.xml><?xml version="1.0" encoding="utf-8"?>
-<p:sld xmlns:a="http://schemas.openxmlformats.org/drawingml/2006/main" xmlns:r="http://schemas.openxmlformats.org/officeDocument/2006/relationships" xmlns:mc="http://schemas.openxmlformats.org/markup-compatibility/2006" xmlns:mv="urn:schemas-microsoft-com:mac:vml" xmlns:p="http://schemas.openxmlformats.org/presentationml/2006/main" xmlns:c="http://schemas.openxmlformats.org/drawingml/2006/chart" xmlns:dgm="http://schemas.openxmlformats.org/drawingml/2006/diagram" xmlns:o="urn:schemas-microsoft-com:office:office" xmlns:v="urn:schemas-microsoft-com:vml" xmlns:pvml="urn:schemas-microsoft-com:office:powerpoint" xmlns:com="http://schemas.openxmlformats.org/drawingml/2006/compatibility" xmlns:p14="http://schemas.microsoft.com/office/powerpoint/2010/main" xmlns:p15="http://schemas.microsoft.com/office/powerpoint/2012/main" xmlns:ahyp="http://schemas.microsoft.com/office/drawing/2018/hyperlinkcolor">
+<p:sld xmlns:a="http://schemas.openxmlformats.org/drawingml/2006/main" xmlns:r="http://schemas.openxmlformats.org/officeDocument/2006/relationships" xmlns:p="http://schemas.openxmlformats.org/presentationml/2006/main">
   <p:cSld>
     <p:spTree>
       <p:nvGrpSpPr>
-        <p:cNvPr id="53" name="Shape 53"/>
+        <p:cNvPr id="1" name="Shape 53"/>
         <p:cNvGrpSpPr/>
         <p:nvPr/>
       </p:nvGrpSpPr>
@@ -6038,99 +6485,242 @@
       <p:sp>
         <p:nvSpPr>
           <p:cNvPr id="54" name="Google Shape;54;p13"/>
-          <p:cNvSpPr txBox="1"/>
+          <p:cNvSpPr txBox="1">
+            <a:spLocks noGrp="1"/>
+          </p:cNvSpPr>
           <p:nvPr>
             <p:ph type="ctrTitle"/>
           </p:nvPr>
         </p:nvSpPr>
         <p:spPr>
-          <a:xfrm>
-            <a:off x="311708" y="744575"/>
-            <a:ext cx="8520600" cy="2052600"/>
-          </a:xfrm>
+          <a:prstGeom prst="rect">
+            <a:avLst/>
+          </a:prstGeom>
+          <a:noFill/>
+        </p:spPr>
+        <p:txBody>
+          <a:bodyPr spcFirstLastPara="1" wrap="square" lIns="91425" tIns="91425" rIns="91425" bIns="91425" anchor="b" anchorCtr="0">
+            <a:noAutofit/>
+          </a:bodyPr>
+          <a:lstStyle/>
+          <a:p>
+            <a:r>
+              <a:rPr lang="en" dirty="0">
+                <a:solidFill>
+                  <a:schemeClr val="bg1"/>
+                </a:solidFill>
+                <a:latin typeface="Impact" panose="020B0806030902050204" pitchFamily="34" charset="0"/>
+              </a:rPr>
+              <a:t>Top 10 Music &amp; Lyrics</a:t>
+            </a:r>
+            <a:endParaRPr dirty="0">
+              <a:solidFill>
+                <a:schemeClr val="bg1"/>
+              </a:solidFill>
+              <a:latin typeface="Impact" panose="020B0806030902050204" pitchFamily="34" charset="0"/>
+            </a:endParaRPr>
+          </a:p>
+        </p:txBody>
+      </p:sp>
+      <p:sp>
+        <p:nvSpPr>
+          <p:cNvPr id="55" name="Google Shape;55;p13"/>
+          <p:cNvSpPr txBox="1">
+            <a:spLocks noGrp="1"/>
+          </p:cNvSpPr>
+          <p:nvPr>
+            <p:ph type="subTitle" idx="1"/>
+          </p:nvPr>
+        </p:nvSpPr>
+        <p:spPr>
           <a:prstGeom prst="rect">
             <a:avLst/>
           </a:prstGeom>
         </p:spPr>
         <p:txBody>
-          <a:bodyPr anchorCtr="0" anchor="b" bIns="91425" lIns="91425" spcFirstLastPara="1" rIns="91425" wrap="square" tIns="91425">
+          <a:bodyPr spcFirstLastPara="1" wrap="square" lIns="91425" tIns="91425" rIns="91425" bIns="91425" anchor="t" anchorCtr="0">
             <a:noAutofit/>
           </a:bodyPr>
           <a:lstStyle/>
           <a:p>
-            <a:pPr indent="0" lvl="0" marL="0" rtl="0" algn="ctr">
-              <a:spcBef>
-                <a:spcPts val="0"/>
-              </a:spcBef>
-              <a:spcAft>
-                <a:spcPts val="0"/>
-              </a:spcAft>
-              <a:buNone/>
-            </a:pPr>
+            <a:pPr marL="0" indent="0"/>
             <a:r>
-              <a:rPr lang="en"/>
-              <a:t>Project Title</a:t>
+              <a:rPr lang="en-AU" dirty="0"/>
+              <a:t>Or “how to keep up with the pack”</a:t>
             </a:r>
-            <a:endParaRPr/>
+            <a:endParaRPr dirty="0"/>
           </a:p>
         </p:txBody>
       </p:sp>
+    </p:spTree>
+  </p:cSld>
+  <p:clrMapOvr>
+    <a:masterClrMapping/>
+  </p:clrMapOvr>
+  <p:timing>
+    <p:tnLst>
+      <p:par>
+        <p:cTn id="1" dur="indefinite" restart="never" nodeType="tmRoot">
+          <p:childTnLst>
+            <p:seq concurrent="1" nextAc="seek">
+              <p:cTn id="2" dur="indefinite" nodeType="mainSeq">
+                <p:childTnLst>
+                  <p:par>
+                    <p:cTn id="3" fill="hold">
+                      <p:stCondLst>
+                        <p:cond delay="indefinite"/>
+                      </p:stCondLst>
+                      <p:childTnLst>
+                        <p:par>
+                          <p:cTn id="4" fill="hold">
+                            <p:stCondLst>
+                              <p:cond delay="0"/>
+                            </p:stCondLst>
+                            <p:childTnLst>
+                              <p:par>
+                                <p:cTn id="5" presetID="1" presetClass="entr" presetSubtype="0" fill="hold" grpId="0" nodeType="clickEffect">
+                                  <p:stCondLst>
+                                    <p:cond delay="0"/>
+                                  </p:stCondLst>
+                                  <p:childTnLst>
+                                    <p:set>
+                                      <p:cBhvr>
+                                        <p:cTn id="6" dur="1" fill="hold">
+                                          <p:stCondLst>
+                                            <p:cond delay="0"/>
+                                          </p:stCondLst>
+                                        </p:cTn>
+                                        <p:tgtEl>
+                                          <p:spTgt spid="55">
+                                            <p:txEl>
+                                              <p:pRg st="0" end="0"/>
+                                            </p:txEl>
+                                          </p:spTgt>
+                                        </p:tgtEl>
+                                        <p:attrNameLst>
+                                          <p:attrName>style.visibility</p:attrName>
+                                        </p:attrNameLst>
+                                      </p:cBhvr>
+                                      <p:to>
+                                        <p:strVal val="visible"/>
+                                      </p:to>
+                                    </p:set>
+                                  </p:childTnLst>
+                                </p:cTn>
+                              </p:par>
+                            </p:childTnLst>
+                          </p:cTn>
+                        </p:par>
+                      </p:childTnLst>
+                    </p:cTn>
+                  </p:par>
+                </p:childTnLst>
+              </p:cTn>
+              <p:prevCondLst>
+                <p:cond evt="onPrev" delay="0">
+                  <p:tgtEl>
+                    <p:sldTgt/>
+                  </p:tgtEl>
+                </p:cond>
+              </p:prevCondLst>
+              <p:nextCondLst>
+                <p:cond evt="onNext" delay="0">
+                  <p:tgtEl>
+                    <p:sldTgt/>
+                  </p:tgtEl>
+                </p:cond>
+              </p:nextCondLst>
+            </p:seq>
+          </p:childTnLst>
+        </p:cTn>
+      </p:par>
+    </p:tnLst>
+    <p:bldLst>
+      <p:bldP spid="55" grpId="0" build="p"/>
+    </p:bldLst>
+  </p:timing>
+</p:sld>
+</file>
+
+<file path=ppt/slides/slide10.xml><?xml version="1.0" encoding="utf-8"?>
+<p:sld xmlns:a="http://schemas.openxmlformats.org/drawingml/2006/main" xmlns:r="http://schemas.openxmlformats.org/officeDocument/2006/relationships" xmlns:p="http://schemas.openxmlformats.org/presentationml/2006/main">
+  <p:cSld>
+    <p:spTree>
+      <p:nvGrpSpPr>
+        <p:cNvPr id="1" name="Shape 87"/>
+        <p:cNvGrpSpPr/>
+        <p:nvPr/>
+      </p:nvGrpSpPr>
+      <p:grpSpPr>
+        <a:xfrm>
+          <a:off x="0" y="0"/>
+          <a:ext cx="0" cy="0"/>
+          <a:chOff x="0" y="0"/>
+          <a:chExt cx="0" cy="0"/>
+        </a:xfrm>
+      </p:grpSpPr>
       <p:sp>
         <p:nvSpPr>
-          <p:cNvPr id="55" name="Google Shape;55;p13"/>
-          <p:cNvSpPr txBox="1"/>
+          <p:cNvPr id="88" name="Google Shape;88;p19"/>
+          <p:cNvSpPr txBox="1">
+            <a:spLocks noGrp="1"/>
+          </p:cNvSpPr>
           <p:nvPr>
-            <p:ph idx="1" type="subTitle"/>
+            <p:ph type="title"/>
           </p:nvPr>
         </p:nvSpPr>
         <p:spPr>
-          <a:xfrm>
-            <a:off x="311700" y="2834125"/>
-            <a:ext cx="8520600" cy="792600"/>
-          </a:xfrm>
           <a:prstGeom prst="rect">
             <a:avLst/>
           </a:prstGeom>
         </p:spPr>
         <p:txBody>
-          <a:bodyPr anchorCtr="0" anchor="t" bIns="91425" lIns="91425" spcFirstLastPara="1" rIns="91425" wrap="square" tIns="91425">
+          <a:bodyPr spcFirstLastPara="1" wrap="square" lIns="91425" tIns="91425" rIns="91425" bIns="91425" anchor="t" anchorCtr="0">
             <a:noAutofit/>
           </a:bodyPr>
           <a:lstStyle/>
           <a:p>
-            <a:pPr indent="0" lvl="0" marL="0" rtl="0" algn="ctr">
-              <a:spcBef>
-                <a:spcPts val="0"/>
-              </a:spcBef>
-              <a:spcAft>
-                <a:spcPts val="0"/>
-              </a:spcAft>
-              <a:buNone/>
-            </a:pPr>
             <a:r>
-              <a:rPr lang="en">
-                <a:solidFill>
-                  <a:srgbClr val="FFFFFF"/>
-                </a:solidFill>
-                <a:highlight>
-                  <a:srgbClr val="FF0000"/>
-                </a:highlight>
-              </a:rPr>
-              <a:t>MAKE A COPY!</a:t>
+              <a:rPr lang="en"/>
+              <a:t>Links</a:t>
             </a:r>
+            <a:endParaRPr/>
+          </a:p>
+        </p:txBody>
+      </p:sp>
+      <p:sp>
+        <p:nvSpPr>
+          <p:cNvPr id="89" name="Google Shape;89;p19"/>
+          <p:cNvSpPr txBox="1">
+            <a:spLocks noGrp="1"/>
+          </p:cNvSpPr>
+          <p:nvPr>
+            <p:ph type="body" idx="1"/>
+          </p:nvPr>
+        </p:nvSpPr>
+        <p:spPr>
+          <a:prstGeom prst="rect">
+            <a:avLst/>
+          </a:prstGeom>
+        </p:spPr>
+        <p:txBody>
+          <a:bodyPr spcFirstLastPara="1" wrap="square" lIns="91425" tIns="91425" rIns="91425" bIns="91425" anchor="t" anchorCtr="0">
+            <a:noAutofit/>
+          </a:bodyPr>
+          <a:lstStyle/>
+          <a:p>
             <a:r>
-              <a:rPr lang="en">
-                <a:highlight>
-                  <a:srgbClr val="FFFF00"/>
-                </a:highlight>
-              </a:rPr>
-              <a:t> DO NOT REQUEST EDIT ACCESS</a:t>
+              <a:rPr lang="en"/>
+              <a:t>Deployed</a:t>
             </a:r>
-            <a:endParaRPr>
-              <a:highlight>
-                <a:srgbClr val="FFFF00"/>
-              </a:highlight>
-            </a:endParaRPr>
+            <a:endParaRPr/>
+          </a:p>
+          <a:p>
+            <a:r>
+              <a:rPr lang="en"/>
+              <a:t>GitHub repo</a:t>
+            </a:r>
+            <a:endParaRPr/>
           </a:p>
         </p:txBody>
       </p:sp>
@@ -6143,11 +6733,11 @@
 </file>
 
 <file path=ppt/slides/slide2.xml><?xml version="1.0" encoding="utf-8"?>
-<p:sld xmlns:a="http://schemas.openxmlformats.org/drawingml/2006/main" xmlns:r="http://schemas.openxmlformats.org/officeDocument/2006/relationships" xmlns:mc="http://schemas.openxmlformats.org/markup-compatibility/2006" xmlns:mv="urn:schemas-microsoft-com:mac:vml" xmlns:p="http://schemas.openxmlformats.org/presentationml/2006/main" xmlns:c="http://schemas.openxmlformats.org/drawingml/2006/chart" xmlns:dgm="http://schemas.openxmlformats.org/drawingml/2006/diagram" xmlns:o="urn:schemas-microsoft-com:office:office" xmlns:v="urn:schemas-microsoft-com:vml" xmlns:pvml="urn:schemas-microsoft-com:office:powerpoint" xmlns:com="http://schemas.openxmlformats.org/drawingml/2006/compatibility" xmlns:p14="http://schemas.microsoft.com/office/powerpoint/2010/main" xmlns:p15="http://schemas.microsoft.com/office/powerpoint/2012/main" xmlns:ahyp="http://schemas.microsoft.com/office/drawing/2018/hyperlinkcolor">
+<p:sld xmlns:a="http://schemas.openxmlformats.org/drawingml/2006/main" xmlns:r="http://schemas.openxmlformats.org/officeDocument/2006/relationships" xmlns:p="http://schemas.openxmlformats.org/presentationml/2006/main">
   <p:cSld>
     <p:spTree>
       <p:nvGrpSpPr>
-        <p:cNvPr id="59" name="Shape 59"/>
+        <p:cNvPr id="1" name="Shape 59"/>
         <p:cNvGrpSpPr/>
         <p:nvPr/>
       </p:nvGrpSpPr>
@@ -6162,40 +6752,118 @@
       <p:sp>
         <p:nvSpPr>
           <p:cNvPr id="60" name="Google Shape;60;p14"/>
-          <p:cNvSpPr txBox="1"/>
+          <p:cNvSpPr txBox="1">
+            <a:spLocks noGrp="1"/>
+          </p:cNvSpPr>
           <p:nvPr>
             <p:ph type="title"/>
           </p:nvPr>
         </p:nvSpPr>
         <p:spPr>
-          <a:xfrm>
-            <a:off x="311700" y="2150850"/>
-            <a:ext cx="8520600" cy="841800"/>
-          </a:xfrm>
           <a:prstGeom prst="rect">
             <a:avLst/>
           </a:prstGeom>
         </p:spPr>
         <p:txBody>
-          <a:bodyPr anchorCtr="0" anchor="ctr" bIns="91425" lIns="91425" spcFirstLastPara="1" rIns="91425" wrap="square" tIns="91425">
+          <a:bodyPr spcFirstLastPara="1" wrap="square" lIns="91425" tIns="91425" rIns="91425" bIns="91425" anchor="ctr" anchorCtr="0">
             <a:noAutofit/>
           </a:bodyPr>
           <a:lstStyle/>
           <a:p>
-            <a:pPr indent="0" lvl="0" marL="0" rtl="0" algn="ctr">
-              <a:spcBef>
-                <a:spcPts val="0"/>
-              </a:spcBef>
-              <a:spcAft>
-                <a:spcPts val="0"/>
-              </a:spcAft>
-              <a:buNone/>
-            </a:pPr>
             <a:r>
-              <a:rPr lang="en"/>
+              <a:rPr lang="en" dirty="0"/>
               <a:t>Elevator pitch</a:t>
             </a:r>
-            <a:endParaRPr/>
+            <a:endParaRPr dirty="0"/>
+          </a:p>
+        </p:txBody>
+      </p:sp>
+      <p:sp>
+        <p:nvSpPr>
+          <p:cNvPr id="2" name="Text Placeholder 1">
+            <a:extLst>
+              <a:ext uri="{FF2B5EF4-FFF2-40B4-BE49-F238E27FC236}">
+                <a16:creationId xmlns:a16="http://schemas.microsoft.com/office/drawing/2014/main" id="{DF2299AB-402F-47A2-2405-9350128AE6AB}"/>
+              </a:ext>
+            </a:extLst>
+          </p:cNvPr>
+          <p:cNvSpPr>
+            <a:spLocks noGrp="1"/>
+          </p:cNvSpPr>
+          <p:nvPr>
+            <p:ph type="body" idx="1"/>
+          </p:nvPr>
+        </p:nvSpPr>
+        <p:spPr/>
+        <p:txBody>
+          <a:bodyPr/>
+          <a:lstStyle/>
+          <a:p>
+            <a:r>
+              <a:rPr lang="en-US" dirty="0"/>
+              <a:t>Currently a user has to manually</a:t>
+            </a:r>
+          </a:p>
+          <a:p>
+            <a:pPr lvl="1"/>
+            <a:r>
+              <a:rPr lang="en-US" dirty="0">
+                <a:solidFill>
+                  <a:schemeClr val="bg1"/>
+                </a:solidFill>
+              </a:rPr>
+              <a:t>Search out top ten songs in their area</a:t>
+            </a:r>
+          </a:p>
+          <a:p>
+            <a:pPr lvl="1"/>
+            <a:r>
+              <a:rPr lang="en-US" dirty="0">
+                <a:solidFill>
+                  <a:schemeClr val="bg1"/>
+                </a:solidFill>
+              </a:rPr>
+              <a:t>Google a song of interest</a:t>
+            </a:r>
+          </a:p>
+          <a:p>
+            <a:pPr lvl="1"/>
+            <a:r>
+              <a:rPr lang="en-US" dirty="0">
+                <a:solidFill>
+                  <a:schemeClr val="bg1"/>
+                </a:solidFill>
+              </a:rPr>
+              <a:t>Play the song, make sure song is playing in background</a:t>
+            </a:r>
+          </a:p>
+          <a:p>
+            <a:pPr lvl="1"/>
+            <a:r>
+              <a:rPr lang="en-US" dirty="0">
+                <a:solidFill>
+                  <a:schemeClr val="bg1"/>
+                </a:solidFill>
+              </a:rPr>
+              <a:t>Then Google the lyrics to appreciate it</a:t>
+            </a:r>
+          </a:p>
+          <a:p>
+            <a:pPr lvl="1"/>
+            <a:r>
+              <a:rPr lang="en-US" dirty="0">
+                <a:solidFill>
+                  <a:schemeClr val="bg1"/>
+                </a:solidFill>
+              </a:rPr>
+              <a:t>Then google any additional information</a:t>
+            </a:r>
+          </a:p>
+          <a:p>
+            <a:r>
+              <a:rPr lang="en-US" dirty="0"/>
+              <a:t>Our solution solves ALL of that!</a:t>
+            </a:r>
           </a:p>
         </p:txBody>
       </p:sp>
@@ -6204,15 +6872,257 @@
   <p:clrMapOvr>
     <a:masterClrMapping/>
   </p:clrMapOvr>
+  <p:timing>
+    <p:tnLst>
+      <p:par>
+        <p:cTn id="1" dur="indefinite" restart="never" nodeType="tmRoot">
+          <p:childTnLst>
+            <p:seq concurrent="1" nextAc="seek">
+              <p:cTn id="2" dur="indefinite" nodeType="mainSeq">
+                <p:childTnLst>
+                  <p:par>
+                    <p:cTn id="3" fill="hold">
+                      <p:stCondLst>
+                        <p:cond delay="indefinite"/>
+                        <p:cond evt="onBegin" delay="0">
+                          <p:tn val="2"/>
+                        </p:cond>
+                      </p:stCondLst>
+                      <p:childTnLst>
+                        <p:par>
+                          <p:cTn id="4" fill="hold">
+                            <p:stCondLst>
+                              <p:cond delay="0"/>
+                            </p:stCondLst>
+                            <p:childTnLst>
+                              <p:par>
+                                <p:cTn id="5" presetID="1" presetClass="entr" presetSubtype="0" fill="hold" nodeType="afterEffect">
+                                  <p:stCondLst>
+                                    <p:cond delay="0"/>
+                                  </p:stCondLst>
+                                  <p:childTnLst>
+                                    <p:set>
+                                      <p:cBhvr>
+                                        <p:cTn id="6" dur="1" fill="hold">
+                                          <p:stCondLst>
+                                            <p:cond delay="0"/>
+                                          </p:stCondLst>
+                                        </p:cTn>
+                                        <p:tgtEl>
+                                          <p:spTgt spid="2">
+                                            <p:txEl>
+                                              <p:pRg st="1" end="1"/>
+                                            </p:txEl>
+                                          </p:spTgt>
+                                        </p:tgtEl>
+                                        <p:attrNameLst>
+                                          <p:attrName>style.visibility</p:attrName>
+                                        </p:attrNameLst>
+                                      </p:cBhvr>
+                                      <p:to>
+                                        <p:strVal val="visible"/>
+                                      </p:to>
+                                    </p:set>
+                                  </p:childTnLst>
+                                </p:cTn>
+                              </p:par>
+                            </p:childTnLst>
+                          </p:cTn>
+                        </p:par>
+                        <p:par>
+                          <p:cTn id="7" fill="hold">
+                            <p:stCondLst>
+                              <p:cond delay="0"/>
+                            </p:stCondLst>
+                            <p:childTnLst>
+                              <p:par>
+                                <p:cTn id="8" presetID="1" presetClass="entr" presetSubtype="0" fill="hold" nodeType="afterEffect">
+                                  <p:stCondLst>
+                                    <p:cond delay="0"/>
+                                  </p:stCondLst>
+                                  <p:childTnLst>
+                                    <p:set>
+                                      <p:cBhvr>
+                                        <p:cTn id="9" dur="1" fill="hold">
+                                          <p:stCondLst>
+                                            <p:cond delay="0"/>
+                                          </p:stCondLst>
+                                        </p:cTn>
+                                        <p:tgtEl>
+                                          <p:spTgt spid="2">
+                                            <p:txEl>
+                                              <p:pRg st="2" end="2"/>
+                                            </p:txEl>
+                                          </p:spTgt>
+                                        </p:tgtEl>
+                                        <p:attrNameLst>
+                                          <p:attrName>style.visibility</p:attrName>
+                                        </p:attrNameLst>
+                                      </p:cBhvr>
+                                      <p:to>
+                                        <p:strVal val="visible"/>
+                                      </p:to>
+                                    </p:set>
+                                  </p:childTnLst>
+                                </p:cTn>
+                              </p:par>
+                            </p:childTnLst>
+                          </p:cTn>
+                        </p:par>
+                        <p:par>
+                          <p:cTn id="10" fill="hold">
+                            <p:stCondLst>
+                              <p:cond delay="0"/>
+                            </p:stCondLst>
+                            <p:childTnLst>
+                              <p:par>
+                                <p:cTn id="11" presetID="1" presetClass="entr" presetSubtype="0" fill="hold" nodeType="afterEffect">
+                                  <p:stCondLst>
+                                    <p:cond delay="0"/>
+                                  </p:stCondLst>
+                                  <p:childTnLst>
+                                    <p:set>
+                                      <p:cBhvr>
+                                        <p:cTn id="12" dur="1" fill="hold">
+                                          <p:stCondLst>
+                                            <p:cond delay="0"/>
+                                          </p:stCondLst>
+                                        </p:cTn>
+                                        <p:tgtEl>
+                                          <p:spTgt spid="2">
+                                            <p:txEl>
+                                              <p:pRg st="3" end="3"/>
+                                            </p:txEl>
+                                          </p:spTgt>
+                                        </p:tgtEl>
+                                        <p:attrNameLst>
+                                          <p:attrName>style.visibility</p:attrName>
+                                        </p:attrNameLst>
+                                      </p:cBhvr>
+                                      <p:to>
+                                        <p:strVal val="visible"/>
+                                      </p:to>
+                                    </p:set>
+                                  </p:childTnLst>
+                                </p:cTn>
+                              </p:par>
+                            </p:childTnLst>
+                          </p:cTn>
+                        </p:par>
+                        <p:par>
+                          <p:cTn id="13" fill="hold">
+                            <p:stCondLst>
+                              <p:cond delay="0"/>
+                            </p:stCondLst>
+                            <p:childTnLst>
+                              <p:par>
+                                <p:cTn id="14" presetID="1" presetClass="entr" presetSubtype="0" fill="hold" nodeType="afterEffect">
+                                  <p:stCondLst>
+                                    <p:cond delay="0"/>
+                                  </p:stCondLst>
+                                  <p:childTnLst>
+                                    <p:set>
+                                      <p:cBhvr>
+                                        <p:cTn id="15" dur="1" fill="hold">
+                                          <p:stCondLst>
+                                            <p:cond delay="0"/>
+                                          </p:stCondLst>
+                                        </p:cTn>
+                                        <p:tgtEl>
+                                          <p:spTgt spid="2">
+                                            <p:txEl>
+                                              <p:pRg st="4" end="4"/>
+                                            </p:txEl>
+                                          </p:spTgt>
+                                        </p:tgtEl>
+                                        <p:attrNameLst>
+                                          <p:attrName>style.visibility</p:attrName>
+                                        </p:attrNameLst>
+                                      </p:cBhvr>
+                                      <p:to>
+                                        <p:strVal val="visible"/>
+                                      </p:to>
+                                    </p:set>
+                                  </p:childTnLst>
+                                </p:cTn>
+                              </p:par>
+                            </p:childTnLst>
+                          </p:cTn>
+                        </p:par>
+                        <p:par>
+                          <p:cTn id="16" fill="hold">
+                            <p:stCondLst>
+                              <p:cond delay="0"/>
+                            </p:stCondLst>
+                            <p:childTnLst>
+                              <p:par>
+                                <p:cTn id="17" presetID="1" presetClass="entr" presetSubtype="0" fill="hold" nodeType="afterEffect">
+                                  <p:stCondLst>
+                                    <p:cond delay="0"/>
+                                  </p:stCondLst>
+                                  <p:childTnLst>
+                                    <p:set>
+                                      <p:cBhvr>
+                                        <p:cTn id="18" dur="1" fill="hold">
+                                          <p:stCondLst>
+                                            <p:cond delay="0"/>
+                                          </p:stCondLst>
+                                        </p:cTn>
+                                        <p:tgtEl>
+                                          <p:spTgt spid="2">
+                                            <p:txEl>
+                                              <p:pRg st="5" end="5"/>
+                                            </p:txEl>
+                                          </p:spTgt>
+                                        </p:tgtEl>
+                                        <p:attrNameLst>
+                                          <p:attrName>style.visibility</p:attrName>
+                                        </p:attrNameLst>
+                                      </p:cBhvr>
+                                      <p:to>
+                                        <p:strVal val="visible"/>
+                                      </p:to>
+                                    </p:set>
+                                  </p:childTnLst>
+                                </p:cTn>
+                              </p:par>
+                            </p:childTnLst>
+                          </p:cTn>
+                        </p:par>
+                      </p:childTnLst>
+                    </p:cTn>
+                  </p:par>
+                </p:childTnLst>
+              </p:cTn>
+              <p:prevCondLst>
+                <p:cond evt="onPrev" delay="0">
+                  <p:tgtEl>
+                    <p:sldTgt/>
+                  </p:tgtEl>
+                </p:cond>
+              </p:prevCondLst>
+              <p:nextCondLst>
+                <p:cond evt="onNext" delay="0">
+                  <p:tgtEl>
+                    <p:sldTgt/>
+                  </p:tgtEl>
+                </p:cond>
+              </p:nextCondLst>
+            </p:seq>
+          </p:childTnLst>
+        </p:cTn>
+      </p:par>
+    </p:tnLst>
+  </p:timing>
 </p:sld>
 </file>
 
 <file path=ppt/slides/slide3.xml><?xml version="1.0" encoding="utf-8"?>
-<p:sld xmlns:a="http://schemas.openxmlformats.org/drawingml/2006/main" xmlns:r="http://schemas.openxmlformats.org/officeDocument/2006/relationships" xmlns:mc="http://schemas.openxmlformats.org/markup-compatibility/2006" xmlns:mv="urn:schemas-microsoft-com:mac:vml" xmlns:p="http://schemas.openxmlformats.org/presentationml/2006/main" xmlns:c="http://schemas.openxmlformats.org/drawingml/2006/chart" xmlns:dgm="http://schemas.openxmlformats.org/drawingml/2006/diagram" xmlns:o="urn:schemas-microsoft-com:office:office" xmlns:v="urn:schemas-microsoft-com:vml" xmlns:pvml="urn:schemas-microsoft-com:office:powerpoint" xmlns:com="http://schemas.openxmlformats.org/drawingml/2006/compatibility" xmlns:p14="http://schemas.microsoft.com/office/powerpoint/2010/main" xmlns:p15="http://schemas.microsoft.com/office/powerpoint/2012/main" xmlns:ahyp="http://schemas.microsoft.com/office/drawing/2018/hyperlinkcolor">
+<p:sld xmlns:a="http://schemas.openxmlformats.org/drawingml/2006/main" xmlns:r="http://schemas.openxmlformats.org/officeDocument/2006/relationships" xmlns:p="http://schemas.openxmlformats.org/presentationml/2006/main">
   <p:cSld>
     <p:spTree>
       <p:nvGrpSpPr>
-        <p:cNvPr id="64" name="Shape 64"/>
+        <p:cNvPr id="1" name="Shape 64"/>
         <p:cNvGrpSpPr/>
         <p:nvPr/>
       </p:nvGrpSpPr>
@@ -6227,115 +7137,75 @@
       <p:sp>
         <p:nvSpPr>
           <p:cNvPr id="65" name="Google Shape;65;p15"/>
-          <p:cNvSpPr txBox="1"/>
+          <p:cNvSpPr txBox="1">
+            <a:spLocks noGrp="1"/>
+          </p:cNvSpPr>
           <p:nvPr>
             <p:ph type="title"/>
           </p:nvPr>
         </p:nvSpPr>
         <p:spPr>
-          <a:xfrm>
-            <a:off x="311700" y="445025"/>
-            <a:ext cx="8520600" cy="572700"/>
-          </a:xfrm>
           <a:prstGeom prst="rect">
             <a:avLst/>
           </a:prstGeom>
         </p:spPr>
         <p:txBody>
-          <a:bodyPr anchorCtr="0" anchor="t" bIns="91425" lIns="91425" spcFirstLastPara="1" rIns="91425" wrap="square" tIns="91425">
+          <a:bodyPr spcFirstLastPara="1" wrap="square" lIns="91425" tIns="91425" rIns="91425" bIns="91425" anchor="t" anchorCtr="0">
             <a:noAutofit/>
           </a:bodyPr>
           <a:lstStyle/>
           <a:p>
-            <a:pPr indent="0" lvl="0" marL="0" rtl="0" algn="l">
-              <a:spcBef>
-                <a:spcPts val="0"/>
-              </a:spcBef>
-              <a:spcAft>
-                <a:spcPts val="0"/>
-              </a:spcAft>
-              <a:buNone/>
-            </a:pPr>
             <a:r>
-              <a:rPr lang="en"/>
+              <a:rPr lang="en" dirty="0"/>
               <a:t>Concept</a:t>
             </a:r>
-            <a:endParaRPr/>
+            <a:endParaRPr dirty="0"/>
           </a:p>
         </p:txBody>
       </p:sp>
       <p:sp>
         <p:nvSpPr>
           <p:cNvPr id="66" name="Google Shape;66;p15"/>
-          <p:cNvSpPr txBox="1"/>
+          <p:cNvSpPr txBox="1">
+            <a:spLocks noGrp="1"/>
+          </p:cNvSpPr>
           <p:nvPr>
-            <p:ph idx="1" type="body"/>
+            <p:ph type="body" idx="1"/>
           </p:nvPr>
         </p:nvSpPr>
         <p:spPr>
-          <a:xfrm>
-            <a:off x="311700" y="1152475"/>
-            <a:ext cx="8520600" cy="3416400"/>
-          </a:xfrm>
           <a:prstGeom prst="rect">
             <a:avLst/>
           </a:prstGeom>
         </p:spPr>
         <p:txBody>
-          <a:bodyPr anchorCtr="0" anchor="t" bIns="91425" lIns="91425" spcFirstLastPara="1" rIns="91425" wrap="square" tIns="91425">
+          <a:bodyPr spcFirstLastPara="1" wrap="square" lIns="91425" tIns="91425" rIns="91425" bIns="91425" anchor="t" anchorCtr="0">
             <a:noAutofit/>
           </a:bodyPr>
           <a:lstStyle/>
           <a:p>
-            <a:pPr indent="-342900" lvl="0" marL="457200" rtl="0" algn="l">
-              <a:spcBef>
-                <a:spcPts val="0"/>
-              </a:spcBef>
-              <a:spcAft>
-                <a:spcPts val="0"/>
-              </a:spcAft>
-              <a:buSzPts val="1800"/>
-              <a:buChar char="●"/>
-            </a:pPr>
             <a:r>
-              <a:rPr lang="en"/>
-              <a:t>Description</a:t>
+              <a:rPr lang="en" dirty="0"/>
+              <a:t>Finding current top 10 music tracks on different services, and being able to enjoy them and research relevant info in one place</a:t>
             </a:r>
-            <a:endParaRPr/>
-          </a:p>
-          <a:p>
-            <a:pPr indent="-342900" lvl="0" marL="457200" rtl="0" algn="l">
-              <a:spcBef>
-                <a:spcPts val="0"/>
-              </a:spcBef>
-              <a:spcAft>
-                <a:spcPts val="0"/>
-              </a:spcAft>
-              <a:buSzPts val="1800"/>
-              <a:buChar char="●"/>
-            </a:pPr>
+            <a:endParaRPr dirty="0"/>
+          </a:p>
+          <a:p>
             <a:r>
-              <a:rPr lang="en"/>
-              <a:t>Motivation for development?</a:t>
+              <a:rPr lang="en-AU" dirty="0"/>
+              <a:t>Our motivation was the messing around and inconvenience of finding interesting relevant information about popular new music</a:t>
             </a:r>
-            <a:endParaRPr/>
-          </a:p>
-          <a:p>
-            <a:pPr indent="-342900" lvl="0" marL="457200" rtl="0" algn="l">
-              <a:spcBef>
-                <a:spcPts val="0"/>
-              </a:spcBef>
-              <a:spcAft>
-                <a:spcPts val="0"/>
-              </a:spcAft>
-              <a:buSzPts val="1800"/>
-              <a:buChar char="●"/>
-            </a:pPr>
+            <a:endParaRPr dirty="0"/>
+          </a:p>
+          <a:p>
             <a:r>
-              <a:rPr lang="en"/>
+              <a:rPr lang="en" dirty="0"/>
               <a:t>User story</a:t>
             </a:r>
-            <a:endParaRPr/>
+          </a:p>
+          <a:p>
+            <a:pPr lvl="1"/>
+            <a:endParaRPr dirty="0"/>
           </a:p>
         </p:txBody>
       </p:sp>
@@ -6348,11 +7218,11 @@
 </file>
 
 <file path=ppt/slides/slide4.xml><?xml version="1.0" encoding="utf-8"?>
-<p:sld xmlns:a="http://schemas.openxmlformats.org/drawingml/2006/main" xmlns:r="http://schemas.openxmlformats.org/officeDocument/2006/relationships" xmlns:mc="http://schemas.openxmlformats.org/markup-compatibility/2006" xmlns:mv="urn:schemas-microsoft-com:mac:vml" xmlns:p="http://schemas.openxmlformats.org/presentationml/2006/main" xmlns:c="http://schemas.openxmlformats.org/drawingml/2006/chart" xmlns:dgm="http://schemas.openxmlformats.org/drawingml/2006/diagram" xmlns:o="urn:schemas-microsoft-com:office:office" xmlns:v="urn:schemas-microsoft-com:vml" xmlns:pvml="urn:schemas-microsoft-com:office:powerpoint" xmlns:com="http://schemas.openxmlformats.org/drawingml/2006/compatibility" xmlns:p14="http://schemas.microsoft.com/office/powerpoint/2010/main" xmlns:p15="http://schemas.microsoft.com/office/powerpoint/2012/main" xmlns:ahyp="http://schemas.microsoft.com/office/drawing/2018/hyperlinkcolor">
+<p:sld xmlns:a="http://schemas.openxmlformats.org/drawingml/2006/main" xmlns:r="http://schemas.openxmlformats.org/officeDocument/2006/relationships" xmlns:p="http://schemas.openxmlformats.org/presentationml/2006/main">
   <p:cSld>
     <p:spTree>
       <p:nvGrpSpPr>
-        <p:cNvPr id="70" name="Shape 70"/>
+        <p:cNvPr id="1" name="Shape 70"/>
         <p:cNvGrpSpPr/>
         <p:nvPr/>
       </p:nvGrpSpPr>
@@ -6367,132 +7237,92 @@
       <p:sp>
         <p:nvSpPr>
           <p:cNvPr id="71" name="Google Shape;71;p16"/>
-          <p:cNvSpPr txBox="1"/>
+          <p:cNvSpPr txBox="1">
+            <a:spLocks noGrp="1"/>
+          </p:cNvSpPr>
           <p:nvPr>
             <p:ph type="title"/>
           </p:nvPr>
         </p:nvSpPr>
         <p:spPr>
-          <a:xfrm>
-            <a:off x="311700" y="445025"/>
-            <a:ext cx="8520600" cy="572700"/>
-          </a:xfrm>
           <a:prstGeom prst="rect">
             <a:avLst/>
           </a:prstGeom>
         </p:spPr>
         <p:txBody>
-          <a:bodyPr anchorCtr="0" anchor="t" bIns="91425" lIns="91425" spcFirstLastPara="1" rIns="91425" wrap="square" tIns="91425">
+          <a:bodyPr spcFirstLastPara="1" wrap="square" lIns="91425" tIns="91425" rIns="91425" bIns="91425" anchor="t" anchorCtr="0">
             <a:noAutofit/>
           </a:bodyPr>
           <a:lstStyle/>
           <a:p>
-            <a:pPr indent="0" lvl="0" marL="0" rtl="0" algn="l">
-              <a:spcBef>
-                <a:spcPts val="0"/>
-              </a:spcBef>
-              <a:spcAft>
-                <a:spcPts val="0"/>
-              </a:spcAft>
-              <a:buNone/>
-            </a:pPr>
             <a:r>
-              <a:rPr lang="en"/>
-              <a:t>Process</a:t>
+              <a:rPr lang="en-AU" dirty="0"/>
+              <a:t>Technologies used</a:t>
             </a:r>
-            <a:endParaRPr/>
+            <a:br>
+              <a:rPr lang="en-AU" dirty="0"/>
+            </a:br>
+            <a:endParaRPr dirty="0"/>
           </a:p>
         </p:txBody>
       </p:sp>
       <p:sp>
         <p:nvSpPr>
           <p:cNvPr id="72" name="Google Shape;72;p16"/>
-          <p:cNvSpPr txBox="1"/>
+          <p:cNvSpPr txBox="1">
+            <a:spLocks noGrp="1"/>
+          </p:cNvSpPr>
           <p:nvPr>
-            <p:ph idx="1" type="body"/>
+            <p:ph type="body" idx="1"/>
           </p:nvPr>
         </p:nvSpPr>
         <p:spPr>
-          <a:xfrm>
-            <a:off x="311700" y="1152475"/>
-            <a:ext cx="8520600" cy="3416400"/>
-          </a:xfrm>
           <a:prstGeom prst="rect">
             <a:avLst/>
           </a:prstGeom>
         </p:spPr>
         <p:txBody>
-          <a:bodyPr anchorCtr="0" anchor="t" bIns="91425" lIns="91425" spcFirstLastPara="1" rIns="91425" wrap="square" tIns="91425">
+          <a:bodyPr spcFirstLastPara="1" wrap="square" lIns="91425" tIns="91425" rIns="91425" bIns="91425" anchor="t" anchorCtr="0">
             <a:noAutofit/>
           </a:bodyPr>
           <a:lstStyle/>
           <a:p>
-            <a:pPr indent="-342900" lvl="0" marL="457200" rtl="0" algn="l">
-              <a:spcBef>
-                <a:spcPts val="0"/>
-              </a:spcBef>
-              <a:spcAft>
-                <a:spcPts val="0"/>
-              </a:spcAft>
-              <a:buSzPts val="1800"/>
-              <a:buChar char="●"/>
-            </a:pPr>
             <a:r>
-              <a:rPr lang="en"/>
-              <a:t>Technologies used</a:t>
+              <a:rPr lang="en-AU" dirty="0"/>
+              <a:t>Project built on HTML with CSS and JavaScript</a:t>
             </a:r>
-            <a:endParaRPr/>
-          </a:p>
-          <a:p>
-            <a:pPr indent="-342900" lvl="0" marL="457200" rtl="0" algn="l">
-              <a:spcBef>
-                <a:spcPts val="0"/>
-              </a:spcBef>
-              <a:spcAft>
-                <a:spcPts val="0"/>
-              </a:spcAft>
-              <a:buSzPts val="1800"/>
-              <a:buChar char="●"/>
-            </a:pPr>
+          </a:p>
+          <a:p>
             <a:r>
-              <a:rPr lang="en"/>
-              <a:t>Breakdown of tasks and roles</a:t>
+              <a:rPr lang="en-AU" dirty="0"/>
+              <a:t>Materialize CSS framework was used for rapid development</a:t>
             </a:r>
-            <a:endParaRPr/>
-          </a:p>
-          <a:p>
-            <a:pPr indent="-342900" lvl="0" marL="457200" rtl="0" algn="l">
-              <a:spcBef>
-                <a:spcPts val="0"/>
-              </a:spcBef>
-              <a:spcAft>
-                <a:spcPts val="0"/>
-              </a:spcAft>
-              <a:buSzPts val="1800"/>
-              <a:buChar char="●"/>
-            </a:pPr>
+          </a:p>
+          <a:p>
+            <a:pPr lvl="1"/>
             <a:r>
-              <a:rPr lang="en"/>
-              <a:t>Challenges</a:t>
+              <a:rPr lang="en-AU" dirty="0" err="1">
+                <a:solidFill>
+                  <a:schemeClr val="bg1"/>
+                </a:solidFill>
+              </a:rPr>
+              <a:t>Jquery</a:t>
             </a:r>
-            <a:endParaRPr/>
-          </a:p>
-          <a:p>
-            <a:pPr indent="-342900" lvl="0" marL="457200" rtl="0" algn="l">
-              <a:spcBef>
-                <a:spcPts val="0"/>
-              </a:spcBef>
-              <a:spcAft>
-                <a:spcPts val="0"/>
-              </a:spcAft>
-              <a:buSzPts val="1800"/>
-              <a:buChar char="●"/>
-            </a:pPr>
             <a:r>
-              <a:rPr lang="en"/>
-              <a:t>Successes</a:t>
+              <a:rPr lang="en-AU" dirty="0">
+                <a:solidFill>
+                  <a:schemeClr val="bg1"/>
+                </a:solidFill>
+              </a:rPr>
+              <a:t> is used within Materialize, but was not used within the application otherwise</a:t>
             </a:r>
-            <a:endParaRPr/>
+          </a:p>
+          <a:p>
+            <a:endParaRPr dirty="0">
+              <a:solidFill>
+                <a:schemeClr val="bg1"/>
+              </a:solidFill>
+            </a:endParaRPr>
           </a:p>
         </p:txBody>
       </p:sp>
@@ -6505,11 +7335,341 @@
 </file>
 
 <file path=ppt/slides/slide5.xml><?xml version="1.0" encoding="utf-8"?>
-<p:sld xmlns:a="http://schemas.openxmlformats.org/drawingml/2006/main" xmlns:r="http://schemas.openxmlformats.org/officeDocument/2006/relationships" xmlns:mc="http://schemas.openxmlformats.org/markup-compatibility/2006" xmlns:mv="urn:schemas-microsoft-com:mac:vml" xmlns:p="http://schemas.openxmlformats.org/presentationml/2006/main" xmlns:c="http://schemas.openxmlformats.org/drawingml/2006/chart" xmlns:dgm="http://schemas.openxmlformats.org/drawingml/2006/diagram" xmlns:o="urn:schemas-microsoft-com:office:office" xmlns:v="urn:schemas-microsoft-com:vml" xmlns:pvml="urn:schemas-microsoft-com:office:powerpoint" xmlns:com="http://schemas.openxmlformats.org/drawingml/2006/compatibility" xmlns:p14="http://schemas.microsoft.com/office/powerpoint/2010/main" xmlns:p15="http://schemas.microsoft.com/office/powerpoint/2012/main" xmlns:ahyp="http://schemas.microsoft.com/office/drawing/2018/hyperlinkcolor">
+<p:sld xmlns:a="http://schemas.openxmlformats.org/drawingml/2006/main" xmlns:r="http://schemas.openxmlformats.org/officeDocument/2006/relationships" xmlns:p="http://schemas.openxmlformats.org/presentationml/2006/main">
   <p:cSld>
     <p:spTree>
       <p:nvGrpSpPr>
-        <p:cNvPr id="76" name="Shape 76"/>
+        <p:cNvPr id="1" name="Shape 70"/>
+        <p:cNvGrpSpPr/>
+        <p:nvPr/>
+      </p:nvGrpSpPr>
+      <p:grpSpPr>
+        <a:xfrm>
+          <a:off x="0" y="0"/>
+          <a:ext cx="0" cy="0"/>
+          <a:chOff x="0" y="0"/>
+          <a:chExt cx="0" cy="0"/>
+        </a:xfrm>
+      </p:grpSpPr>
+      <p:sp>
+        <p:nvSpPr>
+          <p:cNvPr id="71" name="Google Shape;71;p16"/>
+          <p:cNvSpPr txBox="1">
+            <a:spLocks noGrp="1"/>
+          </p:cNvSpPr>
+          <p:nvPr>
+            <p:ph type="title"/>
+          </p:nvPr>
+        </p:nvSpPr>
+        <p:spPr>
+          <a:prstGeom prst="rect">
+            <a:avLst/>
+          </a:prstGeom>
+        </p:spPr>
+        <p:txBody>
+          <a:bodyPr spcFirstLastPara="1" wrap="square" lIns="91425" tIns="91425" rIns="91425" bIns="91425" anchor="t" anchorCtr="0">
+            <a:noAutofit/>
+          </a:bodyPr>
+          <a:lstStyle/>
+          <a:p>
+            <a:r>
+              <a:rPr lang="en-AU" dirty="0"/>
+              <a:t>Breakdown of tasks and roles</a:t>
+            </a:r>
+            <a:br>
+              <a:rPr lang="en-AU" dirty="0"/>
+            </a:br>
+            <a:endParaRPr dirty="0"/>
+          </a:p>
+        </p:txBody>
+      </p:sp>
+      <p:sp>
+        <p:nvSpPr>
+          <p:cNvPr id="72" name="Google Shape;72;p16"/>
+          <p:cNvSpPr txBox="1">
+            <a:spLocks noGrp="1"/>
+          </p:cNvSpPr>
+          <p:nvPr>
+            <p:ph type="body" idx="1"/>
+          </p:nvPr>
+        </p:nvSpPr>
+        <p:spPr>
+          <a:prstGeom prst="rect">
+            <a:avLst/>
+          </a:prstGeom>
+        </p:spPr>
+        <p:txBody>
+          <a:bodyPr spcFirstLastPara="1" wrap="square" lIns="91425" tIns="91425" rIns="91425" bIns="91425" anchor="t" anchorCtr="0">
+            <a:noAutofit/>
+          </a:bodyPr>
+          <a:lstStyle/>
+          <a:p>
+            <a:r>
+              <a:rPr lang="en" dirty="0"/>
+              <a:t>Technologies used</a:t>
+            </a:r>
+            <a:endParaRPr dirty="0"/>
+          </a:p>
+          <a:p>
+            <a:r>
+              <a:rPr lang="en" dirty="0"/>
+              <a:t>Breakdown of tasks and roles</a:t>
+            </a:r>
+            <a:endParaRPr dirty="0"/>
+          </a:p>
+          <a:p>
+            <a:r>
+              <a:rPr lang="en" dirty="0"/>
+              <a:t>Challenges</a:t>
+            </a:r>
+            <a:endParaRPr dirty="0"/>
+          </a:p>
+          <a:p>
+            <a:r>
+              <a:rPr lang="en" dirty="0"/>
+              <a:t>Successes</a:t>
+            </a:r>
+            <a:endParaRPr dirty="0"/>
+          </a:p>
+        </p:txBody>
+      </p:sp>
+    </p:spTree>
+    <p:extLst>
+      <p:ext uri="{BB962C8B-B14F-4D97-AF65-F5344CB8AC3E}">
+        <p14:creationId xmlns:p14="http://schemas.microsoft.com/office/powerpoint/2010/main" val="3716434414"/>
+      </p:ext>
+    </p:extLst>
+  </p:cSld>
+  <p:clrMapOvr>
+    <a:masterClrMapping/>
+  </p:clrMapOvr>
+</p:sld>
+</file>
+
+<file path=ppt/slides/slide6.xml><?xml version="1.0" encoding="utf-8"?>
+<p:sld xmlns:a="http://schemas.openxmlformats.org/drawingml/2006/main" xmlns:r="http://schemas.openxmlformats.org/officeDocument/2006/relationships" xmlns:p="http://schemas.openxmlformats.org/presentationml/2006/main">
+  <p:cSld>
+    <p:spTree>
+      <p:nvGrpSpPr>
+        <p:cNvPr id="1" name="Shape 70"/>
+        <p:cNvGrpSpPr/>
+        <p:nvPr/>
+      </p:nvGrpSpPr>
+      <p:grpSpPr>
+        <a:xfrm>
+          <a:off x="0" y="0"/>
+          <a:ext cx="0" cy="0"/>
+          <a:chOff x="0" y="0"/>
+          <a:chExt cx="0" cy="0"/>
+        </a:xfrm>
+      </p:grpSpPr>
+      <p:sp>
+        <p:nvSpPr>
+          <p:cNvPr id="71" name="Google Shape;71;p16"/>
+          <p:cNvSpPr txBox="1">
+            <a:spLocks noGrp="1"/>
+          </p:cNvSpPr>
+          <p:nvPr>
+            <p:ph type="title"/>
+          </p:nvPr>
+        </p:nvSpPr>
+        <p:spPr>
+          <a:prstGeom prst="rect">
+            <a:avLst/>
+          </a:prstGeom>
+        </p:spPr>
+        <p:txBody>
+          <a:bodyPr spcFirstLastPara="1" wrap="square" lIns="91425" tIns="91425" rIns="91425" bIns="91425" anchor="t" anchorCtr="0">
+            <a:noAutofit/>
+          </a:bodyPr>
+          <a:lstStyle/>
+          <a:p>
+            <a:r>
+              <a:rPr lang="en" dirty="0"/>
+              <a:t>Challenges</a:t>
+            </a:r>
+            <a:endParaRPr dirty="0"/>
+          </a:p>
+        </p:txBody>
+      </p:sp>
+      <p:sp>
+        <p:nvSpPr>
+          <p:cNvPr id="72" name="Google Shape;72;p16"/>
+          <p:cNvSpPr txBox="1">
+            <a:spLocks noGrp="1"/>
+          </p:cNvSpPr>
+          <p:nvPr>
+            <p:ph type="body" idx="1"/>
+          </p:nvPr>
+        </p:nvSpPr>
+        <p:spPr>
+          <a:prstGeom prst="rect">
+            <a:avLst/>
+          </a:prstGeom>
+        </p:spPr>
+        <p:txBody>
+          <a:bodyPr spcFirstLastPara="1" wrap="square" lIns="91425" tIns="91425" rIns="91425" bIns="91425" anchor="t" anchorCtr="0">
+            <a:noAutofit/>
+          </a:bodyPr>
+          <a:lstStyle/>
+          <a:p>
+            <a:r>
+              <a:rPr lang="en" dirty="0"/>
+              <a:t>Technologies used</a:t>
+            </a:r>
+            <a:endParaRPr dirty="0"/>
+          </a:p>
+          <a:p>
+            <a:r>
+              <a:rPr lang="en" dirty="0"/>
+              <a:t>Breakdown of tasks and roles</a:t>
+            </a:r>
+            <a:endParaRPr dirty="0"/>
+          </a:p>
+          <a:p>
+            <a:r>
+              <a:rPr lang="en" dirty="0"/>
+              <a:t>Challenges</a:t>
+            </a:r>
+            <a:endParaRPr dirty="0"/>
+          </a:p>
+          <a:p>
+            <a:r>
+              <a:rPr lang="en" dirty="0"/>
+              <a:t>Successes</a:t>
+            </a:r>
+            <a:endParaRPr dirty="0"/>
+          </a:p>
+        </p:txBody>
+      </p:sp>
+    </p:spTree>
+    <p:extLst>
+      <p:ext uri="{BB962C8B-B14F-4D97-AF65-F5344CB8AC3E}">
+        <p14:creationId xmlns:p14="http://schemas.microsoft.com/office/powerpoint/2010/main" val="13108858"/>
+      </p:ext>
+    </p:extLst>
+  </p:cSld>
+  <p:clrMapOvr>
+    <a:masterClrMapping/>
+  </p:clrMapOvr>
+</p:sld>
+</file>
+
+<file path=ppt/slides/slide7.xml><?xml version="1.0" encoding="utf-8"?>
+<p:sld xmlns:a="http://schemas.openxmlformats.org/drawingml/2006/main" xmlns:r="http://schemas.openxmlformats.org/officeDocument/2006/relationships" xmlns:p="http://schemas.openxmlformats.org/presentationml/2006/main">
+  <p:cSld>
+    <p:spTree>
+      <p:nvGrpSpPr>
+        <p:cNvPr id="1" name="Shape 70"/>
+        <p:cNvGrpSpPr/>
+        <p:nvPr/>
+      </p:nvGrpSpPr>
+      <p:grpSpPr>
+        <a:xfrm>
+          <a:off x="0" y="0"/>
+          <a:ext cx="0" cy="0"/>
+          <a:chOff x="0" y="0"/>
+          <a:chExt cx="0" cy="0"/>
+        </a:xfrm>
+      </p:grpSpPr>
+      <p:sp>
+        <p:nvSpPr>
+          <p:cNvPr id="71" name="Google Shape;71;p16"/>
+          <p:cNvSpPr txBox="1">
+            <a:spLocks noGrp="1"/>
+          </p:cNvSpPr>
+          <p:nvPr>
+            <p:ph type="title"/>
+          </p:nvPr>
+        </p:nvSpPr>
+        <p:spPr>
+          <a:prstGeom prst="rect">
+            <a:avLst/>
+          </a:prstGeom>
+        </p:spPr>
+        <p:txBody>
+          <a:bodyPr spcFirstLastPara="1" wrap="square" lIns="91425" tIns="91425" rIns="91425" bIns="91425" anchor="t" anchorCtr="0">
+            <a:noAutofit/>
+          </a:bodyPr>
+          <a:lstStyle/>
+          <a:p>
+            <a:r>
+              <a:rPr lang="en" dirty="0"/>
+              <a:t>Successes</a:t>
+            </a:r>
+            <a:endParaRPr dirty="0"/>
+          </a:p>
+        </p:txBody>
+      </p:sp>
+      <p:sp>
+        <p:nvSpPr>
+          <p:cNvPr id="72" name="Google Shape;72;p16"/>
+          <p:cNvSpPr txBox="1">
+            <a:spLocks noGrp="1"/>
+          </p:cNvSpPr>
+          <p:nvPr>
+            <p:ph type="body" idx="1"/>
+          </p:nvPr>
+        </p:nvSpPr>
+        <p:spPr>
+          <a:prstGeom prst="rect">
+            <a:avLst/>
+          </a:prstGeom>
+        </p:spPr>
+        <p:txBody>
+          <a:bodyPr spcFirstLastPara="1" wrap="square" lIns="91425" tIns="91425" rIns="91425" bIns="91425" anchor="t" anchorCtr="0">
+            <a:noAutofit/>
+          </a:bodyPr>
+          <a:lstStyle/>
+          <a:p>
+            <a:r>
+              <a:rPr lang="en" dirty="0"/>
+              <a:t>Technologies used</a:t>
+            </a:r>
+            <a:endParaRPr dirty="0"/>
+          </a:p>
+          <a:p>
+            <a:r>
+              <a:rPr lang="en" dirty="0"/>
+              <a:t>Breakdown of tasks and roles</a:t>
+            </a:r>
+            <a:endParaRPr dirty="0"/>
+          </a:p>
+          <a:p>
+            <a:r>
+              <a:rPr lang="en" dirty="0"/>
+              <a:t>Challenges</a:t>
+            </a:r>
+            <a:endParaRPr dirty="0"/>
+          </a:p>
+          <a:p>
+            <a:r>
+              <a:rPr lang="en" dirty="0"/>
+              <a:t>Successes</a:t>
+            </a:r>
+            <a:endParaRPr dirty="0"/>
+          </a:p>
+        </p:txBody>
+      </p:sp>
+    </p:spTree>
+    <p:extLst>
+      <p:ext uri="{BB962C8B-B14F-4D97-AF65-F5344CB8AC3E}">
+        <p14:creationId xmlns:p14="http://schemas.microsoft.com/office/powerpoint/2010/main" val="1346403940"/>
+      </p:ext>
+    </p:extLst>
+  </p:cSld>
+  <p:clrMapOvr>
+    <a:masterClrMapping/>
+  </p:clrMapOvr>
+</p:sld>
+</file>
+
+<file path=ppt/slides/slide8.xml><?xml version="1.0" encoding="utf-8"?>
+<p:sld xmlns:a="http://schemas.openxmlformats.org/drawingml/2006/main" xmlns:r="http://schemas.openxmlformats.org/officeDocument/2006/relationships" xmlns:p="http://schemas.openxmlformats.org/presentationml/2006/main">
+  <p:cSld>
+    <p:spTree>
+      <p:nvGrpSpPr>
+        <p:cNvPr id="1" name="Shape 76"/>
         <p:cNvGrpSpPr/>
         <p:nvPr/>
       </p:nvGrpSpPr>
@@ -6524,35 +7684,24 @@
       <p:sp>
         <p:nvSpPr>
           <p:cNvPr id="77" name="Google Shape;77;p17"/>
-          <p:cNvSpPr txBox="1"/>
+          <p:cNvSpPr txBox="1">
+            <a:spLocks noGrp="1"/>
+          </p:cNvSpPr>
           <p:nvPr>
             <p:ph type="title"/>
           </p:nvPr>
         </p:nvSpPr>
         <p:spPr>
-          <a:xfrm>
-            <a:off x="311700" y="2150850"/>
-            <a:ext cx="8520600" cy="841800"/>
-          </a:xfrm>
           <a:prstGeom prst="rect">
             <a:avLst/>
           </a:prstGeom>
         </p:spPr>
         <p:txBody>
-          <a:bodyPr anchorCtr="0" anchor="ctr" bIns="91425" lIns="91425" spcFirstLastPara="1" rIns="91425" wrap="square" tIns="91425">
+          <a:bodyPr spcFirstLastPara="1" wrap="square" lIns="91425" tIns="91425" rIns="91425" bIns="91425" anchor="ctr" anchorCtr="0">
             <a:noAutofit/>
           </a:bodyPr>
           <a:lstStyle/>
           <a:p>
-            <a:pPr indent="0" lvl="0" marL="0" rtl="0" algn="ctr">
-              <a:spcBef>
-                <a:spcPts val="0"/>
-              </a:spcBef>
-              <a:spcAft>
-                <a:spcPts val="0"/>
-              </a:spcAft>
-              <a:buNone/>
-            </a:pPr>
             <a:r>
               <a:rPr lang="en"/>
               <a:t>Demo</a:t>
@@ -6569,12 +7718,12 @@
 </p:sld>
 </file>
 
-<file path=ppt/slides/slide6.xml><?xml version="1.0" encoding="utf-8"?>
-<p:sld xmlns:a="http://schemas.openxmlformats.org/drawingml/2006/main" xmlns:r="http://schemas.openxmlformats.org/officeDocument/2006/relationships" xmlns:mc="http://schemas.openxmlformats.org/markup-compatibility/2006" xmlns:mv="urn:schemas-microsoft-com:mac:vml" xmlns:p="http://schemas.openxmlformats.org/presentationml/2006/main" xmlns:c="http://schemas.openxmlformats.org/drawingml/2006/chart" xmlns:dgm="http://schemas.openxmlformats.org/drawingml/2006/diagram" xmlns:o="urn:schemas-microsoft-com:office:office" xmlns:v="urn:schemas-microsoft-com:vml" xmlns:pvml="urn:schemas-microsoft-com:office:powerpoint" xmlns:com="http://schemas.openxmlformats.org/drawingml/2006/compatibility" xmlns:p14="http://schemas.microsoft.com/office/powerpoint/2010/main" xmlns:p15="http://schemas.microsoft.com/office/powerpoint/2012/main" xmlns:ahyp="http://schemas.microsoft.com/office/drawing/2018/hyperlinkcolor">
+<file path=ppt/slides/slide9.xml><?xml version="1.0" encoding="utf-8"?>
+<p:sld xmlns:a="http://schemas.openxmlformats.org/drawingml/2006/main" xmlns:r="http://schemas.openxmlformats.org/officeDocument/2006/relationships" xmlns:p="http://schemas.openxmlformats.org/presentationml/2006/main">
   <p:cSld>
     <p:spTree>
       <p:nvGrpSpPr>
-        <p:cNvPr id="81" name="Shape 81"/>
+        <p:cNvPr id="1" name="Shape 81"/>
         <p:cNvGrpSpPr/>
         <p:nvPr/>
       </p:nvGrpSpPr>
@@ -6589,35 +7738,24 @@
       <p:sp>
         <p:nvSpPr>
           <p:cNvPr id="82" name="Google Shape;82;p18"/>
-          <p:cNvSpPr txBox="1"/>
+          <p:cNvSpPr txBox="1">
+            <a:spLocks noGrp="1"/>
+          </p:cNvSpPr>
           <p:nvPr>
             <p:ph type="title"/>
           </p:nvPr>
         </p:nvSpPr>
         <p:spPr>
-          <a:xfrm>
-            <a:off x="311700" y="445025"/>
-            <a:ext cx="8520600" cy="572700"/>
-          </a:xfrm>
           <a:prstGeom prst="rect">
             <a:avLst/>
           </a:prstGeom>
         </p:spPr>
         <p:txBody>
-          <a:bodyPr anchorCtr="0" anchor="t" bIns="91425" lIns="91425" spcFirstLastPara="1" rIns="91425" wrap="square" tIns="91425">
+          <a:bodyPr spcFirstLastPara="1" wrap="square" lIns="91425" tIns="91425" rIns="91425" bIns="91425" anchor="t" anchorCtr="0">
             <a:noAutofit/>
           </a:bodyPr>
           <a:lstStyle/>
           <a:p>
-            <a:pPr indent="0" lvl="0" marL="0" rtl="0" algn="l">
-              <a:spcBef>
-                <a:spcPts val="0"/>
-              </a:spcBef>
-              <a:spcAft>
-                <a:spcPts val="0"/>
-              </a:spcAft>
-              <a:buNone/>
-            </a:pPr>
             <a:r>
               <a:rPr lang="en"/>
               <a:t>Directions for Future Development</a:t>
@@ -6629,161 +7767,30 @@
       <p:sp>
         <p:nvSpPr>
           <p:cNvPr id="83" name="Google Shape;83;p18"/>
-          <p:cNvSpPr txBox="1"/>
+          <p:cNvSpPr txBox="1">
+            <a:spLocks noGrp="1"/>
+          </p:cNvSpPr>
           <p:nvPr>
-            <p:ph idx="1" type="body"/>
+            <p:ph type="body" idx="1"/>
           </p:nvPr>
         </p:nvSpPr>
         <p:spPr>
-          <a:xfrm>
-            <a:off x="311700" y="1152475"/>
-            <a:ext cx="8520600" cy="3416400"/>
-          </a:xfrm>
           <a:prstGeom prst="rect">
             <a:avLst/>
           </a:prstGeom>
         </p:spPr>
         <p:txBody>
-          <a:bodyPr anchorCtr="0" anchor="t" bIns="91425" lIns="91425" spcFirstLastPara="1" rIns="91425" wrap="square" tIns="91425">
+          <a:bodyPr spcFirstLastPara="1" wrap="square" lIns="91425" tIns="91425" rIns="91425" bIns="91425" anchor="t" anchorCtr="0">
             <a:noAutofit/>
           </a:bodyPr>
           <a:lstStyle/>
           <a:p>
-            <a:pPr indent="0" lvl="0" marL="0" rtl="0" algn="l">
-              <a:spcBef>
-                <a:spcPts val="0"/>
-              </a:spcBef>
+            <a:pPr marL="0" indent="0">
               <a:spcAft>
                 <a:spcPts val="1600"/>
               </a:spcAft>
               <a:buNone/>
             </a:pPr>
-            <a:r>
-              <a:t/>
-            </a:r>
-            <a:endParaRPr/>
-          </a:p>
-        </p:txBody>
-      </p:sp>
-    </p:spTree>
-  </p:cSld>
-  <p:clrMapOvr>
-    <a:masterClrMapping/>
-  </p:clrMapOvr>
-</p:sld>
-</file>
-
-<file path=ppt/slides/slide7.xml><?xml version="1.0" encoding="utf-8"?>
-<p:sld xmlns:a="http://schemas.openxmlformats.org/drawingml/2006/main" xmlns:r="http://schemas.openxmlformats.org/officeDocument/2006/relationships" xmlns:mc="http://schemas.openxmlformats.org/markup-compatibility/2006" xmlns:mv="urn:schemas-microsoft-com:mac:vml" xmlns:p="http://schemas.openxmlformats.org/presentationml/2006/main" xmlns:c="http://schemas.openxmlformats.org/drawingml/2006/chart" xmlns:dgm="http://schemas.openxmlformats.org/drawingml/2006/diagram" xmlns:o="urn:schemas-microsoft-com:office:office" xmlns:v="urn:schemas-microsoft-com:vml" xmlns:pvml="urn:schemas-microsoft-com:office:powerpoint" xmlns:com="http://schemas.openxmlformats.org/drawingml/2006/compatibility" xmlns:p14="http://schemas.microsoft.com/office/powerpoint/2010/main" xmlns:p15="http://schemas.microsoft.com/office/powerpoint/2012/main" xmlns:ahyp="http://schemas.microsoft.com/office/drawing/2018/hyperlinkcolor">
-  <p:cSld>
-    <p:spTree>
-      <p:nvGrpSpPr>
-        <p:cNvPr id="87" name="Shape 87"/>
-        <p:cNvGrpSpPr/>
-        <p:nvPr/>
-      </p:nvGrpSpPr>
-      <p:grpSpPr>
-        <a:xfrm>
-          <a:off x="0" y="0"/>
-          <a:ext cx="0" cy="0"/>
-          <a:chOff x="0" y="0"/>
-          <a:chExt cx="0" cy="0"/>
-        </a:xfrm>
-      </p:grpSpPr>
-      <p:sp>
-        <p:nvSpPr>
-          <p:cNvPr id="88" name="Google Shape;88;p19"/>
-          <p:cNvSpPr txBox="1"/>
-          <p:nvPr>
-            <p:ph type="title"/>
-          </p:nvPr>
-        </p:nvSpPr>
-        <p:spPr>
-          <a:xfrm>
-            <a:off x="311700" y="445025"/>
-            <a:ext cx="8520600" cy="572700"/>
-          </a:xfrm>
-          <a:prstGeom prst="rect">
-            <a:avLst/>
-          </a:prstGeom>
-        </p:spPr>
-        <p:txBody>
-          <a:bodyPr anchorCtr="0" anchor="t" bIns="91425" lIns="91425" spcFirstLastPara="1" rIns="91425" wrap="square" tIns="91425">
-            <a:noAutofit/>
-          </a:bodyPr>
-          <a:lstStyle/>
-          <a:p>
-            <a:pPr indent="0" lvl="0" marL="0" rtl="0" algn="l">
-              <a:spcBef>
-                <a:spcPts val="0"/>
-              </a:spcBef>
-              <a:spcAft>
-                <a:spcPts val="0"/>
-              </a:spcAft>
-              <a:buNone/>
-            </a:pPr>
-            <a:r>
-              <a:rPr lang="en"/>
-              <a:t>Links</a:t>
-            </a:r>
-            <a:endParaRPr/>
-          </a:p>
-        </p:txBody>
-      </p:sp>
-      <p:sp>
-        <p:nvSpPr>
-          <p:cNvPr id="89" name="Google Shape;89;p19"/>
-          <p:cNvSpPr txBox="1"/>
-          <p:nvPr>
-            <p:ph idx="1" type="body"/>
-          </p:nvPr>
-        </p:nvSpPr>
-        <p:spPr>
-          <a:xfrm>
-            <a:off x="311700" y="1152475"/>
-            <a:ext cx="8520600" cy="3416400"/>
-          </a:xfrm>
-          <a:prstGeom prst="rect">
-            <a:avLst/>
-          </a:prstGeom>
-        </p:spPr>
-        <p:txBody>
-          <a:bodyPr anchorCtr="0" anchor="t" bIns="91425" lIns="91425" spcFirstLastPara="1" rIns="91425" wrap="square" tIns="91425">
-            <a:noAutofit/>
-          </a:bodyPr>
-          <a:lstStyle/>
-          <a:p>
-            <a:pPr indent="-342900" lvl="0" marL="457200" rtl="0" algn="l">
-              <a:spcBef>
-                <a:spcPts val="0"/>
-              </a:spcBef>
-              <a:spcAft>
-                <a:spcPts val="0"/>
-              </a:spcAft>
-              <a:buSzPts val="1800"/>
-              <a:buChar char="●"/>
-            </a:pPr>
-            <a:r>
-              <a:rPr lang="en"/>
-              <a:t>Deployed</a:t>
-            </a:r>
-            <a:endParaRPr/>
-          </a:p>
-          <a:p>
-            <a:pPr indent="-342900" lvl="0" marL="457200" rtl="0" algn="l">
-              <a:spcBef>
-                <a:spcPts val="0"/>
-              </a:spcBef>
-              <a:spcAft>
-                <a:spcPts val="0"/>
-              </a:spcAft>
-              <a:buSzPts val="1800"/>
-              <a:buChar char="●"/>
-            </a:pPr>
-            <a:r>
-              <a:rPr lang="en"/>
-              <a:t>GitHub repo</a:t>
-            </a:r>
             <a:endParaRPr/>
           </a:p>
         </p:txBody>
@@ -6797,9 +7804,9 @@
 </file>
 
 <file path=ppt/theme/theme1.xml><?xml version="1.0" encoding="utf-8"?>
-<a:theme xmlns:a="http://schemas.openxmlformats.org/drawingml/2006/main" xmlns:r="http://schemas.openxmlformats.org/officeDocument/2006/relationships" name="Simple Light">
+<a:theme xmlns:a="http://schemas.openxmlformats.org/drawingml/2006/main" name="Simple Light">
   <a:themeElements>
-    <a:clrScheme name="Simple Light">
+    <a:clrScheme name="Custom 1">
       <a:dk1>
         <a:srgbClr val="000000"/>
       </a:dk1>
@@ -6837,22 +7844,22 @@
         <a:srgbClr val="0097A7"/>
       </a:folHlink>
     </a:clrScheme>
-    <a:fontScheme name="Office">
+    <a:fontScheme name="Trebuchet MS">
       <a:majorFont>
-        <a:latin typeface="Arial"/>
+        <a:latin typeface="Trebuchet MS" panose="020B0603020202020204"/>
         <a:ea typeface=""/>
         <a:cs typeface=""/>
-        <a:font script="Jpan" typeface="ＭＳ Ｐゴシック"/>
+        <a:font script="Jpan" typeface="HGｺﾞｼｯｸM"/>
         <a:font script="Hang" typeface="맑은 고딕"/>
-        <a:font script="Hans" typeface="宋体"/>
-        <a:font script="Hant" typeface="新細明體"/>
-        <a:font script="Arab" typeface="Times New Roman"/>
-        <a:font script="Hebr" typeface="Times New Roman"/>
-        <a:font script="Thai" typeface="Angsana New"/>
+        <a:font script="Hans" typeface="方正姚体"/>
+        <a:font script="Hant" typeface="微軟正黑體"/>
+        <a:font script="Arab" typeface="Tahoma"/>
+        <a:font script="Hebr" typeface="Arial"/>
+        <a:font script="Thai" typeface="Cordia New"/>
         <a:font script="Ethi" typeface="Nyala"/>
         <a:font script="Beng" typeface="Vrinda"/>
         <a:font script="Gujr" typeface="Shruti"/>
-        <a:font script="Khmr" typeface="MoolBoran"/>
+        <a:font script="Khmr" typeface="DaunPenh"/>
         <a:font script="Knda" typeface="Tunga"/>
         <a:font script="Guru" typeface="Raavi"/>
         <a:font script="Cans" typeface="Euphemia"/>
@@ -6869,21 +7876,21 @@
         <a:font script="Laoo" typeface="DokChampa"/>
         <a:font script="Sinh" typeface="Iskoola Pota"/>
         <a:font script="Mong" typeface="Mongolian Baiti"/>
-        <a:font script="Viet" typeface="Times New Roman"/>
+        <a:font script="Viet" typeface="Tahoma"/>
         <a:font script="Uigh" typeface="Microsoft Uighur"/>
         <a:font script="Geor" typeface="Sylfaen"/>
       </a:majorFont>
       <a:minorFont>
-        <a:latin typeface="Arial"/>
+        <a:latin typeface="Trebuchet MS" panose="020B0603020202020204"/>
         <a:ea typeface=""/>
         <a:cs typeface=""/>
-        <a:font script="Jpan" typeface="ＭＳ Ｐゴシック"/>
-        <a:font script="Hang" typeface="맑은 고딕"/>
-        <a:font script="Hans" typeface="宋体"/>
-        <a:font script="Hant" typeface="新細明體"/>
-        <a:font script="Arab" typeface="Arial"/>
-        <a:font script="Hebr" typeface="Arial"/>
-        <a:font script="Thai" typeface="Cordia New"/>
+        <a:font script="Jpan" typeface="HG丸ｺﾞｼｯｸM-PRO"/>
+        <a:font script="Hang" typeface="HY그래픽M"/>
+        <a:font script="Hans" typeface="华文新魏"/>
+        <a:font script="Hant" typeface="微軟正黑體"/>
+        <a:font script="Arab" typeface="Tahoma"/>
+        <a:font script="Hebr" typeface="Gisha"/>
+        <a:font script="Thai" typeface="IrisUPC"/>
         <a:font script="Ethi" typeface="Nyala"/>
         <a:font script="Beng" typeface="Vrinda"/>
         <a:font script="Gujr" typeface="Shruti"/>
@@ -7072,11 +8079,13 @@
       </a:bgFillStyleLst>
     </a:fmtScheme>
   </a:themeElements>
+  <a:objectDefaults/>
+  <a:extraClrSchemeLst/>
 </a:theme>
 </file>
 
 <file path=ppt/theme/theme2.xml><?xml version="1.0" encoding="utf-8"?>
-<a:theme xmlns:a="http://schemas.openxmlformats.org/drawingml/2006/main" xmlns:r="http://schemas.openxmlformats.org/officeDocument/2006/relationships">
+<a:theme xmlns:a="http://schemas.openxmlformats.org/drawingml/2006/main">
   <a:themeElements>
     <a:clrScheme name="Default">
       <a:dk1>
@@ -7351,5 +8360,7 @@
       </a:bgFillStyleLst>
     </a:fmtScheme>
   </a:themeElements>
+  <a:objectDefaults/>
+  <a:extraClrSchemeLst/>
 </a:theme>
 </file>
--- a/project/MAR Project-Presentation.pptx
+++ b/project/MAR Project-Presentation.pptx
@@ -1803,6 +1803,7 @@
                 <a:solidFill>
                   <a:schemeClr val="bg1"/>
                 </a:solidFill>
+                <a:latin typeface="+mj-lt"/>
               </a:defRPr>
             </a:lvl1pPr>
             <a:lvl2pPr lvl="1" algn="ctr">
@@ -1939,6 +1940,7 @@
                 <a:solidFill>
                   <a:schemeClr val="bg1"/>
                 </a:solidFill>
+                <a:latin typeface="+mn-lt"/>
               </a:defRPr>
             </a:lvl1pPr>
             <a:lvl2pPr lvl="1" algn="ctr">
@@ -2653,6 +2655,7 @@
                 <a:solidFill>
                   <a:schemeClr val="bg1"/>
                 </a:solidFill>
+                <a:latin typeface="+mj-lt"/>
               </a:defRPr>
             </a:lvl1pPr>
             <a:lvl2pPr lvl="1" algn="ctr">
@@ -2746,77 +2749,6 @@
           </a:lstStyle>
           <a:p>
             <a:endParaRPr dirty="0"/>
-          </a:p>
-        </p:txBody>
-      </p:sp>
-      <p:sp>
-        <p:nvSpPr>
-          <p:cNvPr id="15" name="Google Shape;15;p3"/>
-          <p:cNvSpPr txBox="1">
-            <a:spLocks noGrp="1"/>
-          </p:cNvSpPr>
-          <p:nvPr>
-            <p:ph type="sldNum" idx="12"/>
-          </p:nvPr>
-        </p:nvSpPr>
-        <p:spPr>
-          <a:xfrm>
-            <a:off x="8472459" y="4663217"/>
-            <a:ext cx="548700" cy="393600"/>
-          </a:xfrm>
-          <a:prstGeom prst="rect">
-            <a:avLst/>
-          </a:prstGeom>
-        </p:spPr>
-        <p:txBody>
-          <a:bodyPr spcFirstLastPara="1" wrap="square" lIns="91425" tIns="91425" rIns="91425" bIns="91425" anchor="ctr" anchorCtr="0">
-            <a:noAutofit/>
-          </a:bodyPr>
-          <a:lstStyle>
-            <a:lvl1pPr lvl="0">
-              <a:buNone/>
-              <a:defRPr/>
-            </a:lvl1pPr>
-            <a:lvl2pPr lvl="1">
-              <a:buNone/>
-              <a:defRPr/>
-            </a:lvl2pPr>
-            <a:lvl3pPr lvl="2">
-              <a:buNone/>
-              <a:defRPr/>
-            </a:lvl3pPr>
-            <a:lvl4pPr lvl="3">
-              <a:buNone/>
-              <a:defRPr/>
-            </a:lvl4pPr>
-            <a:lvl5pPr lvl="4">
-              <a:buNone/>
-              <a:defRPr/>
-            </a:lvl5pPr>
-            <a:lvl6pPr lvl="5">
-              <a:buNone/>
-              <a:defRPr/>
-            </a:lvl6pPr>
-            <a:lvl7pPr lvl="6">
-              <a:buNone/>
-              <a:defRPr/>
-            </a:lvl7pPr>
-            <a:lvl8pPr lvl="7">
-              <a:buNone/>
-              <a:defRPr/>
-            </a:lvl8pPr>
-            <a:lvl9pPr lvl="8">
-              <a:buNone/>
-              <a:defRPr/>
-            </a:lvl9pPr>
-          </a:lstStyle>
-          <a:p>
-            <a:fld id="{00000000-1234-1234-1234-123412341234}" type="slidenum">
-              <a:rPr lang="en" smtClean="0"/>
-              <a:pPr/>
-              <a:t>‹#›</a:t>
-            </a:fld>
-            <a:endParaRPr lang="en"/>
           </a:p>
         </p:txBody>
       </p:sp>
@@ -2882,6 +2814,7 @@
                 <a:solidFill>
                   <a:schemeClr val="bg1"/>
                 </a:solidFill>
+                <a:latin typeface="+mj-lt"/>
               </a:defRPr>
             </a:lvl1pPr>
             <a:lvl2pPr lvl="1">
@@ -3015,6 +2948,7 @@
                 <a:solidFill>
                   <a:schemeClr val="bg1"/>
                 </a:solidFill>
+                <a:latin typeface="+mn-lt"/>
               </a:defRPr>
             </a:lvl1pPr>
             <a:lvl2pPr marL="914400" lvl="1" indent="-317500">
@@ -3193,21 +3127,6 @@
 <file path=ppt/slideLayouts/slideLayout4.xml><?xml version="1.0" encoding="utf-8"?>
 <p:sldLayout xmlns:a="http://schemas.openxmlformats.org/drawingml/2006/main" xmlns:r="http://schemas.openxmlformats.org/officeDocument/2006/relationships" xmlns:p="http://schemas.openxmlformats.org/presentationml/2006/main" matchingName="Title and two columns" type="twoColTx">
   <p:cSld name="TITLE_AND_TWO_COLUMNS">
-    <p:bg>
-      <p:bgPr>
-        <a:blipFill dpi="0" rotWithShape="1">
-          <a:blip r:embed="rId2">
-            <a:alphaModFix amt="89948"/>
-            <a:lum/>
-          </a:blip>
-          <a:srcRect/>
-          <a:stretch>
-            <a:fillRect l="-4000" t="-12000" b="-15000"/>
-          </a:stretch>
-        </a:blipFill>
-        <a:effectLst/>
-      </p:bgPr>
-    </p:bg>
     <p:spTree>
       <p:nvGrpSpPr>
         <p:cNvPr id="1" name="Shape 20"/>
@@ -5201,7 +5120,6 @@
       <p:bgPr>
         <a:blipFill dpi="0" rotWithShape="1">
           <a:blip r:embed="rId13">
-            <a:alphaModFix amt="47274"/>
             <a:lum/>
           </a:blip>
           <a:srcRect/>
@@ -6681,10 +6599,14 @@
           <a:lstStyle/>
           <a:p>
             <a:r>
-              <a:rPr lang="en"/>
+              <a:rPr lang="en">
+                <a:latin typeface="+mj-lt"/>
+              </a:rPr>
               <a:t>Links</a:t>
             </a:r>
-            <a:endParaRPr/>
+            <a:endParaRPr>
+              <a:latin typeface="+mj-lt"/>
+            </a:endParaRPr>
           </a:p>
         </p:txBody>
       </p:sp>
@@ -6710,17 +6632,47 @@
           <a:lstStyle/>
           <a:p>
             <a:r>
-              <a:rPr lang="en"/>
-              <a:t>Deployed</a:t>
+              <a:rPr lang="en" dirty="0"/>
+              <a:t>Deployed - </a:t>
             </a:r>
-            <a:endParaRPr/>
-          </a:p>
-          <a:p>
             <a:r>
-              <a:rPr lang="en"/>
-              <a:t>GitHub repo</a:t>
+              <a:rPr lang="en-AU" dirty="0">
+                <a:hlinkClick r:id="rId3">
+                  <a:extLst>
+                    <a:ext uri="{A12FA001-AC4F-418D-AE19-62706E023703}">
+                      <ahyp:hlinkClr xmlns:ahyp="http://schemas.microsoft.com/office/drawing/2018/hyperlinkcolor" val="tx"/>
+                    </a:ext>
+                  </a:extLst>
+                </a:hlinkClick>
+              </a:rPr>
+              <a:t>https://rschragger.github.io/MAR</a:t>
             </a:r>
-            <a:endParaRPr/>
+            <a:endParaRPr dirty="0"/>
+          </a:p>
+          <a:p>
+            <a:r>
+              <a:rPr lang="en" dirty="0"/>
+              <a:t>GitHub repo - </a:t>
+            </a:r>
+            <a:r>
+              <a:rPr lang="en-AU" dirty="0">
+                <a:hlinkClick r:id="rId4">
+                  <a:extLst>
+                    <a:ext uri="{A12FA001-AC4F-418D-AE19-62706E023703}">
+                      <ahyp:hlinkClr xmlns:ahyp="http://schemas.microsoft.com/office/drawing/2018/hyperlinkcolor" val="tx"/>
+                    </a:ext>
+                  </a:extLst>
+                </a:hlinkClick>
+              </a:rPr>
+              <a:t>https://github.com/rschragger/MAR</a:t>
+            </a:r>
+            <a:endParaRPr lang="en-AU" dirty="0"/>
+          </a:p>
+          <a:p>
+            <a:endParaRPr lang="en-AU" dirty="0"/>
+          </a:p>
+          <a:p>
+            <a:endParaRPr dirty="0"/>
           </a:p>
         </p:txBody>
       </p:sp>
@@ -6884,9 +6836,6 @@
                     <p:cTn id="3" fill="hold">
                       <p:stCondLst>
                         <p:cond delay="indefinite"/>
-                        <p:cond evt="onBegin" delay="0">
-                          <p:tn val="2"/>
-                        </p:cond>
                       </p:stCondLst>
                       <p:childTnLst>
                         <p:par>
@@ -6896,7 +6845,7 @@
                             </p:stCondLst>
                             <p:childTnLst>
                               <p:par>
-                                <p:cTn id="5" presetID="1" presetClass="entr" presetSubtype="0" fill="hold" nodeType="afterEffect">
+                                <p:cTn id="5" presetID="1" presetClass="entr" presetSubtype="0" fill="hold" nodeType="clickEffect">
                                   <p:stCondLst>
                                     <p:cond delay="0"/>
                                   </p:stCondLst>
@@ -6904,6 +6853,55 @@
                                     <p:set>
                                       <p:cBhvr>
                                         <p:cTn id="6" dur="1" fill="hold">
+                                          <p:stCondLst>
+                                            <p:cond delay="0"/>
+                                          </p:stCondLst>
+                                        </p:cTn>
+                                        <p:tgtEl>
+                                          <p:spTgt spid="2">
+                                            <p:txEl>
+                                              <p:pRg st="0" end="0"/>
+                                            </p:txEl>
+                                          </p:spTgt>
+                                        </p:tgtEl>
+                                        <p:attrNameLst>
+                                          <p:attrName>style.visibility</p:attrName>
+                                        </p:attrNameLst>
+                                      </p:cBhvr>
+                                      <p:to>
+                                        <p:strVal val="visible"/>
+                                      </p:to>
+                                    </p:set>
+                                  </p:childTnLst>
+                                </p:cTn>
+                              </p:par>
+                            </p:childTnLst>
+                          </p:cTn>
+                        </p:par>
+                      </p:childTnLst>
+                    </p:cTn>
+                  </p:par>
+                  <p:par>
+                    <p:cTn id="7" fill="hold">
+                      <p:stCondLst>
+                        <p:cond delay="indefinite"/>
+                      </p:stCondLst>
+                      <p:childTnLst>
+                        <p:par>
+                          <p:cTn id="8" fill="hold">
+                            <p:stCondLst>
+                              <p:cond delay="0"/>
+                            </p:stCondLst>
+                            <p:childTnLst>
+                              <p:par>
+                                <p:cTn id="9" presetID="1" presetClass="entr" presetSubtype="0" fill="hold" nodeType="clickEffect">
+                                  <p:stCondLst>
+                                    <p:cond delay="0"/>
+                                  </p:stCondLst>
+                                  <p:childTnLst>
+                                    <p:set>
+                                      <p:cBhvr>
+                                        <p:cTn id="10" dur="1" fill="hold">
                                           <p:stCondLst>
                                             <p:cond delay="0"/>
                                           </p:stCondLst>
@@ -6929,21 +6927,30 @@
                             </p:childTnLst>
                           </p:cTn>
                         </p:par>
+                      </p:childTnLst>
+                    </p:cTn>
+                  </p:par>
+                  <p:par>
+                    <p:cTn id="11" fill="hold">
+                      <p:stCondLst>
+                        <p:cond delay="indefinite"/>
+                      </p:stCondLst>
+                      <p:childTnLst>
                         <p:par>
-                          <p:cTn id="7" fill="hold">
+                          <p:cTn id="12" fill="hold">
                             <p:stCondLst>
                               <p:cond delay="0"/>
                             </p:stCondLst>
                             <p:childTnLst>
                               <p:par>
-                                <p:cTn id="8" presetID="1" presetClass="entr" presetSubtype="0" fill="hold" nodeType="afterEffect">
+                                <p:cTn id="13" presetID="1" presetClass="entr" presetSubtype="0" fill="hold" nodeType="clickEffect">
                                   <p:stCondLst>
                                     <p:cond delay="0"/>
                                   </p:stCondLst>
                                   <p:childTnLst>
                                     <p:set>
                                       <p:cBhvr>
-                                        <p:cTn id="9" dur="1" fill="hold">
+                                        <p:cTn id="14" dur="1" fill="hold">
                                           <p:stCondLst>
                                             <p:cond delay="0"/>
                                           </p:stCondLst>
@@ -6969,21 +6976,30 @@
                             </p:childTnLst>
                           </p:cTn>
                         </p:par>
+                      </p:childTnLst>
+                    </p:cTn>
+                  </p:par>
+                  <p:par>
+                    <p:cTn id="15" fill="hold">
+                      <p:stCondLst>
+                        <p:cond delay="indefinite"/>
+                      </p:stCondLst>
+                      <p:childTnLst>
                         <p:par>
-                          <p:cTn id="10" fill="hold">
+                          <p:cTn id="16" fill="hold">
                             <p:stCondLst>
                               <p:cond delay="0"/>
                             </p:stCondLst>
                             <p:childTnLst>
                               <p:par>
-                                <p:cTn id="11" presetID="1" presetClass="entr" presetSubtype="0" fill="hold" nodeType="afterEffect">
+                                <p:cTn id="17" presetID="1" presetClass="entr" presetSubtype="0" fill="hold" nodeType="clickEffect">
                                   <p:stCondLst>
                                     <p:cond delay="0"/>
                                   </p:stCondLst>
                                   <p:childTnLst>
                                     <p:set>
                                       <p:cBhvr>
-                                        <p:cTn id="12" dur="1" fill="hold">
+                                        <p:cTn id="18" dur="1" fill="hold">
                                           <p:stCondLst>
                                             <p:cond delay="0"/>
                                           </p:stCondLst>
@@ -7009,21 +7025,30 @@
                             </p:childTnLst>
                           </p:cTn>
                         </p:par>
+                      </p:childTnLst>
+                    </p:cTn>
+                  </p:par>
+                  <p:par>
+                    <p:cTn id="19" fill="hold">
+                      <p:stCondLst>
+                        <p:cond delay="indefinite"/>
+                      </p:stCondLst>
+                      <p:childTnLst>
                         <p:par>
-                          <p:cTn id="13" fill="hold">
+                          <p:cTn id="20" fill="hold">
                             <p:stCondLst>
                               <p:cond delay="0"/>
                             </p:stCondLst>
                             <p:childTnLst>
                               <p:par>
-                                <p:cTn id="14" presetID="1" presetClass="entr" presetSubtype="0" fill="hold" nodeType="afterEffect">
+                                <p:cTn id="21" presetID="1" presetClass="entr" presetSubtype="0" fill="hold" nodeType="clickEffect">
                                   <p:stCondLst>
                                     <p:cond delay="0"/>
                                   </p:stCondLst>
                                   <p:childTnLst>
                                     <p:set>
                                       <p:cBhvr>
-                                        <p:cTn id="15" dur="1" fill="hold">
+                                        <p:cTn id="22" dur="1" fill="hold">
                                           <p:stCondLst>
                                             <p:cond delay="0"/>
                                           </p:stCondLst>
@@ -7049,21 +7074,30 @@
                             </p:childTnLst>
                           </p:cTn>
                         </p:par>
+                      </p:childTnLst>
+                    </p:cTn>
+                  </p:par>
+                  <p:par>
+                    <p:cTn id="23" fill="hold">
+                      <p:stCondLst>
+                        <p:cond delay="indefinite"/>
+                      </p:stCondLst>
+                      <p:childTnLst>
                         <p:par>
-                          <p:cTn id="16" fill="hold">
+                          <p:cTn id="24" fill="hold">
                             <p:stCondLst>
                               <p:cond delay="0"/>
                             </p:stCondLst>
                             <p:childTnLst>
                               <p:par>
-                                <p:cTn id="17" presetID="1" presetClass="entr" presetSubtype="0" fill="hold" nodeType="afterEffect">
+                                <p:cTn id="25" presetID="1" presetClass="entr" presetSubtype="0" fill="hold" nodeType="clickEffect">
                                   <p:stCondLst>
                                     <p:cond delay="0"/>
                                   </p:stCondLst>
                                   <p:childTnLst>
                                     <p:set>
                                       <p:cBhvr>
-                                        <p:cTn id="18" dur="1" fill="hold">
+                                        <p:cTn id="26" dur="1" fill="hold">
                                           <p:stCondLst>
                                             <p:cond delay="0"/>
                                           </p:stCondLst>
@@ -7072,6 +7106,55 @@
                                           <p:spTgt spid="2">
                                             <p:txEl>
                                               <p:pRg st="5" end="5"/>
+                                            </p:txEl>
+                                          </p:spTgt>
+                                        </p:tgtEl>
+                                        <p:attrNameLst>
+                                          <p:attrName>style.visibility</p:attrName>
+                                        </p:attrNameLst>
+                                      </p:cBhvr>
+                                      <p:to>
+                                        <p:strVal val="visible"/>
+                                      </p:to>
+                                    </p:set>
+                                  </p:childTnLst>
+                                </p:cTn>
+                              </p:par>
+                            </p:childTnLst>
+                          </p:cTn>
+                        </p:par>
+                      </p:childTnLst>
+                    </p:cTn>
+                  </p:par>
+                  <p:par>
+                    <p:cTn id="27" fill="hold">
+                      <p:stCondLst>
+                        <p:cond delay="indefinite"/>
+                      </p:stCondLst>
+                      <p:childTnLst>
+                        <p:par>
+                          <p:cTn id="28" fill="hold">
+                            <p:stCondLst>
+                              <p:cond delay="0"/>
+                            </p:stCondLst>
+                            <p:childTnLst>
+                              <p:par>
+                                <p:cTn id="29" presetID="1" presetClass="entr" presetSubtype="0" fill="hold" nodeType="clickEffect">
+                                  <p:stCondLst>
+                                    <p:cond delay="0"/>
+                                  </p:stCondLst>
+                                  <p:childTnLst>
+                                    <p:set>
+                                      <p:cBhvr>
+                                        <p:cTn id="30" dur="1" fill="hold">
+                                          <p:stCondLst>
+                                            <p:cond delay="0"/>
+                                          </p:stCondLst>
+                                        </p:cTn>
+                                        <p:tgtEl>
+                                          <p:spTgt spid="2">
+                                            <p:txEl>
+                                              <p:pRg st="6" end="6"/>
                                             </p:txEl>
                                           </p:spTgt>
                                         </p:tgtEl>
@@ -7174,6 +7257,10 @@
           </p:nvPr>
         </p:nvSpPr>
         <p:spPr>
+          <a:xfrm>
+            <a:off x="311700" y="1152475"/>
+            <a:ext cx="5415860" cy="3416400"/>
+          </a:xfrm>
           <a:prstGeom prst="rect">
             <a:avLst/>
           </a:prstGeom>
@@ -7214,6 +7301,183 @@
   <p:clrMapOvr>
     <a:masterClrMapping/>
   </p:clrMapOvr>
+  <p:timing>
+    <p:tnLst>
+      <p:par>
+        <p:cTn id="1" dur="indefinite" restart="never" nodeType="tmRoot">
+          <p:childTnLst>
+            <p:seq concurrent="1" nextAc="seek">
+              <p:cTn id="2" dur="indefinite" nodeType="mainSeq">
+                <p:childTnLst>
+                  <p:par>
+                    <p:cTn id="3" fill="hold">
+                      <p:stCondLst>
+                        <p:cond delay="indefinite"/>
+                      </p:stCondLst>
+                      <p:childTnLst>
+                        <p:par>
+                          <p:cTn id="4" fill="hold">
+                            <p:stCondLst>
+                              <p:cond delay="0"/>
+                            </p:stCondLst>
+                            <p:childTnLst>
+                              <p:par>
+                                <p:cTn id="5" presetID="1" presetClass="entr" presetSubtype="0" fill="hold" nodeType="clickEffect">
+                                  <p:stCondLst>
+                                    <p:cond delay="0"/>
+                                  </p:stCondLst>
+                                  <p:childTnLst>
+                                    <p:set>
+                                      <p:cBhvr>
+                                        <p:cTn id="6" dur="1" fill="hold">
+                                          <p:stCondLst>
+                                            <p:cond delay="0"/>
+                                          </p:stCondLst>
+                                        </p:cTn>
+                                        <p:tgtEl>
+                                          <p:spTgt spid="66">
+                                            <p:txEl>
+                                              <p:pRg st="0" end="0"/>
+                                            </p:txEl>
+                                          </p:spTgt>
+                                        </p:tgtEl>
+                                        <p:attrNameLst>
+                                          <p:attrName>style.visibility</p:attrName>
+                                        </p:attrNameLst>
+                                      </p:cBhvr>
+                                      <p:to>
+                                        <p:strVal val="visible"/>
+                                      </p:to>
+                                    </p:set>
+                                  </p:childTnLst>
+                                </p:cTn>
+                              </p:par>
+                            </p:childTnLst>
+                          </p:cTn>
+                        </p:par>
+                      </p:childTnLst>
+                    </p:cTn>
+                  </p:par>
+                  <p:par>
+                    <p:cTn id="7" fill="hold">
+                      <p:stCondLst>
+                        <p:cond delay="indefinite"/>
+                      </p:stCondLst>
+                      <p:childTnLst>
+                        <p:par>
+                          <p:cTn id="8" fill="hold">
+                            <p:stCondLst>
+                              <p:cond delay="0"/>
+                            </p:stCondLst>
+                            <p:childTnLst>
+                              <p:par>
+                                <p:cTn id="9" presetID="1" presetClass="entr" presetSubtype="0" fill="hold" nodeType="clickEffect">
+                                  <p:stCondLst>
+                                    <p:cond delay="0"/>
+                                  </p:stCondLst>
+                                  <p:childTnLst>
+                                    <p:set>
+                                      <p:cBhvr>
+                                        <p:cTn id="10" dur="1" fill="hold">
+                                          <p:stCondLst>
+                                            <p:cond delay="0"/>
+                                          </p:stCondLst>
+                                        </p:cTn>
+                                        <p:tgtEl>
+                                          <p:spTgt spid="66">
+                                            <p:txEl>
+                                              <p:pRg st="1" end="1"/>
+                                            </p:txEl>
+                                          </p:spTgt>
+                                        </p:tgtEl>
+                                        <p:attrNameLst>
+                                          <p:attrName>style.visibility</p:attrName>
+                                        </p:attrNameLst>
+                                      </p:cBhvr>
+                                      <p:to>
+                                        <p:strVal val="visible"/>
+                                      </p:to>
+                                    </p:set>
+                                  </p:childTnLst>
+                                </p:cTn>
+                              </p:par>
+                            </p:childTnLst>
+                          </p:cTn>
+                        </p:par>
+                      </p:childTnLst>
+                    </p:cTn>
+                  </p:par>
+                  <p:par>
+                    <p:cTn id="11" fill="hold">
+                      <p:stCondLst>
+                        <p:cond delay="indefinite"/>
+                      </p:stCondLst>
+                      <p:childTnLst>
+                        <p:par>
+                          <p:cTn id="12" fill="hold">
+                            <p:stCondLst>
+                              <p:cond delay="0"/>
+                            </p:stCondLst>
+                            <p:childTnLst>
+                              <p:par>
+                                <p:cTn id="13" presetID="1" presetClass="entr" presetSubtype="0" fill="hold" nodeType="clickEffect">
+                                  <p:stCondLst>
+                                    <p:cond delay="0"/>
+                                  </p:stCondLst>
+                                  <p:childTnLst>
+                                    <p:set>
+                                      <p:cBhvr>
+                                        <p:cTn id="14" dur="1" fill="hold">
+                                          <p:stCondLst>
+                                            <p:cond delay="0"/>
+                                          </p:stCondLst>
+                                        </p:cTn>
+                                        <p:tgtEl>
+                                          <p:spTgt spid="66">
+                                            <p:txEl>
+                                              <p:pRg st="2" end="2"/>
+                                            </p:txEl>
+                                          </p:spTgt>
+                                        </p:tgtEl>
+                                        <p:attrNameLst>
+                                          <p:attrName>style.visibility</p:attrName>
+                                        </p:attrNameLst>
+                                      </p:cBhvr>
+                                      <p:to>
+                                        <p:strVal val="visible"/>
+                                      </p:to>
+                                    </p:set>
+                                  </p:childTnLst>
+                                </p:cTn>
+                              </p:par>
+                            </p:childTnLst>
+                          </p:cTn>
+                        </p:par>
+                      </p:childTnLst>
+                    </p:cTn>
+                  </p:par>
+                </p:childTnLst>
+              </p:cTn>
+              <p:prevCondLst>
+                <p:cond evt="onPrev" delay="0">
+                  <p:tgtEl>
+                    <p:sldTgt/>
+                  </p:tgtEl>
+                </p:cond>
+              </p:prevCondLst>
+              <p:nextCondLst>
+                <p:cond evt="onNext" delay="0">
+                  <p:tgtEl>
+                    <p:sldTgt/>
+                  </p:tgtEl>
+                </p:cond>
+              </p:nextCondLst>
+            </p:seq>
+          </p:childTnLst>
+        </p:cTn>
+      </p:par>
+    </p:tnLst>
+  </p:timing>
 </p:sld>
 </file>
 
@@ -7277,6 +7541,10 @@
           </p:nvPr>
         </p:nvSpPr>
         <p:spPr>
+          <a:xfrm>
+            <a:off x="311700" y="1152475"/>
+            <a:ext cx="6450841" cy="3416400"/>
+          </a:xfrm>
           <a:prstGeom prst="rect">
             <a:avLst/>
           </a:prstGeom>
@@ -7314,10 +7582,73 @@
                   <a:schemeClr val="bg1"/>
                 </a:solidFill>
               </a:rPr>
-              <a:t> is used within Materialize, but was not used within the application otherwise</a:t>
+              <a:t> is used within Materialize, but was not used within the application</a:t>
             </a:r>
           </a:p>
           <a:p>
+            <a:r>
+              <a:rPr lang="en-AU" dirty="0"/>
+              <a:t>Moment JS was used where dates were required in APIs</a:t>
+            </a:r>
+          </a:p>
+          <a:p>
+            <a:r>
+              <a:rPr lang="en-AU" dirty="0">
+                <a:solidFill>
+                  <a:schemeClr val="bg1"/>
+                </a:solidFill>
+              </a:rPr>
+              <a:t>APIs used</a:t>
+            </a:r>
+          </a:p>
+          <a:p>
+            <a:pPr lvl="1">
+              <a:spcBef>
+                <a:spcPts val="300"/>
+              </a:spcBef>
+            </a:pPr>
+            <a:r>
+              <a:rPr lang="en-AU" dirty="0" err="1">
+                <a:solidFill>
+                  <a:schemeClr val="bg1"/>
+                </a:solidFill>
+              </a:rPr>
+              <a:t>Chartmetric</a:t>
+            </a:r>
+            <a:r>
+              <a:rPr lang="en-AU" dirty="0">
+                <a:solidFill>
+                  <a:schemeClr val="bg1"/>
+                </a:solidFill>
+              </a:rPr>
+              <a:t> - Reeve</a:t>
+            </a:r>
+          </a:p>
+          <a:p>
+            <a:pPr lvl="1">
+              <a:spcBef>
+                <a:spcPts val="300"/>
+              </a:spcBef>
+            </a:pPr>
+            <a:r>
+              <a:rPr lang="en-AU" dirty="0" err="1">
+                <a:solidFill>
+                  <a:schemeClr val="bg1"/>
+                </a:solidFill>
+              </a:rPr>
+              <a:t>Youtube</a:t>
+            </a:r>
+            <a:r>
+              <a:rPr lang="en-AU" dirty="0">
+                <a:solidFill>
+                  <a:schemeClr val="bg1"/>
+                </a:solidFill>
+              </a:rPr>
+              <a:t> – Mina and Artur</a:t>
+            </a:r>
+          </a:p>
+          <a:p>
+            <a:pPr lvl="1"/>
             <a:endParaRPr dirty="0">
               <a:solidFill>
                 <a:schemeClr val="bg1"/>
@@ -7405,29 +7736,49 @@
           <a:lstStyle/>
           <a:p>
             <a:r>
-              <a:rPr lang="en" dirty="0"/>
-              <a:t>Technologies used</a:t>
+              <a:rPr lang="en-AU" dirty="0"/>
+              <a:t>Artur – HTML, CSS, Materialize, </a:t>
             </a:r>
-            <a:endParaRPr dirty="0"/>
-          </a:p>
-          <a:p>
             <a:r>
-              <a:rPr lang="en" dirty="0"/>
-              <a:t>Breakdown of tasks and roles</a:t>
+              <a:rPr lang="en-AU" dirty="0" err="1"/>
+              <a:t>Youtube</a:t>
             </a:r>
-            <a:endParaRPr dirty="0"/>
-          </a:p>
-          <a:p>
             <a:r>
-              <a:rPr lang="en" dirty="0"/>
-              <a:t>Challenges</a:t>
+              <a:rPr lang="en-AU" dirty="0"/>
+              <a:t>, </a:t>
             </a:r>
-            <a:endParaRPr dirty="0"/>
           </a:p>
           <a:p>
             <a:r>
-              <a:rPr lang="en" dirty="0"/>
-              <a:t>Successes</a:t>
+              <a:rPr lang="en-AU" dirty="0"/>
+              <a:t>Mina – </a:t>
+            </a:r>
+            <a:r>
+              <a:rPr lang="en-AU" dirty="0" err="1"/>
+              <a:t>Musixmatch</a:t>
+            </a:r>
+            <a:r>
+              <a:rPr lang="en-AU" dirty="0"/>
+              <a:t> API, </a:t>
+            </a:r>
+            <a:r>
+              <a:rPr lang="en-AU" dirty="0" err="1"/>
+              <a:t>Youtube</a:t>
+            </a:r>
+            <a:endParaRPr lang="en-AU" dirty="0"/>
+          </a:p>
+          <a:p>
+            <a:r>
+              <a:rPr lang="en-AU" dirty="0"/>
+              <a:t>Reeve – </a:t>
+            </a:r>
+            <a:r>
+              <a:rPr lang="en-AU" dirty="0" err="1"/>
+              <a:t>Chartmetric</a:t>
+            </a:r>
+            <a:r>
+              <a:rPr lang="en-AU" dirty="0"/>
+              <a:t> API, project management, wireframes</a:t>
             </a:r>
             <a:endParaRPr dirty="0"/>
           </a:p>
@@ -7514,31 +7865,25 @@
           <a:lstStyle/>
           <a:p>
             <a:r>
-              <a:rPr lang="en" dirty="0"/>
-              <a:t>Technologies used</a:t>
+              <a:rPr lang="en-AU" dirty="0"/>
+              <a:t>Issues with APIs – CORS</a:t>
             </a:r>
-            <a:endParaRPr dirty="0"/>
-          </a:p>
-          <a:p>
+          </a:p>
+          <a:p>
+            <a:pPr lvl="1"/>
             <a:r>
-              <a:rPr lang="en" dirty="0"/>
-              <a:t>Breakdown of tasks and roles</a:t>
+              <a:rPr lang="en-AU" dirty="0">
+                <a:solidFill>
+                  <a:schemeClr val="bg1"/>
+                </a:solidFill>
+              </a:rPr>
+              <a:t>This was a problem with browser</a:t>
             </a:r>
-            <a:endParaRPr dirty="0"/>
-          </a:p>
-          <a:p>
-            <a:r>
-              <a:rPr lang="en" dirty="0"/>
-              <a:t>Challenges</a:t>
-            </a:r>
-            <a:endParaRPr dirty="0"/>
-          </a:p>
-          <a:p>
-            <a:r>
-              <a:rPr lang="en" dirty="0"/>
-              <a:t>Successes</a:t>
-            </a:r>
-            <a:endParaRPr dirty="0"/>
+            <a:endParaRPr dirty="0">
+              <a:solidFill>
+                <a:schemeClr val="bg1"/>
+              </a:solidFill>
+            </a:endParaRPr>
           </a:p>
         </p:txBody>
       </p:sp>
@@ -7785,13 +8130,96 @@
           </a:bodyPr>
           <a:lstStyle/>
           <a:p>
+            <a:pPr marL="285750" indent="-285750">
+              <a:spcAft>
+                <a:spcPts val="1600"/>
+              </a:spcAft>
+            </a:pPr>
+            <a:r>
+              <a:rPr lang="en-AU" dirty="0"/>
+              <a:t>Ability to search by city/country for top ten</a:t>
+            </a:r>
+          </a:p>
+          <a:p>
+            <a:pPr marL="285750" indent="-285750">
+              <a:spcAft>
+                <a:spcPts val="1600"/>
+              </a:spcAft>
+            </a:pPr>
+            <a:r>
+              <a:rPr lang="en-AU" dirty="0"/>
+              <a:t>Ability to search by song/artist</a:t>
+            </a:r>
+          </a:p>
+          <a:p>
+            <a:pPr marL="285750" indent="-285750">
+              <a:spcAft>
+                <a:spcPts val="1600"/>
+              </a:spcAft>
+            </a:pPr>
+            <a:r>
+              <a:rPr lang="en-AU" dirty="0"/>
+              <a:t>Adding monetisation</a:t>
+            </a:r>
+          </a:p>
+          <a:p>
+            <a:pPr marL="742950" lvl="1" indent="-285750">
+              <a:lnSpc>
+                <a:spcPct val="100000"/>
+              </a:lnSpc>
+              <a:spcBef>
+                <a:spcPts val="200"/>
+              </a:spcBef>
+              <a:spcAft>
+                <a:spcPts val="200"/>
+              </a:spcAft>
+            </a:pPr>
+            <a:r>
+              <a:rPr lang="en-AU" dirty="0">
+                <a:solidFill>
+                  <a:schemeClr val="bg1"/>
+                </a:solidFill>
+              </a:rPr>
+              <a:t>links to purchase music</a:t>
+            </a:r>
+          </a:p>
+          <a:p>
+            <a:pPr marL="742950" lvl="1" indent="-285750">
+              <a:lnSpc>
+                <a:spcPct val="100000"/>
+              </a:lnSpc>
+              <a:spcBef>
+                <a:spcPts val="200"/>
+              </a:spcBef>
+              <a:spcAft>
+                <a:spcPts val="200"/>
+              </a:spcAft>
+            </a:pPr>
+            <a:r>
+              <a:rPr lang="en-AU" dirty="0">
+                <a:solidFill>
+                  <a:schemeClr val="bg1"/>
+                </a:solidFill>
+              </a:rPr>
+              <a:t>advertising</a:t>
+            </a:r>
+          </a:p>
+          <a:p>
+            <a:pPr marL="285750" indent="-285750">
+              <a:spcAft>
+                <a:spcPts val="1600"/>
+              </a:spcAft>
+            </a:pPr>
+            <a:endParaRPr lang="en-AU" dirty="0"/>
+          </a:p>
+          <a:p>
             <a:pPr marL="0" indent="0">
               <a:spcAft>
                 <a:spcPts val="1600"/>
               </a:spcAft>
               <a:buNone/>
             </a:pPr>
-            <a:endParaRPr/>
+            <a:endParaRPr dirty="0"/>
           </a:p>
         </p:txBody>
       </p:sp>

--- a/project/MAR Project-Presentation.pptx
+++ b/project/MAR Project-Presentation.pptx
@@ -250,6 +250,11 @@
       </a:defRPr>
     </a:lvl9pPr>
   </p:defaultTextStyle>
+  <p:extLst>
+    <p:ext uri="{EFAFB233-063F-42B5-8137-9DF3F51BA10A}">
+      <p15:sldGuideLst xmlns:p15="http://schemas.microsoft.com/office/powerpoint/2012/main"/>
+    </p:ext>
+  </p:extLst>
 </p:presentation>
 </file>
 
@@ -5124,7 +5129,7 @@
           </a:blip>
           <a:srcRect/>
           <a:stretch>
-            <a:fillRect l="-4000" t="-12000" b="-15000"/>
+            <a:fillRect l="-9000" t="-14000" b="-12000"/>
           </a:stretch>
         </a:blipFill>
         <a:effectLst/>
@@ -6411,6 +6416,10 @@
           </p:nvPr>
         </p:nvSpPr>
         <p:spPr>
+          <a:xfrm>
+            <a:off x="311708" y="744575"/>
+            <a:ext cx="6035937" cy="1827175"/>
+          </a:xfrm>
           <a:prstGeom prst="rect">
             <a:avLst/>
           </a:prstGeom>
@@ -6423,19 +6432,32 @@
           <a:lstStyle/>
           <a:p>
             <a:r>
-              <a:rPr lang="en" dirty="0">
+              <a:rPr lang="en" b="1" dirty="0">
                 <a:solidFill>
                   <a:schemeClr val="bg1"/>
                 </a:solidFill>
-                <a:latin typeface="Impact" panose="020B0806030902050204" pitchFamily="34" charset="0"/>
               </a:rPr>
-              <a:t>Top 10 Music &amp; Lyrics</a:t>
+              <a:t>Top 10 </a:t>
             </a:r>
-            <a:endParaRPr dirty="0">
+            <a:br>
+              <a:rPr lang="en" b="1" dirty="0">
+                <a:solidFill>
+                  <a:schemeClr val="bg1"/>
+                </a:solidFill>
+              </a:rPr>
+            </a:br>
+            <a:r>
+              <a:rPr lang="en" b="1" dirty="0">
+                <a:solidFill>
+                  <a:schemeClr val="bg1"/>
+                </a:solidFill>
+              </a:rPr>
+              <a:t>Music &amp; Lyrics</a:t>
+            </a:r>
+            <a:endParaRPr b="1" dirty="0">
               <a:solidFill>
                 <a:schemeClr val="bg1"/>
               </a:solidFill>
-              <a:latin typeface="Impact" panose="020B0806030902050204" pitchFamily="34" charset="0"/>
             </a:endParaRPr>
           </a:p>
         </p:txBody>
@@ -6451,6 +6473,10 @@
           </p:nvPr>
         </p:nvSpPr>
         <p:spPr>
+          <a:xfrm>
+            <a:off x="311700" y="3865483"/>
+            <a:ext cx="6035937" cy="759680"/>
+          </a:xfrm>
           <a:prstGeom prst="rect">
             <a:avLst/>
           </a:prstGeom>
@@ -7648,6 +7674,29 @@
             </a:r>
           </a:p>
           <a:p>
+            <a:pPr lvl="1">
+              <a:spcBef>
+                <a:spcPts val="300"/>
+              </a:spcBef>
+            </a:pPr>
+            <a:r>
+              <a:rPr lang="en-AU" dirty="0" err="1">
+                <a:solidFill>
+                  <a:schemeClr val="bg1"/>
+                </a:solidFill>
+              </a:rPr>
+              <a:t>Musixmatch</a:t>
+            </a:r>
+            <a:r>
+              <a:rPr lang="en-AU" dirty="0">
+                <a:solidFill>
+                  <a:schemeClr val="bg1"/>
+                </a:solidFill>
+              </a:rPr>
+              <a:t> – Mina and Reeve</a:t>
+            </a:r>
+          </a:p>
+          <a:p>
             <a:pPr lvl="1"/>
             <a:endParaRPr dirty="0">
               <a:solidFill>
@@ -7878,6 +7927,12 @@
                 </a:solidFill>
               </a:rPr>
               <a:t>This was a problem with browser</a:t>
+            </a:r>
+          </a:p>
+          <a:p>
+            <a:r>
+              <a:rPr lang="en-AU" dirty="0"/>
+              <a:t>Git merging</a:t>
             </a:r>
             <a:endParaRPr dirty="0">
               <a:solidFill>
